--- a/Day 2 of Crash Course/University of Illinois REU Introduction to Matlab Day 2 with examples.pptx
+++ b/Day 2 of Crash Course/University of Illinois REU Introduction to Matlab Day 2 with examples.pptx
@@ -7,12 +7,16 @@
   <p:sldIdLst>
     <p:sldId id="256" r:id="rId2"/>
     <p:sldId id="257" r:id="rId3"/>
-    <p:sldId id="258" r:id="rId4"/>
+    <p:sldId id="264" r:id="rId4"/>
     <p:sldId id="260" r:id="rId5"/>
     <p:sldId id="263" r:id="rId6"/>
-    <p:sldId id="261" r:id="rId7"/>
-    <p:sldId id="262" r:id="rId8"/>
-    <p:sldId id="259" r:id="rId9"/>
+    <p:sldId id="265" r:id="rId7"/>
+    <p:sldId id="266" r:id="rId8"/>
+    <p:sldId id="267" r:id="rId9"/>
+    <p:sldId id="268" r:id="rId10"/>
+    <p:sldId id="261" r:id="rId11"/>
+    <p:sldId id="262" r:id="rId12"/>
+    <p:sldId id="259" r:id="rId13"/>
   </p:sldIdLst>
   <p:sldSz cx="12192000" cy="6858000"/>
   <p:notesSz cx="6858000" cy="9144000"/>
@@ -248,7 +252,7 @@
           <a:p>
             <a:fld id="{4F813D5D-9D8E-4484-BE86-4458FD589FAD}" type="datetimeFigureOut">
               <a:rPr lang="en-US" smtClean="0"/>
-              <a:t>5/31/2017</a:t>
+              <a:t>6/30/2017</a:t>
             </a:fld>
             <a:endParaRPr lang="en-US"/>
           </a:p>
@@ -416,7 +420,7 @@
           <a:p>
             <a:fld id="{4F813D5D-9D8E-4484-BE86-4458FD589FAD}" type="datetimeFigureOut">
               <a:rPr lang="en-US" smtClean="0"/>
-              <a:t>5/31/2017</a:t>
+              <a:t>6/30/2017</a:t>
             </a:fld>
             <a:endParaRPr lang="en-US"/>
           </a:p>
@@ -594,7 +598,7 @@
           <a:p>
             <a:fld id="{4F813D5D-9D8E-4484-BE86-4458FD589FAD}" type="datetimeFigureOut">
               <a:rPr lang="en-US" smtClean="0"/>
-              <a:t>5/31/2017</a:t>
+              <a:t>6/30/2017</a:t>
             </a:fld>
             <a:endParaRPr lang="en-US"/>
           </a:p>
@@ -762,7 +766,7 @@
           <a:p>
             <a:fld id="{4F813D5D-9D8E-4484-BE86-4458FD589FAD}" type="datetimeFigureOut">
               <a:rPr lang="en-US" smtClean="0"/>
-              <a:t>5/31/2017</a:t>
+              <a:t>6/30/2017</a:t>
             </a:fld>
             <a:endParaRPr lang="en-US"/>
           </a:p>
@@ -1007,7 +1011,7 @@
           <a:p>
             <a:fld id="{4F813D5D-9D8E-4484-BE86-4458FD589FAD}" type="datetimeFigureOut">
               <a:rPr lang="en-US" smtClean="0"/>
-              <a:t>5/31/2017</a:t>
+              <a:t>6/30/2017</a:t>
             </a:fld>
             <a:endParaRPr lang="en-US"/>
           </a:p>
@@ -1236,7 +1240,7 @@
           <a:p>
             <a:fld id="{4F813D5D-9D8E-4484-BE86-4458FD589FAD}" type="datetimeFigureOut">
               <a:rPr lang="en-US" smtClean="0"/>
-              <a:t>5/31/2017</a:t>
+              <a:t>6/30/2017</a:t>
             </a:fld>
             <a:endParaRPr lang="en-US"/>
           </a:p>
@@ -1600,7 +1604,7 @@
           <a:p>
             <a:fld id="{4F813D5D-9D8E-4484-BE86-4458FD589FAD}" type="datetimeFigureOut">
               <a:rPr lang="en-US" smtClean="0"/>
-              <a:t>5/31/2017</a:t>
+              <a:t>6/30/2017</a:t>
             </a:fld>
             <a:endParaRPr lang="en-US"/>
           </a:p>
@@ -1717,7 +1721,7 @@
           <a:p>
             <a:fld id="{4F813D5D-9D8E-4484-BE86-4458FD589FAD}" type="datetimeFigureOut">
               <a:rPr lang="en-US" smtClean="0"/>
-              <a:t>5/31/2017</a:t>
+              <a:t>6/30/2017</a:t>
             </a:fld>
             <a:endParaRPr lang="en-US"/>
           </a:p>
@@ -1812,7 +1816,7 @@
           <a:p>
             <a:fld id="{4F813D5D-9D8E-4484-BE86-4458FD589FAD}" type="datetimeFigureOut">
               <a:rPr lang="en-US" smtClean="0"/>
-              <a:t>5/31/2017</a:t>
+              <a:t>6/30/2017</a:t>
             </a:fld>
             <a:endParaRPr lang="en-US"/>
           </a:p>
@@ -2087,7 +2091,7 @@
           <a:p>
             <a:fld id="{4F813D5D-9D8E-4484-BE86-4458FD589FAD}" type="datetimeFigureOut">
               <a:rPr lang="en-US" smtClean="0"/>
-              <a:t>5/31/2017</a:t>
+              <a:t>6/30/2017</a:t>
             </a:fld>
             <a:endParaRPr lang="en-US"/>
           </a:p>
@@ -2342,7 +2346,7 @@
           <a:p>
             <a:fld id="{4F813D5D-9D8E-4484-BE86-4458FD589FAD}" type="datetimeFigureOut">
               <a:rPr lang="en-US" smtClean="0"/>
-              <a:t>5/31/2017</a:t>
+              <a:t>6/30/2017</a:t>
             </a:fld>
             <a:endParaRPr lang="en-US"/>
           </a:p>
@@ -2589,7 +2593,7 @@
           <a:p>
             <a:fld id="{4F813D5D-9D8E-4484-BE86-4458FD589FAD}" type="datetimeFigureOut">
               <a:rPr lang="en-US" smtClean="0"/>
-              <a:t>5/31/2017</a:t>
+              <a:t>6/30/2017</a:t>
             </a:fld>
             <a:endParaRPr lang="en-US"/>
           </a:p>
@@ -3071,6 +3075,843 @@
 </p:sld>
 </file>
 
+<file path=ppt/slides/slide10.xml><?xml version="1.0" encoding="utf-8"?>
+<p:sld xmlns:a="http://schemas.openxmlformats.org/drawingml/2006/main" xmlns:r="http://schemas.openxmlformats.org/officeDocument/2006/relationships" xmlns:p="http://schemas.openxmlformats.org/presentationml/2006/main">
+  <p:cSld>
+    <p:spTree>
+      <p:nvGrpSpPr>
+        <p:cNvPr id="1" name=""/>
+        <p:cNvGrpSpPr/>
+        <p:nvPr/>
+      </p:nvGrpSpPr>
+      <p:grpSpPr>
+        <a:xfrm>
+          <a:off x="0" y="0"/>
+          <a:ext cx="0" cy="0"/>
+          <a:chOff x="0" y="0"/>
+          <a:chExt cx="0" cy="0"/>
+        </a:xfrm>
+      </p:grpSpPr>
+      <p:sp>
+        <p:nvSpPr>
+          <p:cNvPr id="2" name="Title 1"/>
+          <p:cNvSpPr>
+            <a:spLocks noGrp="1"/>
+          </p:cNvSpPr>
+          <p:nvPr>
+            <p:ph type="title"/>
+          </p:nvPr>
+        </p:nvSpPr>
+        <p:spPr>
+          <a:xfrm>
+            <a:off x="89170" y="77787"/>
+            <a:ext cx="10515600" cy="1325563"/>
+          </a:xfrm>
+        </p:spPr>
+        <p:txBody>
+          <a:bodyPr/>
+          <a:lstStyle/>
+          <a:p>
+            <a:r>
+              <a:rPr lang="en-US" dirty="0"/>
+              <a:t>Fitting data to a Function</a:t>
+            </a:r>
+          </a:p>
+        </p:txBody>
+      </p:sp>
+      <p:sp>
+        <p:nvSpPr>
+          <p:cNvPr id="3" name="Content Placeholder 2"/>
+          <p:cNvSpPr>
+            <a:spLocks noGrp="1"/>
+          </p:cNvSpPr>
+          <p:nvPr>
+            <p:ph idx="1"/>
+          </p:nvPr>
+        </p:nvSpPr>
+        <p:spPr>
+          <a:xfrm>
+            <a:off x="169137" y="1190208"/>
+            <a:ext cx="8549640" cy="1732915"/>
+          </a:xfrm>
+        </p:spPr>
+        <p:txBody>
+          <a:bodyPr/>
+          <a:lstStyle/>
+          <a:p>
+            <a:pPr marL="0" indent="0">
+              <a:buNone/>
+            </a:pPr>
+            <a:r>
+              <a:rPr lang="en-US" dirty="0"/>
+              <a:t>Using Code</a:t>
+            </a:r>
+          </a:p>
+        </p:txBody>
+      </p:sp>
+      <p:sp>
+        <p:nvSpPr>
+          <p:cNvPr id="4" name="Rectangle 3"/>
+          <p:cNvSpPr/>
+          <p:nvPr/>
+        </p:nvSpPr>
+        <p:spPr>
+          <a:xfrm>
+            <a:off x="6608547" y="1022278"/>
+            <a:ext cx="4939219" cy="369332"/>
+          </a:xfrm>
+          <a:prstGeom prst="rect">
+            <a:avLst/>
+          </a:prstGeom>
+        </p:spPr>
+        <p:txBody>
+          <a:bodyPr wrap="square">
+            <a:spAutoFit/>
+          </a:bodyPr>
+          <a:lstStyle/>
+          <a:p>
+            <a:r>
+              <a:rPr lang="en-US" b="1" i="1" dirty="0"/>
+              <a:t>Try setting up a fit to the test data you generated</a:t>
+            </a:r>
+          </a:p>
+        </p:txBody>
+      </p:sp>
+      <p:pic>
+        <p:nvPicPr>
+          <p:cNvPr id="5" name="Picture 4"/>
+          <p:cNvPicPr>
+            <a:picLocks noChangeAspect="1"/>
+          </p:cNvPicPr>
+          <p:nvPr/>
+        </p:nvPicPr>
+        <p:blipFill rotWithShape="1">
+          <a:blip r:embed="rId2"/>
+          <a:srcRect r="45821"/>
+          <a:stretch/>
+        </p:blipFill>
+        <p:spPr>
+          <a:xfrm>
+            <a:off x="800976" y="4628852"/>
+            <a:ext cx="2802188" cy="1038225"/>
+          </a:xfrm>
+          <a:prstGeom prst="rect">
+            <a:avLst/>
+          </a:prstGeom>
+        </p:spPr>
+      </p:pic>
+      <p:cxnSp>
+        <p:nvCxnSpPr>
+          <p:cNvPr id="7" name="Straight Arrow Connector 6"/>
+          <p:cNvCxnSpPr/>
+          <p:nvPr/>
+        </p:nvCxnSpPr>
+        <p:spPr>
+          <a:xfrm>
+            <a:off x="2065072" y="4255581"/>
+            <a:ext cx="581217" cy="796884"/>
+          </a:xfrm>
+          <a:prstGeom prst="straightConnector1">
+            <a:avLst/>
+          </a:prstGeom>
+          <a:ln w="38100">
+            <a:solidFill>
+              <a:schemeClr val="tx1"/>
+            </a:solidFill>
+            <a:tailEnd type="triangle"/>
+          </a:ln>
+        </p:spPr>
+        <p:style>
+          <a:lnRef idx="1">
+            <a:schemeClr val="accent1"/>
+          </a:lnRef>
+          <a:fillRef idx="0">
+            <a:schemeClr val="accent1"/>
+          </a:fillRef>
+          <a:effectRef idx="0">
+            <a:schemeClr val="accent1"/>
+          </a:effectRef>
+          <a:fontRef idx="minor">
+            <a:schemeClr val="tx1"/>
+          </a:fontRef>
+        </p:style>
+      </p:cxnSp>
+      <p:pic>
+        <p:nvPicPr>
+          <p:cNvPr id="8" name="Picture 7"/>
+          <p:cNvPicPr>
+            <a:picLocks noChangeAspect="1"/>
+          </p:cNvPicPr>
+          <p:nvPr/>
+        </p:nvPicPr>
+        <p:blipFill>
+          <a:blip r:embed="rId3"/>
+          <a:stretch>
+            <a:fillRect/>
+          </a:stretch>
+        </p:blipFill>
+        <p:spPr>
+          <a:xfrm>
+            <a:off x="6856454" y="4190730"/>
+            <a:ext cx="3537316" cy="2383155"/>
+          </a:xfrm>
+          <a:prstGeom prst="rect">
+            <a:avLst/>
+          </a:prstGeom>
+        </p:spPr>
+      </p:pic>
+      <p:sp>
+        <p:nvSpPr>
+          <p:cNvPr id="9" name="TextBox 8"/>
+          <p:cNvSpPr txBox="1"/>
+          <p:nvPr/>
+        </p:nvSpPr>
+        <p:spPr>
+          <a:xfrm>
+            <a:off x="5050053" y="5914776"/>
+            <a:ext cx="1613943" cy="369332"/>
+          </a:xfrm>
+          <a:prstGeom prst="rect">
+            <a:avLst/>
+          </a:prstGeom>
+          <a:noFill/>
+        </p:spPr>
+        <p:txBody>
+          <a:bodyPr wrap="square" rtlCol="0">
+            <a:spAutoFit/>
+          </a:bodyPr>
+          <a:lstStyle/>
+          <a:p>
+            <a:r>
+              <a:rPr lang="en-US" dirty="0"/>
+              <a:t>Variables to fit</a:t>
+            </a:r>
+          </a:p>
+        </p:txBody>
+      </p:sp>
+      <p:cxnSp>
+        <p:nvCxnSpPr>
+          <p:cNvPr id="12" name="Straight Arrow Connector 11"/>
+          <p:cNvCxnSpPr/>
+          <p:nvPr/>
+        </p:nvCxnSpPr>
+        <p:spPr>
+          <a:xfrm flipV="1">
+            <a:off x="6089665" y="4741681"/>
+            <a:ext cx="1108481" cy="1037035"/>
+          </a:xfrm>
+          <a:prstGeom prst="straightConnector1">
+            <a:avLst/>
+          </a:prstGeom>
+          <a:ln w="38100">
+            <a:solidFill>
+              <a:schemeClr val="tx1"/>
+            </a:solidFill>
+            <a:tailEnd type="triangle"/>
+          </a:ln>
+        </p:spPr>
+        <p:style>
+          <a:lnRef idx="1">
+            <a:schemeClr val="accent1"/>
+          </a:lnRef>
+          <a:fillRef idx="0">
+            <a:schemeClr val="accent1"/>
+          </a:fillRef>
+          <a:effectRef idx="0">
+            <a:schemeClr val="accent1"/>
+          </a:effectRef>
+          <a:fontRef idx="minor">
+            <a:schemeClr val="tx1"/>
+          </a:fontRef>
+        </p:style>
+      </p:cxnSp>
+      <p:sp>
+        <p:nvSpPr>
+          <p:cNvPr id="13" name="TextBox 12"/>
+          <p:cNvSpPr txBox="1"/>
+          <p:nvPr/>
+        </p:nvSpPr>
+        <p:spPr>
+          <a:xfrm>
+            <a:off x="10875523" y="5594050"/>
+            <a:ext cx="891591" cy="369332"/>
+          </a:xfrm>
+          <a:prstGeom prst="rect">
+            <a:avLst/>
+          </a:prstGeom>
+          <a:noFill/>
+        </p:spPr>
+        <p:txBody>
+          <a:bodyPr wrap="none" rtlCol="0">
+            <a:spAutoFit/>
+          </a:bodyPr>
+          <a:lstStyle/>
+          <a:p>
+            <a:r>
+              <a:rPr lang="en-US" dirty="0"/>
+              <a:t>Fit type</a:t>
+            </a:r>
+          </a:p>
+        </p:txBody>
+      </p:sp>
+      <p:cxnSp>
+        <p:nvCxnSpPr>
+          <p:cNvPr id="15" name="Straight Arrow Connector 14"/>
+          <p:cNvCxnSpPr/>
+          <p:nvPr/>
+        </p:nvCxnSpPr>
+        <p:spPr>
+          <a:xfrm flipH="1" flipV="1">
+            <a:off x="9027268" y="4614214"/>
+            <a:ext cx="1848255" cy="1164502"/>
+          </a:xfrm>
+          <a:prstGeom prst="straightConnector1">
+            <a:avLst/>
+          </a:prstGeom>
+          <a:ln w="38100">
+            <a:solidFill>
+              <a:schemeClr val="tx1"/>
+            </a:solidFill>
+            <a:tailEnd type="triangle"/>
+          </a:ln>
+        </p:spPr>
+        <p:style>
+          <a:lnRef idx="1">
+            <a:schemeClr val="accent1"/>
+          </a:lnRef>
+          <a:fillRef idx="0">
+            <a:schemeClr val="accent1"/>
+          </a:fillRef>
+          <a:effectRef idx="0">
+            <a:schemeClr val="accent1"/>
+          </a:effectRef>
+          <a:fontRef idx="minor">
+            <a:schemeClr val="tx1"/>
+          </a:fontRef>
+        </p:style>
+      </p:cxnSp>
+      <p:sp>
+        <p:nvSpPr>
+          <p:cNvPr id="18" name="Content Placeholder 2"/>
+          <p:cNvSpPr txBox="1">
+            <a:spLocks/>
+          </p:cNvSpPr>
+          <p:nvPr/>
+        </p:nvSpPr>
+        <p:spPr>
+          <a:xfrm>
+            <a:off x="169137" y="3822112"/>
+            <a:ext cx="2401633" cy="426864"/>
+          </a:xfrm>
+          <a:prstGeom prst="rect">
+            <a:avLst/>
+          </a:prstGeom>
+        </p:spPr>
+        <p:txBody>
+          <a:bodyPr vert="horz" lIns="91440" tIns="45720" rIns="91440" bIns="45720" rtlCol="0">
+            <a:normAutofit fontScale="92500" lnSpcReduction="10000"/>
+          </a:bodyPr>
+          <a:lstStyle>
+            <a:lvl1pPr marL="228600" indent="-228600" algn="l" defTabSz="914400" rtl="0" eaLnBrk="1" latinLnBrk="0" hangingPunct="1">
+              <a:lnSpc>
+                <a:spcPct val="90000"/>
+              </a:lnSpc>
+              <a:spcBef>
+                <a:spcPts val="1000"/>
+              </a:spcBef>
+              <a:buFont typeface="Arial" panose="020B0604020202020204" pitchFamily="34" charset="0"/>
+              <a:buChar char="•"/>
+              <a:defRPr sz="2800" kern="1200">
+                <a:solidFill>
+                  <a:schemeClr val="tx1"/>
+                </a:solidFill>
+                <a:latin typeface="+mn-lt"/>
+                <a:ea typeface="+mn-ea"/>
+                <a:cs typeface="+mn-cs"/>
+              </a:defRPr>
+            </a:lvl1pPr>
+            <a:lvl2pPr marL="685800" indent="-228600" algn="l" defTabSz="914400" rtl="0" eaLnBrk="1" latinLnBrk="0" hangingPunct="1">
+              <a:lnSpc>
+                <a:spcPct val="90000"/>
+              </a:lnSpc>
+              <a:spcBef>
+                <a:spcPts val="500"/>
+              </a:spcBef>
+              <a:buFont typeface="Arial" panose="020B0604020202020204" pitchFamily="34" charset="0"/>
+              <a:buChar char="•"/>
+              <a:defRPr sz="2400" kern="1200">
+                <a:solidFill>
+                  <a:schemeClr val="tx1"/>
+                </a:solidFill>
+                <a:latin typeface="+mn-lt"/>
+                <a:ea typeface="+mn-ea"/>
+                <a:cs typeface="+mn-cs"/>
+              </a:defRPr>
+            </a:lvl2pPr>
+            <a:lvl3pPr marL="1143000" indent="-228600" algn="l" defTabSz="914400" rtl="0" eaLnBrk="1" latinLnBrk="0" hangingPunct="1">
+              <a:lnSpc>
+                <a:spcPct val="90000"/>
+              </a:lnSpc>
+              <a:spcBef>
+                <a:spcPts val="500"/>
+              </a:spcBef>
+              <a:buFont typeface="Arial" panose="020B0604020202020204" pitchFamily="34" charset="0"/>
+              <a:buChar char="•"/>
+              <a:defRPr sz="2000" kern="1200">
+                <a:solidFill>
+                  <a:schemeClr val="tx1"/>
+                </a:solidFill>
+                <a:latin typeface="+mn-lt"/>
+                <a:ea typeface="+mn-ea"/>
+                <a:cs typeface="+mn-cs"/>
+              </a:defRPr>
+            </a:lvl3pPr>
+            <a:lvl4pPr marL="1600200" indent="-228600" algn="l" defTabSz="914400" rtl="0" eaLnBrk="1" latinLnBrk="0" hangingPunct="1">
+              <a:lnSpc>
+                <a:spcPct val="90000"/>
+              </a:lnSpc>
+              <a:spcBef>
+                <a:spcPts val="500"/>
+              </a:spcBef>
+              <a:buFont typeface="Arial" panose="020B0604020202020204" pitchFamily="34" charset="0"/>
+              <a:buChar char="•"/>
+              <a:defRPr sz="1800" kern="1200">
+                <a:solidFill>
+                  <a:schemeClr val="tx1"/>
+                </a:solidFill>
+                <a:latin typeface="+mn-lt"/>
+                <a:ea typeface="+mn-ea"/>
+                <a:cs typeface="+mn-cs"/>
+              </a:defRPr>
+            </a:lvl4pPr>
+            <a:lvl5pPr marL="2057400" indent="-228600" algn="l" defTabSz="914400" rtl="0" eaLnBrk="1" latinLnBrk="0" hangingPunct="1">
+              <a:lnSpc>
+                <a:spcPct val="90000"/>
+              </a:lnSpc>
+              <a:spcBef>
+                <a:spcPts val="500"/>
+              </a:spcBef>
+              <a:buFont typeface="Arial" panose="020B0604020202020204" pitchFamily="34" charset="0"/>
+              <a:buChar char="•"/>
+              <a:defRPr sz="1800" kern="1200">
+                <a:solidFill>
+                  <a:schemeClr val="tx1"/>
+                </a:solidFill>
+                <a:latin typeface="+mn-lt"/>
+                <a:ea typeface="+mn-ea"/>
+                <a:cs typeface="+mn-cs"/>
+              </a:defRPr>
+            </a:lvl5pPr>
+            <a:lvl6pPr marL="2514600" indent="-228600" algn="l" defTabSz="914400" rtl="0" eaLnBrk="1" latinLnBrk="0" hangingPunct="1">
+              <a:lnSpc>
+                <a:spcPct val="90000"/>
+              </a:lnSpc>
+              <a:spcBef>
+                <a:spcPts val="500"/>
+              </a:spcBef>
+              <a:buFont typeface="Arial" panose="020B0604020202020204" pitchFamily="34" charset="0"/>
+              <a:buChar char="•"/>
+              <a:defRPr sz="1800" kern="1200">
+                <a:solidFill>
+                  <a:schemeClr val="tx1"/>
+                </a:solidFill>
+                <a:latin typeface="+mn-lt"/>
+                <a:ea typeface="+mn-ea"/>
+                <a:cs typeface="+mn-cs"/>
+              </a:defRPr>
+            </a:lvl6pPr>
+            <a:lvl7pPr marL="2971800" indent="-228600" algn="l" defTabSz="914400" rtl="0" eaLnBrk="1" latinLnBrk="0" hangingPunct="1">
+              <a:lnSpc>
+                <a:spcPct val="90000"/>
+              </a:lnSpc>
+              <a:spcBef>
+                <a:spcPts val="500"/>
+              </a:spcBef>
+              <a:buFont typeface="Arial" panose="020B0604020202020204" pitchFamily="34" charset="0"/>
+              <a:buChar char="•"/>
+              <a:defRPr sz="1800" kern="1200">
+                <a:solidFill>
+                  <a:schemeClr val="tx1"/>
+                </a:solidFill>
+                <a:latin typeface="+mn-lt"/>
+                <a:ea typeface="+mn-ea"/>
+                <a:cs typeface="+mn-cs"/>
+              </a:defRPr>
+            </a:lvl7pPr>
+            <a:lvl8pPr marL="3429000" indent="-228600" algn="l" defTabSz="914400" rtl="0" eaLnBrk="1" latinLnBrk="0" hangingPunct="1">
+              <a:lnSpc>
+                <a:spcPct val="90000"/>
+              </a:lnSpc>
+              <a:spcBef>
+                <a:spcPts val="500"/>
+              </a:spcBef>
+              <a:buFont typeface="Arial" panose="020B0604020202020204" pitchFamily="34" charset="0"/>
+              <a:buChar char="•"/>
+              <a:defRPr sz="1800" kern="1200">
+                <a:solidFill>
+                  <a:schemeClr val="tx1"/>
+                </a:solidFill>
+                <a:latin typeface="+mn-lt"/>
+                <a:ea typeface="+mn-ea"/>
+                <a:cs typeface="+mn-cs"/>
+              </a:defRPr>
+            </a:lvl8pPr>
+            <a:lvl9pPr marL="3886200" indent="-228600" algn="l" defTabSz="914400" rtl="0" eaLnBrk="1" latinLnBrk="0" hangingPunct="1">
+              <a:lnSpc>
+                <a:spcPct val="90000"/>
+              </a:lnSpc>
+              <a:spcBef>
+                <a:spcPts val="500"/>
+              </a:spcBef>
+              <a:buFont typeface="Arial" panose="020B0604020202020204" pitchFamily="34" charset="0"/>
+              <a:buChar char="•"/>
+              <a:defRPr sz="1800" kern="1200">
+                <a:solidFill>
+                  <a:schemeClr val="tx1"/>
+                </a:solidFill>
+                <a:latin typeface="+mn-lt"/>
+                <a:ea typeface="+mn-ea"/>
+                <a:cs typeface="+mn-cs"/>
+              </a:defRPr>
+            </a:lvl9pPr>
+          </a:lstStyle>
+          <a:p>
+            <a:pPr marL="0" indent="0">
+              <a:buFont typeface="Arial" panose="020B0604020202020204" pitchFamily="34" charset="0"/>
+              <a:buNone/>
+            </a:pPr>
+            <a:r>
+              <a:rPr lang="en-US" dirty="0"/>
+              <a:t>Using the GUI</a:t>
+            </a:r>
+          </a:p>
+        </p:txBody>
+      </p:sp>
+    </p:spTree>
+    <p:extLst>
+      <p:ext uri="{BB962C8B-B14F-4D97-AF65-F5344CB8AC3E}">
+        <p14:creationId xmlns:p14="http://schemas.microsoft.com/office/powerpoint/2010/main" val="1324146652"/>
+      </p:ext>
+    </p:extLst>
+  </p:cSld>
+  <p:clrMapOvr>
+    <a:masterClrMapping/>
+  </p:clrMapOvr>
+</p:sld>
+</file>
+
+<file path=ppt/slides/slide11.xml><?xml version="1.0" encoding="utf-8"?>
+<p:sld xmlns:a="http://schemas.openxmlformats.org/drawingml/2006/main" xmlns:r="http://schemas.openxmlformats.org/officeDocument/2006/relationships" xmlns:p="http://schemas.openxmlformats.org/presentationml/2006/main">
+  <p:cSld>
+    <p:spTree>
+      <p:nvGrpSpPr>
+        <p:cNvPr id="1" name=""/>
+        <p:cNvGrpSpPr/>
+        <p:nvPr/>
+      </p:nvGrpSpPr>
+      <p:grpSpPr>
+        <a:xfrm>
+          <a:off x="0" y="0"/>
+          <a:ext cx="0" cy="0"/>
+          <a:chOff x="0" y="0"/>
+          <a:chExt cx="0" cy="0"/>
+        </a:xfrm>
+      </p:grpSpPr>
+      <p:sp>
+        <p:nvSpPr>
+          <p:cNvPr id="2" name="Title 1"/>
+          <p:cNvSpPr>
+            <a:spLocks noGrp="1"/>
+          </p:cNvSpPr>
+          <p:nvPr>
+            <p:ph type="title"/>
+          </p:nvPr>
+        </p:nvSpPr>
+        <p:spPr/>
+        <p:txBody>
+          <a:bodyPr/>
+          <a:lstStyle/>
+          <a:p>
+            <a:r>
+              <a:rPr lang="en-US" dirty="0"/>
+              <a:t>Analyzing the Fit</a:t>
+            </a:r>
+          </a:p>
+        </p:txBody>
+      </p:sp>
+      <p:sp>
+        <p:nvSpPr>
+          <p:cNvPr id="3" name="Content Placeholder 2"/>
+          <p:cNvSpPr>
+            <a:spLocks noGrp="1"/>
+          </p:cNvSpPr>
+          <p:nvPr>
+            <p:ph idx="1"/>
+          </p:nvPr>
+        </p:nvSpPr>
+        <p:spPr/>
+        <p:txBody>
+          <a:bodyPr/>
+          <a:lstStyle/>
+          <a:p>
+            <a:r>
+              <a:rPr lang="en-US" dirty="0"/>
+              <a:t>The Fitting App gives a quality of fit</a:t>
+            </a:r>
+          </a:p>
+          <a:p>
+            <a:pPr marL="0" indent="0">
+              <a:buNone/>
+            </a:pPr>
+            <a:endParaRPr lang="en-US" dirty="0"/>
+          </a:p>
+        </p:txBody>
+      </p:sp>
+      <p:pic>
+        <p:nvPicPr>
+          <p:cNvPr id="4" name="Picture 3"/>
+          <p:cNvPicPr>
+            <a:picLocks noChangeAspect="1"/>
+          </p:cNvPicPr>
+          <p:nvPr/>
+        </p:nvPicPr>
+        <p:blipFill>
+          <a:blip r:embed="rId2"/>
+          <a:stretch>
+            <a:fillRect/>
+          </a:stretch>
+        </p:blipFill>
+        <p:spPr>
+          <a:xfrm>
+            <a:off x="6795135" y="2218214"/>
+            <a:ext cx="4654202" cy="3237706"/>
+          </a:xfrm>
+          <a:prstGeom prst="rect">
+            <a:avLst/>
+          </a:prstGeom>
+          <a:ln>
+            <a:solidFill>
+              <a:schemeClr val="tx1"/>
+            </a:solidFill>
+          </a:ln>
+        </p:spPr>
+      </p:pic>
+      <p:sp>
+        <p:nvSpPr>
+          <p:cNvPr id="5" name="Rectangle 4"/>
+          <p:cNvSpPr/>
+          <p:nvPr/>
+        </p:nvSpPr>
+        <p:spPr>
+          <a:xfrm>
+            <a:off x="546735" y="3923031"/>
+            <a:ext cx="6248400" cy="646331"/>
+          </a:xfrm>
+          <a:prstGeom prst="rect">
+            <a:avLst/>
+          </a:prstGeom>
+        </p:spPr>
+        <p:txBody>
+          <a:bodyPr wrap="square">
+            <a:spAutoFit/>
+          </a:bodyPr>
+          <a:lstStyle/>
+          <a:p>
+            <a:r>
+              <a:rPr lang="en-US" b="1" i="1" dirty="0"/>
+              <a:t>Try adding more and more random noise to your data and see what happens to the different goodness of fit parameters.</a:t>
+            </a:r>
+          </a:p>
+        </p:txBody>
+      </p:sp>
+    </p:spTree>
+    <p:extLst>
+      <p:ext uri="{BB962C8B-B14F-4D97-AF65-F5344CB8AC3E}">
+        <p14:creationId xmlns:p14="http://schemas.microsoft.com/office/powerpoint/2010/main" val="2121419604"/>
+      </p:ext>
+    </p:extLst>
+  </p:cSld>
+  <p:clrMapOvr>
+    <a:masterClrMapping/>
+  </p:clrMapOvr>
+</p:sld>
+</file>
+
+<file path=ppt/slides/slide12.xml><?xml version="1.0" encoding="utf-8"?>
+<p:sld xmlns:a="http://schemas.openxmlformats.org/drawingml/2006/main" xmlns:r="http://schemas.openxmlformats.org/officeDocument/2006/relationships" xmlns:p="http://schemas.openxmlformats.org/presentationml/2006/main">
+  <p:cSld>
+    <p:spTree>
+      <p:nvGrpSpPr>
+        <p:cNvPr id="1" name=""/>
+        <p:cNvGrpSpPr/>
+        <p:nvPr/>
+      </p:nvGrpSpPr>
+      <p:grpSpPr>
+        <a:xfrm>
+          <a:off x="0" y="0"/>
+          <a:ext cx="0" cy="0"/>
+          <a:chOff x="0" y="0"/>
+          <a:chExt cx="0" cy="0"/>
+        </a:xfrm>
+      </p:grpSpPr>
+      <p:sp>
+        <p:nvSpPr>
+          <p:cNvPr id="2" name="Title 1"/>
+          <p:cNvSpPr>
+            <a:spLocks noGrp="1"/>
+          </p:cNvSpPr>
+          <p:nvPr>
+            <p:ph type="title"/>
+          </p:nvPr>
+        </p:nvSpPr>
+        <p:spPr/>
+        <p:txBody>
+          <a:bodyPr/>
+          <a:lstStyle/>
+          <a:p>
+            <a:r>
+              <a:rPr lang="en-US" dirty="0"/>
+              <a:t>Importing Data</a:t>
+            </a:r>
+          </a:p>
+        </p:txBody>
+      </p:sp>
+      <p:sp>
+        <p:nvSpPr>
+          <p:cNvPr id="3" name="Content Placeholder 2"/>
+          <p:cNvSpPr>
+            <a:spLocks noGrp="1"/>
+          </p:cNvSpPr>
+          <p:nvPr>
+            <p:ph idx="1"/>
+          </p:nvPr>
+        </p:nvSpPr>
+        <p:spPr>
+          <a:xfrm>
+            <a:off x="838200" y="1848485"/>
+            <a:ext cx="10515600" cy="3104515"/>
+          </a:xfrm>
+        </p:spPr>
+        <p:txBody>
+          <a:bodyPr/>
+          <a:lstStyle/>
+          <a:p>
+            <a:pPr marL="0" indent="0">
+              <a:buNone/>
+            </a:pPr>
+            <a:r>
+              <a:rPr lang="en-US" dirty="0"/>
+              <a:t>Using Code – </a:t>
+            </a:r>
+            <a:r>
+              <a:rPr lang="en-US" dirty="0" err="1"/>
+              <a:t>Matlab</a:t>
+            </a:r>
+            <a:r>
+              <a:rPr lang="en-US" dirty="0"/>
+              <a:t> has support for importing a large variety of different file formats (</a:t>
+            </a:r>
+            <a:r>
+              <a:rPr lang="en-US" dirty="0">
+                <a:hlinkClick r:id="rId2"/>
+              </a:rPr>
+              <a:t>see her</a:t>
+            </a:r>
+            <a:r>
+              <a:rPr lang="en-US" dirty="0"/>
+              <a:t>e).  For today we will stick to using csv files (</a:t>
+            </a:r>
+            <a:r>
+              <a:rPr lang="en-US" dirty="0" err="1"/>
+              <a:t>csvread</a:t>
+            </a:r>
+            <a:r>
+              <a:rPr lang="en-US" dirty="0"/>
+              <a:t> and </a:t>
+            </a:r>
+            <a:r>
+              <a:rPr lang="en-US" dirty="0" err="1"/>
+              <a:t>csvwrite</a:t>
+            </a:r>
+            <a:r>
+              <a:rPr lang="en-US" dirty="0"/>
+              <a:t> commands).</a:t>
+            </a:r>
+          </a:p>
+          <a:p>
+            <a:pPr marL="0" indent="0">
+              <a:buNone/>
+            </a:pPr>
+            <a:endParaRPr lang="en-US" dirty="0"/>
+          </a:p>
+          <a:p>
+            <a:pPr marL="0" indent="0">
+              <a:buNone/>
+            </a:pPr>
+            <a:r>
+              <a:rPr lang="en-US" dirty="0"/>
+              <a:t>Like we did yesterday, if you have the data file downloaded you can drag and drop it into the workspace to import the data.  </a:t>
+            </a:r>
+          </a:p>
+        </p:txBody>
+      </p:sp>
+      <p:sp>
+        <p:nvSpPr>
+          <p:cNvPr id="4" name="Rectangle 3"/>
+          <p:cNvSpPr/>
+          <p:nvPr/>
+        </p:nvSpPr>
+        <p:spPr>
+          <a:xfrm>
+            <a:off x="2855595" y="4953000"/>
+            <a:ext cx="6248400" cy="1200329"/>
+          </a:xfrm>
+          <a:prstGeom prst="rect">
+            <a:avLst/>
+          </a:prstGeom>
+        </p:spPr>
+        <p:txBody>
+          <a:bodyPr wrap="square">
+            <a:spAutoFit/>
+          </a:bodyPr>
+          <a:lstStyle/>
+          <a:p>
+            <a:r>
+              <a:rPr lang="en-US" b="1" i="1" dirty="0"/>
+              <a:t>Try downloading the sample functions in the </a:t>
+            </a:r>
+            <a:r>
+              <a:rPr lang="en-US" b="1" i="1" dirty="0" err="1"/>
+              <a:t>Github</a:t>
+            </a:r>
+            <a:r>
+              <a:rPr lang="en-US" b="1" i="1" dirty="0"/>
+              <a:t> folder and figure out what the functions are.  If there is extra time, download the Boston marathon Data, and try fitting the outcomes to different functions (histograms to Gaussians </a:t>
+            </a:r>
+            <a:r>
+              <a:rPr lang="en-US" b="1" i="1" dirty="0" err="1"/>
+              <a:t>etc</a:t>
+            </a:r>
+            <a:r>
+              <a:rPr lang="en-US" b="1" i="1" dirty="0"/>
+              <a:t>)</a:t>
+            </a:r>
+          </a:p>
+        </p:txBody>
+      </p:sp>
+    </p:spTree>
+    <p:extLst>
+      <p:ext uri="{BB962C8B-B14F-4D97-AF65-F5344CB8AC3E}">
+        <p14:creationId xmlns:p14="http://schemas.microsoft.com/office/powerpoint/2010/main" val="1081705465"/>
+      </p:ext>
+    </p:extLst>
+  </p:cSld>
+  <p:clrMapOvr>
+    <a:masterClrMapping/>
+  </p:clrMapOvr>
+</p:sld>
+</file>
+
 <file path=ppt/slides/slide2.xml><?xml version="1.0" encoding="utf-8"?>
 <p:sld xmlns:a="http://schemas.openxmlformats.org/drawingml/2006/main" xmlns:r="http://schemas.openxmlformats.org/officeDocument/2006/relationships" xmlns:p="http://schemas.openxmlformats.org/presentationml/2006/main">
   <p:cSld>
@@ -3122,7 +3963,9 @@
         </p:nvSpPr>
         <p:spPr/>
         <p:txBody>
-          <a:bodyPr/>
+          <a:bodyPr>
+            <a:normAutofit lnSpcReduction="10000"/>
+          </a:bodyPr>
           <a:lstStyle/>
           <a:p>
             <a:pPr marL="0" indent="0">
@@ -3136,7 +3979,27 @@
           <a:p>
             <a:r>
               <a:rPr lang="en-US" dirty="0"/>
-              <a:t>Skills from Day One of the Crash Course</a:t>
+              <a:t>Familiarity using the </a:t>
+            </a:r>
+            <a:r>
+              <a:rPr lang="en-US" dirty="0" err="1"/>
+              <a:t>Matlab</a:t>
+            </a:r>
+            <a:r>
+              <a:rPr lang="en-US" dirty="0"/>
+              <a:t> interface</a:t>
+            </a:r>
+          </a:p>
+          <a:p>
+            <a:r>
+              <a:rPr lang="en-US" dirty="0"/>
+              <a:t>Be able to create variables, write and run .m files </a:t>
+            </a:r>
+          </a:p>
+          <a:p>
+            <a:r>
+              <a:rPr lang="en-US" dirty="0"/>
+              <a:t>Make graphs with code and the GUI</a:t>
             </a:r>
           </a:p>
           <a:p>
@@ -3257,73 +4120,46 @@
               <a:buNone/>
             </a:pPr>
             <a:r>
-              <a:rPr lang="en-US" u="sng" dirty="0" err="1"/>
-              <a:t>Matlab</a:t>
-            </a:r>
-            <a:r>
-              <a:rPr lang="en-US" u="sng" dirty="0"/>
-              <a:t> Documentation (online)</a:t>
-            </a:r>
-          </a:p>
-          <a:p>
-            <a:pPr lvl="1"/>
-            <a:r>
-              <a:rPr lang="en-US" dirty="0"/>
-              <a:t>Easiest to find through a Google search of “</a:t>
-            </a:r>
-            <a:r>
-              <a:rPr lang="en-US" dirty="0" err="1"/>
-              <a:t>Matlab</a:t>
-            </a:r>
-            <a:r>
-              <a:rPr lang="en-US" dirty="0"/>
-              <a:t> + command”</a:t>
-            </a:r>
-          </a:p>
-          <a:p>
-            <a:pPr lvl="1"/>
-            <a:r>
-              <a:rPr lang="en-US" dirty="0"/>
-              <a:t>There is example code with an explanation of most commands</a:t>
-            </a:r>
-          </a:p>
-          <a:p>
-            <a:pPr lvl="1"/>
-            <a:r>
-              <a:rPr lang="en-US" dirty="0"/>
-              <a:t>Links to similar commands are listed at the bottom of the page</a:t>
-            </a:r>
-          </a:p>
-          <a:p>
-            <a:pPr marL="0" indent="0">
-              <a:buNone/>
-            </a:pPr>
-            <a:r>
-              <a:rPr lang="en-US" u="sng" dirty="0">
-                <a:hlinkClick r:id="rId2"/>
-              </a:rPr>
-              <a:t>BYU Intro to </a:t>
-            </a:r>
-            <a:r>
               <a:rPr lang="en-US" u="sng" dirty="0" err="1">
                 <a:hlinkClick r:id="rId2"/>
               </a:rPr>
               <a:t>Matlab</a:t>
             </a:r>
+            <a:r>
+              <a:rPr lang="en-US" u="sng" dirty="0">
+                <a:hlinkClick r:id="rId2"/>
+              </a:rPr>
+              <a:t> Documentation</a:t>
+            </a:r>
             <a:endParaRPr lang="en-US" u="sng" dirty="0"/>
           </a:p>
           <a:p>
             <a:pPr lvl="1"/>
             <a:r>
               <a:rPr lang="en-US" dirty="0"/>
-              <a:t>Loosely used as an outline for this crash course</a:t>
+              <a:t>Easiest to find through a Google search of “</a:t>
+            </a:r>
+            <a:r>
+              <a:rPr lang="en-US" dirty="0" err="1"/>
+              <a:t>Matlab</a:t>
+            </a:r>
+            <a:r>
+              <a:rPr lang="en-US" dirty="0"/>
+              <a:t> + command”</a:t>
             </a:r>
           </a:p>
           <a:p>
             <a:pPr lvl="1"/>
             <a:r>
               <a:rPr lang="en-US" dirty="0"/>
-              <a:t>PDF with less explicit cross references than the online material</a:t>
+              <a:t>There is example code with an explanation of most commands</a:t>
+            </a:r>
+          </a:p>
+          <a:p>
+            <a:pPr lvl="1"/>
+            <a:r>
+              <a:rPr lang="en-US" dirty="0"/>
+              <a:t>Links to similar commands are listed at the bottom of the page</a:t>
             </a:r>
           </a:p>
           <a:p>
@@ -3334,6 +4170,38 @@
               <a:rPr lang="en-US" u="sng" dirty="0">
                 <a:hlinkClick r:id="rId3"/>
               </a:rPr>
+              <a:t>BYU Intro to </a:t>
+            </a:r>
+            <a:r>
+              <a:rPr lang="en-US" u="sng" dirty="0" err="1">
+                <a:hlinkClick r:id="rId3"/>
+              </a:rPr>
+              <a:t>Matlab</a:t>
+            </a:r>
+            <a:endParaRPr lang="en-US" u="sng" dirty="0"/>
+          </a:p>
+          <a:p>
+            <a:pPr lvl="1"/>
+            <a:r>
+              <a:rPr lang="en-US" dirty="0"/>
+              <a:t>Loosely used as an outline for this crash course</a:t>
+            </a:r>
+          </a:p>
+          <a:p>
+            <a:pPr lvl="1"/>
+            <a:r>
+              <a:rPr lang="en-US" dirty="0"/>
+              <a:t>PDF with less explicit cross references than the online material</a:t>
+            </a:r>
+          </a:p>
+          <a:p>
+            <a:pPr marL="0" indent="0">
+              <a:buNone/>
+            </a:pPr>
+            <a:r>
+              <a:rPr lang="en-US" u="sng" dirty="0">
+                <a:hlinkClick r:id="rId4"/>
+              </a:rPr>
               <a:t>Weitzman Institute</a:t>
             </a:r>
             <a:endParaRPr lang="en-US" u="sng" dirty="0"/>
@@ -3380,7 +4248,7 @@
             <a:pPr lvl="1"/>
             <a:r>
               <a:rPr lang="en-US" dirty="0"/>
-              <a:t>Has experience fitting data similar to the data you are fitting in your field </a:t>
+              <a:t>Easiest way to find answers about syntax problems or unknown errors</a:t>
             </a:r>
           </a:p>
         </p:txBody>
@@ -3388,7 +4256,7 @@
     </p:spTree>
     <p:extLst>
       <p:ext uri="{BB962C8B-B14F-4D97-AF65-F5344CB8AC3E}">
-        <p14:creationId xmlns:p14="http://schemas.microsoft.com/office/powerpoint/2010/main" val="3985250941"/>
+        <p14:creationId xmlns:p14="http://schemas.microsoft.com/office/powerpoint/2010/main" val="739725812"/>
       </p:ext>
     </p:extLst>
   </p:cSld>
@@ -3449,8 +4317,8 @@
         </p:nvSpPr>
         <p:spPr>
           <a:xfrm>
-            <a:off x="518160" y="1690688"/>
-            <a:ext cx="10515600" cy="1207135"/>
+            <a:off x="388133" y="1690688"/>
+            <a:ext cx="8003270" cy="1207135"/>
           </a:xfrm>
         </p:spPr>
         <p:txBody>
@@ -3486,8 +4354,8 @@
         </p:nvSpPr>
         <p:spPr>
           <a:xfrm>
-            <a:off x="762000" y="3016251"/>
-            <a:ext cx="6248400" cy="2585323"/>
+            <a:off x="893323" y="2685949"/>
+            <a:ext cx="6667987" cy="3416320"/>
           </a:xfrm>
           <a:prstGeom prst="rect">
             <a:avLst/>
@@ -3501,11 +4369,29 @@
           <a:p>
             <a:r>
               <a:rPr lang="en-US" b="1" i="1" dirty="0"/>
-              <a:t>Try to write a program that will create some test data for us to fit to.  Have 2 sets of data for each function, a low sample set and a high sample set. </a:t>
-            </a:r>
-          </a:p>
-          <a:p>
-            <a:endParaRPr lang="en-US" b="1" i="1" dirty="0"/>
+              <a:t>Try to write a program that will create some test data for us to fit functions to.  Have 2 sets of data for each function, a low sample rate set with random noise and a high sample rate set to compare the noisy one to. </a:t>
+            </a:r>
+            <a:r>
+              <a:rPr lang="en-US" b="1" i="1" dirty="0"/>
+              <a:t>Then plot both of the data sets for each function on the same graph to check that they </a:t>
+            </a:r>
+            <a:r>
+              <a:rPr lang="en-US" b="1" i="1" dirty="0" err="1"/>
+              <a:t>infact</a:t>
+            </a:r>
+            <a:r>
+              <a:rPr lang="en-US" b="1" i="1" dirty="0"/>
+              <a:t> overlap.  </a:t>
+            </a:r>
+          </a:p>
+          <a:p>
+            <a:endParaRPr lang="en-US" b="1" i="1" u="sng" dirty="0"/>
+          </a:p>
+          <a:p>
+            <a:r>
+              <a:rPr lang="en-US" b="1" i="1" u="sng" dirty="0"/>
+              <a:t>Function Types</a:t>
+            </a:r>
           </a:p>
           <a:p>
             <a:pPr marL="285750" indent="-285750">
@@ -3514,7 +4400,7 @@
             </a:pPr>
             <a:r>
               <a:rPr lang="en-US" b="1" i="1" dirty="0"/>
-              <a:t>A Polynomial Function with some noise on top of the data</a:t>
+              <a:t>Polynomial Function </a:t>
             </a:r>
           </a:p>
           <a:p>
@@ -3524,35 +4410,23 @@
             </a:pPr>
             <a:r>
               <a:rPr lang="en-US" b="1" i="1" dirty="0"/>
-              <a:t>1-2 periods of a sine function. </a:t>
-            </a:r>
-          </a:p>
-          <a:p>
-            <a:pPr marL="285750" indent="-285750">
-              <a:buFontTx/>
-              <a:buChar char="-"/>
-            </a:pPr>
+              <a:t>3 periods of a sine function. </a:t>
+            </a:r>
+          </a:p>
+          <a:p>
             <a:endParaRPr lang="en-US" b="1" i="1" dirty="0"/>
           </a:p>
           <a:p>
             <a:r>
               <a:rPr lang="en-US" b="1" i="1" dirty="0"/>
-              <a:t>Then plot both of the data sets on the same graph to check that they </a:t>
-            </a:r>
-            <a:r>
-              <a:rPr lang="en-US" b="1" i="1" dirty="0" err="1"/>
-              <a:t>infact</a:t>
-            </a:r>
-            <a:r>
-              <a:rPr lang="en-US" b="1" i="1" dirty="0"/>
-              <a:t> overlap.  </a:t>
+              <a:t>You are encouraged to use the commands from yesterday (creating variables, vector manipulation, for loops) to create the data set.  </a:t>
             </a:r>
           </a:p>
         </p:txBody>
       </p:sp>
       <p:pic>
         <p:nvPicPr>
-          <p:cNvPr id="9" name="Picture 8"/>
+          <p:cNvPr id="7" name="Picture 6"/>
           <p:cNvPicPr>
             <a:picLocks noChangeAspect="1"/>
           </p:cNvPicPr>
@@ -3566,8 +4440,8 @@
         </p:blipFill>
         <p:spPr>
           <a:xfrm>
-            <a:off x="8350247" y="4513084"/>
-            <a:ext cx="2569211" cy="1926908"/>
+            <a:off x="8705581" y="3978611"/>
+            <a:ext cx="2991119" cy="2243339"/>
           </a:xfrm>
           <a:prstGeom prst="rect">
             <a:avLst/>
@@ -3581,7 +4455,7 @@
       </p:pic>
       <p:pic>
         <p:nvPicPr>
-          <p:cNvPr id="10" name="Picture 9"/>
+          <p:cNvPr id="8" name="Picture 7"/>
           <p:cNvPicPr>
             <a:picLocks noChangeAspect="1"/>
           </p:cNvPicPr>
@@ -3595,8 +4469,8 @@
         </p:blipFill>
         <p:spPr>
           <a:xfrm>
-            <a:off x="8350248" y="2510135"/>
-            <a:ext cx="2569211" cy="1926908"/>
+            <a:off x="8705581" y="1159965"/>
+            <a:ext cx="2996117" cy="2247088"/>
           </a:xfrm>
           <a:prstGeom prst="rect">
             <a:avLst/>
@@ -3650,7 +4524,7 @@
         </p:nvSpPr>
         <p:spPr>
           <a:xfrm>
-            <a:off x="152400" y="26825"/>
+            <a:off x="262647" y="262647"/>
             <a:ext cx="10515600" cy="1325563"/>
           </a:xfrm>
         </p:spPr>
@@ -3662,36 +4536,20 @@
               <a:rPr lang="en-US" dirty="0"/>
               <a:t>This is what mine looks like</a:t>
             </a:r>
-          </a:p>
-        </p:txBody>
-      </p:sp>
-      <p:sp>
-        <p:nvSpPr>
-          <p:cNvPr id="3" name="Content Placeholder 2"/>
-          <p:cNvSpPr>
-            <a:spLocks noGrp="1"/>
-          </p:cNvSpPr>
-          <p:nvPr>
-            <p:ph idx="1"/>
-          </p:nvPr>
-        </p:nvSpPr>
-        <p:spPr>
-          <a:xfrm>
-            <a:off x="838200" y="1825625"/>
-            <a:ext cx="7056120" cy="4351338"/>
-          </a:xfrm>
-        </p:spPr>
-        <p:txBody>
-          <a:bodyPr/>
-          <a:lstStyle/>
-          <a:p>
-            <a:endParaRPr lang="en-US"/>
+            <a:br>
+              <a:rPr lang="en-US" dirty="0"/>
+            </a:br>
+            <a:r>
+              <a:rPr lang="en-US" sz="2800" dirty="0"/>
+              <a:t>Polynomial Function</a:t>
+            </a:r>
+            <a:endParaRPr lang="en-US" dirty="0"/>
           </a:p>
         </p:txBody>
       </p:sp>
       <p:pic>
         <p:nvPicPr>
-          <p:cNvPr id="4" name="Picture 3"/>
+          <p:cNvPr id="8" name="Picture 7"/>
           <p:cNvPicPr>
             <a:picLocks noChangeAspect="1"/>
           </p:cNvPicPr>
@@ -3705,8 +4563,8 @@
         </p:blipFill>
         <p:spPr>
           <a:xfrm>
-            <a:off x="8275320" y="3824288"/>
-            <a:ext cx="3421380" cy="2566035"/>
+            <a:off x="7795912" y="2150107"/>
+            <a:ext cx="3951328" cy="2963496"/>
           </a:xfrm>
           <a:prstGeom prst="rect">
             <a:avLst/>
@@ -3720,7 +4578,7 @@
       </p:pic>
       <p:pic>
         <p:nvPicPr>
-          <p:cNvPr id="5" name="Picture 4"/>
+          <p:cNvPr id="9" name="Picture 8"/>
           <p:cNvPicPr>
             <a:picLocks noChangeAspect="1"/>
           </p:cNvPicPr>
@@ -3734,8 +4592,8 @@
         </p:blipFill>
         <p:spPr>
           <a:xfrm>
-            <a:off x="8275320" y="1064894"/>
-            <a:ext cx="3421380" cy="2566035"/>
+            <a:off x="398835" y="1786582"/>
+            <a:ext cx="7075472" cy="3690547"/>
           </a:xfrm>
           <a:prstGeom prst="rect">
             <a:avLst/>
@@ -3745,30 +4603,6 @@
               <a:schemeClr val="tx1"/>
             </a:solidFill>
           </a:ln>
-        </p:spPr>
-      </p:pic>
-      <p:pic>
-        <p:nvPicPr>
-          <p:cNvPr id="6" name="Picture 5"/>
-          <p:cNvPicPr>
-            <a:picLocks noChangeAspect="1"/>
-          </p:cNvPicPr>
-          <p:nvPr/>
-        </p:nvPicPr>
-        <p:blipFill>
-          <a:blip r:embed="rId4"/>
-          <a:stretch>
-            <a:fillRect/>
-          </a:stretch>
-        </p:blipFill>
-        <p:spPr>
-          <a:xfrm>
-            <a:off x="1870016" y="1370331"/>
-            <a:ext cx="4526743" cy="4805680"/>
-          </a:xfrm>
-          <a:prstGeom prst="rect">
-            <a:avLst/>
-          </a:prstGeom>
         </p:spPr>
       </p:pic>
     </p:spTree>
@@ -3811,156 +4645,63 @@
             <p:ph type="title"/>
           </p:nvPr>
         </p:nvSpPr>
-        <p:spPr/>
+        <p:spPr>
+          <a:xfrm>
+            <a:off x="262646" y="350195"/>
+            <a:ext cx="10515600" cy="1325563"/>
+          </a:xfrm>
+        </p:spPr>
         <p:txBody>
           <a:bodyPr/>
           <a:lstStyle/>
           <a:p>
             <a:r>
               <a:rPr lang="en-US" dirty="0"/>
-              <a:t>Fitting data to a Function</a:t>
-            </a:r>
-          </a:p>
-        </p:txBody>
-      </p:sp>
-      <p:sp>
-        <p:nvSpPr>
-          <p:cNvPr id="3" name="Content Placeholder 2"/>
-          <p:cNvSpPr>
-            <a:spLocks noGrp="1"/>
-          </p:cNvSpPr>
-          <p:nvPr>
-            <p:ph idx="1"/>
-          </p:nvPr>
-        </p:nvSpPr>
-        <p:spPr>
-          <a:xfrm>
-            <a:off x="373380" y="1558925"/>
-            <a:ext cx="8549640" cy="1732915"/>
-          </a:xfrm>
-        </p:spPr>
-        <p:txBody>
-          <a:bodyPr/>
-          <a:lstStyle/>
-          <a:p>
-            <a:pPr marL="0" indent="0">
-              <a:buNone/>
-            </a:pPr>
-            <a:r>
+              <a:t>This is what mine looks like</a:t>
+            </a:r>
+            <a:br>
               <a:rPr lang="en-US" dirty="0"/>
-              <a:t>Using the GUI is the easiest way to generate code </a:t>
-            </a:r>
-          </a:p>
-          <a:p>
-            <a:r>
-              <a:rPr lang="en-US" dirty="0"/>
-              <a:t>With the Data in your workspace, open the fitting app</a:t>
-            </a:r>
-          </a:p>
-          <a:p>
-            <a:r>
-              <a:rPr lang="en-US" dirty="0"/>
-              <a:t>Select the variables to fit, and the fit type</a:t>
-            </a:r>
-          </a:p>
-        </p:txBody>
-      </p:sp>
-      <p:sp>
-        <p:nvSpPr>
-          <p:cNvPr id="4" name="Rectangle 3"/>
-          <p:cNvSpPr/>
-          <p:nvPr/>
-        </p:nvSpPr>
-        <p:spPr>
-          <a:xfrm>
-            <a:off x="2628900" y="5435749"/>
-            <a:ext cx="9288780" cy="646331"/>
-          </a:xfrm>
-          <a:prstGeom prst="rect">
-            <a:avLst/>
-          </a:prstGeom>
-        </p:spPr>
-        <p:txBody>
-          <a:bodyPr wrap="square">
-            <a:spAutoFit/>
-          </a:bodyPr>
-          <a:lstStyle/>
-          <a:p>
-            <a:r>
-              <a:rPr lang="en-US" b="1" i="1" dirty="0"/>
-              <a:t>Try setting up a fit to the test data you generated</a:t>
-            </a:r>
-          </a:p>
-          <a:p>
-            <a:r>
-              <a:rPr lang="en-US" b="1" i="1" dirty="0"/>
-              <a:t>Can you use the polynomial fit to get the polynomial expansion for your sine function?</a:t>
-            </a:r>
+            </a:br>
+            <a:r>
+              <a:rPr lang="en-US" sz="2800" dirty="0"/>
+              <a:t>Sinusoidal Function</a:t>
+            </a:r>
+            <a:endParaRPr lang="en-US" dirty="0"/>
           </a:p>
         </p:txBody>
       </p:sp>
       <p:pic>
         <p:nvPicPr>
-          <p:cNvPr id="5" name="Picture 4"/>
+          <p:cNvPr id="11" name="Picture 10"/>
           <p:cNvPicPr>
             <a:picLocks noChangeAspect="1"/>
           </p:cNvPicPr>
           <p:nvPr/>
         </p:nvPicPr>
-        <p:blipFill rotWithShape="1">
+        <p:blipFill>
           <a:blip r:embed="rId2"/>
-          <a:srcRect r="45821"/>
-          <a:stretch/>
+          <a:stretch>
+            <a:fillRect/>
+          </a:stretch>
         </p:blipFill>
         <p:spPr>
           <a:xfrm>
-            <a:off x="428693" y="3447415"/>
-            <a:ext cx="2802188" cy="1038225"/>
+            <a:off x="7892597" y="2363818"/>
+            <a:ext cx="3955918" cy="2966938"/>
           </a:xfrm>
           <a:prstGeom prst="rect">
             <a:avLst/>
           </a:prstGeom>
-        </p:spPr>
-      </p:pic>
-      <p:cxnSp>
-        <p:nvCxnSpPr>
-          <p:cNvPr id="7" name="Straight Arrow Connector 6"/>
-          <p:cNvCxnSpPr/>
-          <p:nvPr/>
-        </p:nvCxnSpPr>
-        <p:spPr>
-          <a:xfrm flipV="1">
-            <a:off x="1379220" y="4274820"/>
-            <a:ext cx="822960" cy="731520"/>
-          </a:xfrm>
-          <a:prstGeom prst="straightConnector1">
-            <a:avLst/>
-          </a:prstGeom>
-          <a:ln w="38100">
+          <a:ln>
             <a:solidFill>
               <a:schemeClr val="tx1"/>
             </a:solidFill>
-            <a:tailEnd type="triangle"/>
           </a:ln>
         </p:spPr>
-        <p:style>
-          <a:lnRef idx="1">
-            <a:schemeClr val="accent1"/>
-          </a:lnRef>
-          <a:fillRef idx="0">
-            <a:schemeClr val="accent1"/>
-          </a:fillRef>
-          <a:effectRef idx="0">
-            <a:schemeClr val="accent1"/>
-          </a:effectRef>
-          <a:fontRef idx="minor">
-            <a:schemeClr val="tx1"/>
-          </a:fontRef>
-        </p:style>
-      </p:cxnSp>
+      </p:pic>
       <p:pic>
         <p:nvPicPr>
-          <p:cNvPr id="8" name="Picture 7"/>
+          <p:cNvPr id="4" name="Picture 3"/>
           <p:cNvPicPr>
             <a:picLocks noChangeAspect="1"/>
           </p:cNvPicPr>
@@ -3974,152 +4715,23 @@
         </p:blipFill>
         <p:spPr>
           <a:xfrm>
-            <a:off x="7668713" y="2884488"/>
-            <a:ext cx="3537316" cy="2383155"/>
+            <a:off x="359922" y="2175802"/>
+            <a:ext cx="7040318" cy="3342970"/>
           </a:xfrm>
           <a:prstGeom prst="rect">
             <a:avLst/>
           </a:prstGeom>
-        </p:spPr>
-      </p:pic>
-      <p:sp>
-        <p:nvSpPr>
-          <p:cNvPr id="9" name="TextBox 8"/>
-          <p:cNvSpPr txBox="1"/>
-          <p:nvPr/>
-        </p:nvSpPr>
-        <p:spPr>
-          <a:xfrm>
-            <a:off x="4870676" y="4066859"/>
-            <a:ext cx="1613943" cy="369332"/>
-          </a:xfrm>
-          <a:prstGeom prst="rect">
-            <a:avLst/>
-          </a:prstGeom>
-          <a:noFill/>
-        </p:spPr>
-        <p:txBody>
-          <a:bodyPr wrap="square" rtlCol="0">
-            <a:spAutoFit/>
-          </a:bodyPr>
-          <a:lstStyle/>
-          <a:p>
-            <a:r>
-              <a:rPr lang="en-US" dirty="0"/>
-              <a:t>Variables to fit</a:t>
-            </a:r>
-          </a:p>
-        </p:txBody>
-      </p:sp>
-      <p:cxnSp>
-        <p:nvCxnSpPr>
-          <p:cNvPr id="12" name="Straight Arrow Connector 11"/>
-          <p:cNvCxnSpPr>
-            <a:stCxn id="9" idx="3"/>
-          </p:cNvCxnSpPr>
-          <p:nvPr/>
-        </p:nvCxnSpPr>
-        <p:spPr>
-          <a:xfrm flipV="1">
-            <a:off x="6484619" y="3447415"/>
-            <a:ext cx="1341121" cy="804110"/>
-          </a:xfrm>
-          <a:prstGeom prst="straightConnector1">
-            <a:avLst/>
-          </a:prstGeom>
-          <a:ln w="38100">
+          <a:ln>
             <a:solidFill>
               <a:schemeClr val="tx1"/>
             </a:solidFill>
-            <a:tailEnd type="triangle"/>
           </a:ln>
         </p:spPr>
-        <p:style>
-          <a:lnRef idx="1">
-            <a:schemeClr val="accent1"/>
-          </a:lnRef>
-          <a:fillRef idx="0">
-            <a:schemeClr val="accent1"/>
-          </a:fillRef>
-          <a:effectRef idx="0">
-            <a:schemeClr val="accent1"/>
-          </a:effectRef>
-          <a:fontRef idx="minor">
-            <a:schemeClr val="tx1"/>
-          </a:fontRef>
-        </p:style>
-      </p:cxnSp>
-      <p:sp>
-        <p:nvSpPr>
-          <p:cNvPr id="13" name="TextBox 12"/>
-          <p:cNvSpPr txBox="1"/>
-          <p:nvPr/>
-        </p:nvSpPr>
-        <p:spPr>
-          <a:xfrm>
-            <a:off x="9829800" y="2130306"/>
-            <a:ext cx="891591" cy="369332"/>
-          </a:xfrm>
-          <a:prstGeom prst="rect">
-            <a:avLst/>
-          </a:prstGeom>
-          <a:noFill/>
-        </p:spPr>
-        <p:txBody>
-          <a:bodyPr wrap="none" rtlCol="0">
-            <a:spAutoFit/>
-          </a:bodyPr>
-          <a:lstStyle/>
-          <a:p>
-            <a:r>
-              <a:rPr lang="en-US" dirty="0"/>
-              <a:t>Fit type</a:t>
-            </a:r>
-          </a:p>
-        </p:txBody>
-      </p:sp>
-      <p:cxnSp>
-        <p:nvCxnSpPr>
-          <p:cNvPr id="15" name="Straight Arrow Connector 14"/>
-          <p:cNvCxnSpPr>
-            <a:stCxn id="13" idx="2"/>
-          </p:cNvCxnSpPr>
-          <p:nvPr/>
-        </p:nvCxnSpPr>
-        <p:spPr>
-          <a:xfrm flipH="1">
-            <a:off x="9768840" y="2499638"/>
-            <a:ext cx="506756" cy="731242"/>
-          </a:xfrm>
-          <a:prstGeom prst="straightConnector1">
-            <a:avLst/>
-          </a:prstGeom>
-          <a:ln w="38100">
-            <a:solidFill>
-              <a:schemeClr val="tx1"/>
-            </a:solidFill>
-            <a:tailEnd type="triangle"/>
-          </a:ln>
-        </p:spPr>
-        <p:style>
-          <a:lnRef idx="1">
-            <a:schemeClr val="accent1"/>
-          </a:lnRef>
-          <a:fillRef idx="0">
-            <a:schemeClr val="accent1"/>
-          </a:fillRef>
-          <a:effectRef idx="0">
-            <a:schemeClr val="accent1"/>
-          </a:effectRef>
-          <a:fontRef idx="minor">
-            <a:schemeClr val="tx1"/>
-          </a:fontRef>
-        </p:style>
-      </p:cxnSp>
+      </p:pic>
     </p:spTree>
     <p:extLst>
       <p:ext uri="{BB962C8B-B14F-4D97-AF65-F5344CB8AC3E}">
-        <p14:creationId xmlns:p14="http://schemas.microsoft.com/office/powerpoint/2010/main" val="1324146652"/>
+        <p14:creationId xmlns:p14="http://schemas.microsoft.com/office/powerpoint/2010/main" val="1111142575"/>
       </p:ext>
     </p:extLst>
   </p:cSld>
@@ -4163,7 +4775,7 @@
           <a:p>
             <a:r>
               <a:rPr lang="en-US" dirty="0"/>
-              <a:t>Analyzing the Fit</a:t>
+              <a:t>Sub Plots in Figures</a:t>
             </a:r>
           </a:p>
         </p:txBody>
@@ -4178,27 +4790,151 @@
             <p:ph idx="1"/>
           </p:nvPr>
         </p:nvSpPr>
-        <p:spPr/>
-        <p:txBody>
-          <a:bodyPr/>
-          <a:lstStyle/>
-          <a:p>
+        <p:spPr>
+          <a:xfrm>
+            <a:off x="507459" y="1553251"/>
+            <a:ext cx="6875835" cy="3096570"/>
+          </a:xfrm>
+        </p:spPr>
+        <p:txBody>
+          <a:bodyPr/>
+          <a:lstStyle/>
+          <a:p>
+            <a:pPr marL="0" indent="0">
+              <a:buNone/>
+            </a:pPr>
             <a:r>
               <a:rPr lang="en-US" dirty="0"/>
-              <a:t>The Fitting App gives a quality of fit</a:t>
+              <a:t>In </a:t>
+            </a:r>
+            <a:r>
+              <a:rPr lang="en-US" dirty="0" err="1"/>
+              <a:t>Matlab</a:t>
+            </a:r>
+            <a:r>
+              <a:rPr lang="en-US" dirty="0"/>
+              <a:t> you can make one figure with multiple plots on it using the subplot command.  </a:t>
             </a:r>
           </a:p>
           <a:p>
             <a:pPr marL="0" indent="0">
               <a:buNone/>
             </a:pPr>
-            <a:endParaRPr lang="en-US" dirty="0"/>
+            <a:r>
+              <a:rPr lang="en-US" u="sng" dirty="0"/>
+              <a:t>There are 3 parts to the command</a:t>
+            </a:r>
+          </a:p>
+          <a:p>
+            <a:pPr marL="514350" indent="-514350">
+              <a:buFont typeface="+mj-lt"/>
+              <a:buAutoNum type="alphaUcPeriod"/>
+            </a:pPr>
+            <a:r>
+              <a:rPr lang="en-US" sz="2000" dirty="0"/>
+              <a:t>The Number of columns of graphs</a:t>
+            </a:r>
+          </a:p>
+          <a:p>
+            <a:pPr marL="514350" indent="-514350">
+              <a:buFont typeface="+mj-lt"/>
+              <a:buAutoNum type="alphaUcPeriod"/>
+            </a:pPr>
+            <a:r>
+              <a:rPr lang="en-US" sz="2000" dirty="0"/>
+              <a:t>The Number of Rows of graphs</a:t>
+            </a:r>
+          </a:p>
+          <a:p>
+            <a:pPr marL="514350" indent="-514350">
+              <a:buFont typeface="+mj-lt"/>
+              <a:buAutoNum type="alphaUcPeriod"/>
+            </a:pPr>
+            <a:r>
+              <a:rPr lang="en-US" sz="2000" dirty="0"/>
+              <a:t>The position you want the next plot command to access</a:t>
+            </a:r>
+          </a:p>
+        </p:txBody>
+      </p:sp>
+      <p:sp>
+        <p:nvSpPr>
+          <p:cNvPr id="5" name="TextBox 4"/>
+          <p:cNvSpPr txBox="1"/>
+          <p:nvPr/>
+        </p:nvSpPr>
+        <p:spPr>
+          <a:xfrm>
+            <a:off x="6374844" y="2878814"/>
+            <a:ext cx="2016899" cy="923330"/>
+          </a:xfrm>
+          <a:prstGeom prst="rect">
+            <a:avLst/>
+          </a:prstGeom>
+          <a:noFill/>
+          <a:ln>
+            <a:solidFill>
+              <a:schemeClr val="tx1"/>
+            </a:solidFill>
+          </a:ln>
+        </p:spPr>
+        <p:txBody>
+          <a:bodyPr wrap="none" rtlCol="0">
+            <a:spAutoFit/>
+          </a:bodyPr>
+          <a:lstStyle/>
+          <a:p>
+            <a:r>
+              <a:rPr lang="en-US" dirty="0"/>
+              <a:t>figure ;</a:t>
+            </a:r>
+          </a:p>
+          <a:p>
+            <a:r>
+              <a:rPr lang="en-US" dirty="0"/>
+              <a:t>subplot ( A , B , C ) ;</a:t>
+            </a:r>
+          </a:p>
+          <a:p>
+            <a:r>
+              <a:rPr lang="en-US" dirty="0"/>
+              <a:t>plot ( x1 , y1 , ’ . ’ ) ;</a:t>
+            </a:r>
+          </a:p>
+        </p:txBody>
+      </p:sp>
+      <p:sp>
+        <p:nvSpPr>
+          <p:cNvPr id="6" name="TextBox 5"/>
+          <p:cNvSpPr txBox="1"/>
+          <p:nvPr/>
+        </p:nvSpPr>
+        <p:spPr>
+          <a:xfrm>
+            <a:off x="6374844" y="2509482"/>
+            <a:ext cx="1512594" cy="369332"/>
+          </a:xfrm>
+          <a:prstGeom prst="rect">
+            <a:avLst/>
+          </a:prstGeom>
+          <a:noFill/>
+        </p:spPr>
+        <p:txBody>
+          <a:bodyPr wrap="none" rtlCol="0">
+            <a:spAutoFit/>
+          </a:bodyPr>
+          <a:lstStyle/>
+          <a:p>
+            <a:r>
+              <a:rPr lang="en-US" dirty="0"/>
+              <a:t>Example Code</a:t>
+            </a:r>
           </a:p>
         </p:txBody>
       </p:sp>
       <p:pic>
         <p:nvPicPr>
-          <p:cNvPr id="4" name="Picture 3"/>
+          <p:cNvPr id="8" name="Picture 7"/>
           <p:cNvPicPr>
             <a:picLocks noChangeAspect="1"/>
           </p:cNvPicPr>
@@ -4212,8 +4948,8 @@
         </p:blipFill>
         <p:spPr>
           <a:xfrm>
-            <a:off x="6795135" y="2218214"/>
-            <a:ext cx="4654202" cy="3237706"/>
+            <a:off x="9007813" y="1037286"/>
+            <a:ext cx="2676728" cy="3205406"/>
           </a:xfrm>
           <a:prstGeom prst="rect">
             <a:avLst/>
@@ -4227,36 +4963,65 @@
       </p:pic>
       <p:sp>
         <p:nvSpPr>
-          <p:cNvPr id="5" name="Rectangle 4"/>
+          <p:cNvPr id="9" name="Rectangle 8"/>
           <p:cNvSpPr/>
           <p:nvPr/>
         </p:nvSpPr>
         <p:spPr>
           <a:xfrm>
-            <a:off x="546735" y="3923031"/>
-            <a:ext cx="6248400" cy="646331"/>
+            <a:off x="740925" y="5077838"/>
+            <a:ext cx="6096000" cy="646331"/>
           </a:xfrm>
           <a:prstGeom prst="rect">
             <a:avLst/>
           </a:prstGeom>
         </p:spPr>
         <p:txBody>
-          <a:bodyPr wrap="square">
+          <a:bodyPr>
             <a:spAutoFit/>
           </a:bodyPr>
           <a:lstStyle/>
           <a:p>
             <a:r>
               <a:rPr lang="en-US" b="1" i="1" dirty="0"/>
-              <a:t>Try adding more and more random noise to your data and see what happens to the different goodness of fit parameters.</a:t>
-            </a:r>
-          </a:p>
-        </p:txBody>
-      </p:sp>
+              <a:t>Try to replicate the graphs on the right using the test data you generated earlier today and the subplot command.  </a:t>
+            </a:r>
+          </a:p>
+        </p:txBody>
+      </p:sp>
+      <p:pic>
+        <p:nvPicPr>
+          <p:cNvPr id="10" name="Picture 9"/>
+          <p:cNvPicPr>
+            <a:picLocks noChangeAspect="1"/>
+          </p:cNvPicPr>
+          <p:nvPr/>
+        </p:nvPicPr>
+        <p:blipFill>
+          <a:blip r:embed="rId3"/>
+          <a:stretch>
+            <a:fillRect/>
+          </a:stretch>
+        </p:blipFill>
+        <p:spPr>
+          <a:xfrm>
+            <a:off x="9007813" y="4649821"/>
+            <a:ext cx="2676728" cy="2007546"/>
+          </a:xfrm>
+          <a:prstGeom prst="rect">
+            <a:avLst/>
+          </a:prstGeom>
+          <a:ln>
+            <a:solidFill>
+              <a:schemeClr val="tx1"/>
+            </a:solidFill>
+          </a:ln>
+        </p:spPr>
+      </p:pic>
     </p:spTree>
     <p:extLst>
       <p:ext uri="{BB962C8B-B14F-4D97-AF65-F5344CB8AC3E}">
-        <p14:creationId xmlns:p14="http://schemas.microsoft.com/office/powerpoint/2010/main" val="2121419604"/>
+        <p14:creationId xmlns:p14="http://schemas.microsoft.com/office/powerpoint/2010/main" val="1138218245"/>
       </p:ext>
     </p:extLst>
   </p:cSld>
@@ -4293,145 +5058,216 @@
             <p:ph type="title"/>
           </p:nvPr>
         </p:nvSpPr>
-        <p:spPr/>
+        <p:spPr>
+          <a:xfrm>
+            <a:off x="262646" y="350195"/>
+            <a:ext cx="10515600" cy="1325563"/>
+          </a:xfrm>
+        </p:spPr>
         <p:txBody>
           <a:bodyPr/>
           <a:lstStyle/>
           <a:p>
             <a:r>
               <a:rPr lang="en-US" dirty="0"/>
-              <a:t>Importing Data</a:t>
-            </a:r>
-          </a:p>
-        </p:txBody>
-      </p:sp>
-      <p:sp>
-        <p:nvSpPr>
-          <p:cNvPr id="3" name="Content Placeholder 2"/>
-          <p:cNvSpPr>
-            <a:spLocks noGrp="1"/>
-          </p:cNvSpPr>
-          <p:nvPr>
-            <p:ph idx="1"/>
-          </p:nvPr>
-        </p:nvSpPr>
-        <p:spPr>
-          <a:xfrm>
-            <a:off x="838200" y="1848485"/>
-            <a:ext cx="10515600" cy="3104515"/>
-          </a:xfrm>
-        </p:spPr>
-        <p:txBody>
-          <a:bodyPr/>
-          <a:lstStyle/>
-          <a:p>
-            <a:pPr marL="0" indent="0">
-              <a:buNone/>
-            </a:pPr>
-            <a:r>
+              <a:t>This is what mine looks like</a:t>
+            </a:r>
+            <a:br>
               <a:rPr lang="en-US" dirty="0"/>
-              <a:t>Using Code – </a:t>
-            </a:r>
-            <a:r>
-              <a:rPr lang="en-US" dirty="0" err="1"/>
-              <a:t>Matlab</a:t>
-            </a:r>
-            <a:r>
-              <a:rPr lang="en-US" dirty="0"/>
-              <a:t> has support for importing a large variety of different file formats (</a:t>
-            </a:r>
-            <a:r>
-              <a:rPr lang="en-US" dirty="0">
-                <a:hlinkClick r:id="rId2"/>
-              </a:rPr>
-              <a:t>see her</a:t>
-            </a:r>
-            <a:r>
-              <a:rPr lang="en-US" dirty="0"/>
-              <a:t>e).  For today we will stick to using csv files (</a:t>
-            </a:r>
-            <a:r>
-              <a:rPr lang="en-US" dirty="0" err="1"/>
-              <a:t>csvread</a:t>
-            </a:r>
-            <a:r>
-              <a:rPr lang="en-US" dirty="0"/>
-              <a:t> and </a:t>
-            </a:r>
-            <a:r>
-              <a:rPr lang="en-US" dirty="0" err="1"/>
-              <a:t>csvwrite</a:t>
-            </a:r>
-            <a:r>
-              <a:rPr lang="en-US" dirty="0"/>
-              <a:t> commands).</a:t>
-            </a:r>
-          </a:p>
-          <a:p>
-            <a:pPr marL="0" indent="0">
-              <a:buNone/>
-            </a:pPr>
+            </a:br>
+            <a:r>
+              <a:rPr lang="en-US" sz="2800" dirty="0"/>
+              <a:t>Utilizing Sub Plots to make Figures</a:t>
+            </a:r>
             <a:endParaRPr lang="en-US" dirty="0"/>
           </a:p>
-          <a:p>
-            <a:pPr marL="0" indent="0">
-              <a:buNone/>
-            </a:pPr>
-            <a:r>
-              <a:rPr lang="en-US" dirty="0"/>
-              <a:t>Like we did yesterday, if you have the data file downloaded you can drag and drop it into the workspace to import the data.  </a:t>
-            </a:r>
-          </a:p>
-        </p:txBody>
-      </p:sp>
-      <p:sp>
-        <p:nvSpPr>
-          <p:cNvPr id="4" name="Rectangle 3"/>
-          <p:cNvSpPr/>
+        </p:txBody>
+      </p:sp>
+      <p:pic>
+        <p:nvPicPr>
+          <p:cNvPr id="3" name="Picture 2"/>
+          <p:cNvPicPr>
+            <a:picLocks noChangeAspect="1"/>
+          </p:cNvPicPr>
           <p:nvPr/>
-        </p:nvSpPr>
-        <p:spPr>
-          <a:xfrm>
-            <a:off x="2855595" y="4953000"/>
-            <a:ext cx="6248400" cy="1200329"/>
+        </p:nvPicPr>
+        <p:blipFill>
+          <a:blip r:embed="rId2"/>
+          <a:stretch>
+            <a:fillRect/>
+          </a:stretch>
+        </p:blipFill>
+        <p:spPr>
+          <a:xfrm>
+            <a:off x="8165886" y="1570757"/>
+            <a:ext cx="3643493" cy="4363116"/>
           </a:xfrm>
           <a:prstGeom prst="rect">
             <a:avLst/>
           </a:prstGeom>
-        </p:spPr>
-        <p:txBody>
-          <a:bodyPr wrap="square">
-            <a:spAutoFit/>
-          </a:bodyPr>
-          <a:lstStyle/>
-          <a:p>
-            <a:r>
-              <a:rPr lang="en-US" b="1" i="1" dirty="0"/>
-              <a:t>Try downloading the sample functions in the </a:t>
-            </a:r>
-            <a:r>
-              <a:rPr lang="en-US" b="1" i="1" dirty="0" err="1"/>
-              <a:t>Github</a:t>
-            </a:r>
-            <a:r>
-              <a:rPr lang="en-US" b="1" i="1" dirty="0"/>
-              <a:t> folder and figure out what the functions are.  If there is extra time, download the Boston marathon Data, and try fitting the outcomes to different functions (histograms to Gaussians </a:t>
-            </a:r>
-            <a:r>
-              <a:rPr lang="en-US" b="1" i="1" dirty="0" err="1"/>
-              <a:t>etc</a:t>
-            </a:r>
-            <a:r>
-              <a:rPr lang="en-US" b="1" i="1" dirty="0"/>
-              <a:t>)</a:t>
-            </a:r>
-          </a:p>
-        </p:txBody>
-      </p:sp>
+          <a:ln>
+            <a:solidFill>
+              <a:schemeClr val="tx1"/>
+            </a:solidFill>
+          </a:ln>
+        </p:spPr>
+      </p:pic>
+      <p:pic>
+        <p:nvPicPr>
+          <p:cNvPr id="5" name="Picture 4"/>
+          <p:cNvPicPr>
+            <a:picLocks noChangeAspect="1"/>
+          </p:cNvPicPr>
+          <p:nvPr/>
+        </p:nvPicPr>
+        <p:blipFill>
+          <a:blip r:embed="rId3"/>
+          <a:stretch>
+            <a:fillRect/>
+          </a:stretch>
+        </p:blipFill>
+        <p:spPr>
+          <a:xfrm>
+            <a:off x="408562" y="2748298"/>
+            <a:ext cx="7402749" cy="2008033"/>
+          </a:xfrm>
+          <a:prstGeom prst="rect">
+            <a:avLst/>
+          </a:prstGeom>
+          <a:ln>
+            <a:solidFill>
+              <a:schemeClr val="tx1"/>
+            </a:solidFill>
+          </a:ln>
+        </p:spPr>
+      </p:pic>
     </p:spTree>
     <p:extLst>
       <p:ext uri="{BB962C8B-B14F-4D97-AF65-F5344CB8AC3E}">
-        <p14:creationId xmlns:p14="http://schemas.microsoft.com/office/powerpoint/2010/main" val="1081705465"/>
+        <p14:creationId xmlns:p14="http://schemas.microsoft.com/office/powerpoint/2010/main" val="353788835"/>
+      </p:ext>
+    </p:extLst>
+  </p:cSld>
+  <p:clrMapOvr>
+    <a:masterClrMapping/>
+  </p:clrMapOvr>
+</p:sld>
+</file>
+
+<file path=ppt/slides/slide9.xml><?xml version="1.0" encoding="utf-8"?>
+<p:sld xmlns:a="http://schemas.openxmlformats.org/drawingml/2006/main" xmlns:r="http://schemas.openxmlformats.org/officeDocument/2006/relationships" xmlns:p="http://schemas.openxmlformats.org/presentationml/2006/main">
+  <p:cSld>
+    <p:spTree>
+      <p:nvGrpSpPr>
+        <p:cNvPr id="1" name=""/>
+        <p:cNvGrpSpPr/>
+        <p:nvPr/>
+      </p:nvGrpSpPr>
+      <p:grpSpPr>
+        <a:xfrm>
+          <a:off x="0" y="0"/>
+          <a:ext cx="0" cy="0"/>
+          <a:chOff x="0" y="0"/>
+          <a:chExt cx="0" cy="0"/>
+        </a:xfrm>
+      </p:grpSpPr>
+      <p:sp>
+        <p:nvSpPr>
+          <p:cNvPr id="2" name="Title 1"/>
+          <p:cNvSpPr>
+            <a:spLocks noGrp="1"/>
+          </p:cNvSpPr>
+          <p:nvPr>
+            <p:ph type="title"/>
+          </p:nvPr>
+        </p:nvSpPr>
+        <p:spPr>
+          <a:xfrm>
+            <a:off x="262646" y="350195"/>
+            <a:ext cx="10515600" cy="1325563"/>
+          </a:xfrm>
+        </p:spPr>
+        <p:txBody>
+          <a:bodyPr/>
+          <a:lstStyle/>
+          <a:p>
+            <a:r>
+              <a:rPr lang="en-US" dirty="0"/>
+              <a:t>This is what mine looks like</a:t>
+            </a:r>
+            <a:br>
+              <a:rPr lang="en-US" dirty="0"/>
+            </a:br>
+            <a:r>
+              <a:rPr lang="en-US" sz="2800" dirty="0"/>
+              <a:t>3 Graphs with different geometries in a sub plot</a:t>
+            </a:r>
+            <a:endParaRPr lang="en-US" dirty="0"/>
+          </a:p>
+        </p:txBody>
+      </p:sp>
+      <p:pic>
+        <p:nvPicPr>
+          <p:cNvPr id="4" name="Picture 3"/>
+          <p:cNvPicPr>
+            <a:picLocks noChangeAspect="1"/>
+          </p:cNvPicPr>
+          <p:nvPr/>
+        </p:nvPicPr>
+        <p:blipFill>
+          <a:blip r:embed="rId2"/>
+          <a:stretch>
+            <a:fillRect/>
+          </a:stretch>
+        </p:blipFill>
+        <p:spPr>
+          <a:xfrm>
+            <a:off x="8388484" y="2529192"/>
+            <a:ext cx="3438728" cy="2579046"/>
+          </a:xfrm>
+          <a:prstGeom prst="rect">
+            <a:avLst/>
+          </a:prstGeom>
+          <a:ln>
+            <a:solidFill>
+              <a:schemeClr val="tx1"/>
+            </a:solidFill>
+          </a:ln>
+        </p:spPr>
+      </p:pic>
+      <p:pic>
+        <p:nvPicPr>
+          <p:cNvPr id="7" name="Picture 6"/>
+          <p:cNvPicPr>
+            <a:picLocks noChangeAspect="1"/>
+          </p:cNvPicPr>
+          <p:nvPr/>
+        </p:nvPicPr>
+        <p:blipFill>
+          <a:blip r:embed="rId3"/>
+          <a:stretch>
+            <a:fillRect/>
+          </a:stretch>
+        </p:blipFill>
+        <p:spPr>
+          <a:xfrm>
+            <a:off x="408563" y="2739519"/>
+            <a:ext cx="7255740" cy="2158391"/>
+          </a:xfrm>
+          <a:prstGeom prst="rect">
+            <a:avLst/>
+          </a:prstGeom>
+          <a:ln>
+            <a:solidFill>
+              <a:schemeClr val="tx1"/>
+            </a:solidFill>
+          </a:ln>
+        </p:spPr>
+      </p:pic>
+    </p:spTree>
+    <p:extLst>
+      <p:ext uri="{BB962C8B-B14F-4D97-AF65-F5344CB8AC3E}">
+        <p14:creationId xmlns:p14="http://schemas.microsoft.com/office/powerpoint/2010/main" val="2843677256"/>
       </p:ext>
     </p:extLst>
   </p:cSld>

--- a/Day 2 of Crash Course/University of Illinois REU Introduction to Matlab Day 2 with examples.pptx
+++ b/Day 2 of Crash Course/University of Illinois REU Introduction to Matlab Day 2 with examples.pptx
@@ -15,8 +15,10 @@
     <p:sldId id="267" r:id="rId9"/>
     <p:sldId id="268" r:id="rId10"/>
     <p:sldId id="261" r:id="rId11"/>
-    <p:sldId id="262" r:id="rId12"/>
-    <p:sldId id="259" r:id="rId13"/>
+    <p:sldId id="270" r:id="rId12"/>
+    <p:sldId id="269" r:id="rId13"/>
+    <p:sldId id="262" r:id="rId14"/>
+    <p:sldId id="259" r:id="rId15"/>
   </p:sldIdLst>
   <p:sldSz cx="12192000" cy="6858000"/>
   <p:notesSz cx="6858000" cy="9144000"/>
@@ -252,7 +254,7 @@
           <a:p>
             <a:fld id="{4F813D5D-9D8E-4484-BE86-4458FD589FAD}" type="datetimeFigureOut">
               <a:rPr lang="en-US" smtClean="0"/>
-              <a:t>6/30/2017</a:t>
+              <a:t>7/1/2017</a:t>
             </a:fld>
             <a:endParaRPr lang="en-US"/>
           </a:p>
@@ -420,7 +422,7 @@
           <a:p>
             <a:fld id="{4F813D5D-9D8E-4484-BE86-4458FD589FAD}" type="datetimeFigureOut">
               <a:rPr lang="en-US" smtClean="0"/>
-              <a:t>6/30/2017</a:t>
+              <a:t>7/1/2017</a:t>
             </a:fld>
             <a:endParaRPr lang="en-US"/>
           </a:p>
@@ -598,7 +600,7 @@
           <a:p>
             <a:fld id="{4F813D5D-9D8E-4484-BE86-4458FD589FAD}" type="datetimeFigureOut">
               <a:rPr lang="en-US" smtClean="0"/>
-              <a:t>6/30/2017</a:t>
+              <a:t>7/1/2017</a:t>
             </a:fld>
             <a:endParaRPr lang="en-US"/>
           </a:p>
@@ -766,7 +768,7 @@
           <a:p>
             <a:fld id="{4F813D5D-9D8E-4484-BE86-4458FD589FAD}" type="datetimeFigureOut">
               <a:rPr lang="en-US" smtClean="0"/>
-              <a:t>6/30/2017</a:t>
+              <a:t>7/1/2017</a:t>
             </a:fld>
             <a:endParaRPr lang="en-US"/>
           </a:p>
@@ -1011,7 +1013,7 @@
           <a:p>
             <a:fld id="{4F813D5D-9D8E-4484-BE86-4458FD589FAD}" type="datetimeFigureOut">
               <a:rPr lang="en-US" smtClean="0"/>
-              <a:t>6/30/2017</a:t>
+              <a:t>7/1/2017</a:t>
             </a:fld>
             <a:endParaRPr lang="en-US"/>
           </a:p>
@@ -1240,7 +1242,7 @@
           <a:p>
             <a:fld id="{4F813D5D-9D8E-4484-BE86-4458FD589FAD}" type="datetimeFigureOut">
               <a:rPr lang="en-US" smtClean="0"/>
-              <a:t>6/30/2017</a:t>
+              <a:t>7/1/2017</a:t>
             </a:fld>
             <a:endParaRPr lang="en-US"/>
           </a:p>
@@ -1604,7 +1606,7 @@
           <a:p>
             <a:fld id="{4F813D5D-9D8E-4484-BE86-4458FD589FAD}" type="datetimeFigureOut">
               <a:rPr lang="en-US" smtClean="0"/>
-              <a:t>6/30/2017</a:t>
+              <a:t>7/1/2017</a:t>
             </a:fld>
             <a:endParaRPr lang="en-US"/>
           </a:p>
@@ -1721,7 +1723,7 @@
           <a:p>
             <a:fld id="{4F813D5D-9D8E-4484-BE86-4458FD589FAD}" type="datetimeFigureOut">
               <a:rPr lang="en-US" smtClean="0"/>
-              <a:t>6/30/2017</a:t>
+              <a:t>7/1/2017</a:t>
             </a:fld>
             <a:endParaRPr lang="en-US"/>
           </a:p>
@@ -1816,7 +1818,7 @@
           <a:p>
             <a:fld id="{4F813D5D-9D8E-4484-BE86-4458FD589FAD}" type="datetimeFigureOut">
               <a:rPr lang="en-US" smtClean="0"/>
-              <a:t>6/30/2017</a:t>
+              <a:t>7/1/2017</a:t>
             </a:fld>
             <a:endParaRPr lang="en-US"/>
           </a:p>
@@ -2091,7 +2093,7 @@
           <a:p>
             <a:fld id="{4F813D5D-9D8E-4484-BE86-4458FD589FAD}" type="datetimeFigureOut">
               <a:rPr lang="en-US" smtClean="0"/>
-              <a:t>6/30/2017</a:t>
+              <a:t>7/1/2017</a:t>
             </a:fld>
             <a:endParaRPr lang="en-US"/>
           </a:p>
@@ -2346,7 +2348,7 @@
           <a:p>
             <a:fld id="{4F813D5D-9D8E-4484-BE86-4458FD589FAD}" type="datetimeFigureOut">
               <a:rPr lang="en-US" smtClean="0"/>
-              <a:t>6/30/2017</a:t>
+              <a:t>7/1/2017</a:t>
             </a:fld>
             <a:endParaRPr lang="en-US"/>
           </a:p>
@@ -2593,7 +2595,7 @@
           <a:p>
             <a:fld id="{4F813D5D-9D8E-4484-BE86-4458FD589FAD}" type="datetimeFigureOut">
               <a:rPr lang="en-US" smtClean="0"/>
-              <a:t>6/30/2017</a:t>
+              <a:t>7/1/2017</a:t>
             </a:fld>
             <a:endParaRPr lang="en-US"/>
           </a:p>
@@ -3104,8 +3106,8 @@
         </p:nvSpPr>
         <p:spPr>
           <a:xfrm>
-            <a:off x="89170" y="77787"/>
-            <a:ext cx="10515600" cy="1325563"/>
+            <a:off x="129877" y="189025"/>
+            <a:ext cx="10515600" cy="808431"/>
           </a:xfrm>
         </p:spPr>
         <p:txBody>
@@ -3131,21 +3133,81 @@
         </p:nvSpPr>
         <p:spPr>
           <a:xfrm>
-            <a:off x="169137" y="1190208"/>
-            <a:ext cx="8549640" cy="1732915"/>
-          </a:xfrm>
-        </p:spPr>
-        <p:txBody>
-          <a:bodyPr/>
+            <a:off x="118156" y="1186274"/>
+            <a:ext cx="8549640" cy="3041979"/>
+          </a:xfrm>
+        </p:spPr>
+        <p:txBody>
+          <a:bodyPr>
+            <a:normAutofit/>
+          </a:bodyPr>
           <a:lstStyle/>
           <a:p>
             <a:pPr marL="0" indent="0">
               <a:buNone/>
             </a:pPr>
             <a:r>
-              <a:rPr lang="en-US" dirty="0"/>
+              <a:rPr lang="en-US" u="sng" dirty="0"/>
               <a:t>Using Code</a:t>
             </a:r>
+            <a:endParaRPr lang="en-US" dirty="0"/>
+          </a:p>
+          <a:p>
+            <a:pPr marL="0" indent="0">
+              <a:buNone/>
+            </a:pPr>
+            <a:r>
+              <a:rPr lang="en-US" dirty="0"/>
+              <a:t>Functional forms commonly used in physics</a:t>
+            </a:r>
+          </a:p>
+          <a:p>
+            <a:pPr>
+              <a:buFontTx/>
+              <a:buChar char="-"/>
+            </a:pPr>
+            <a:r>
+              <a:rPr lang="en-US" sz="2000" dirty="0"/>
+              <a:t>Polynomial (up to 8)</a:t>
+            </a:r>
+          </a:p>
+          <a:p>
+            <a:pPr>
+              <a:buFontTx/>
+              <a:buChar char="-"/>
+            </a:pPr>
+            <a:r>
+              <a:rPr lang="en-US" sz="2000" dirty="0"/>
+              <a:t>Sum of Sins (up to 6)</a:t>
+            </a:r>
+          </a:p>
+          <a:p>
+            <a:pPr>
+              <a:buFontTx/>
+              <a:buChar char="-"/>
+            </a:pPr>
+            <a:r>
+              <a:rPr lang="en-US" sz="2000" dirty="0"/>
+              <a:t>Gaussian (up to 2)</a:t>
+            </a:r>
+          </a:p>
+          <a:p>
+            <a:pPr>
+              <a:buFontTx/>
+              <a:buChar char="-"/>
+            </a:pPr>
+            <a:r>
+              <a:rPr lang="en-US" sz="2000" dirty="0"/>
+              <a:t>Exponential (up to 3)</a:t>
+            </a:r>
+            <a:endParaRPr lang="en-US" dirty="0"/>
+          </a:p>
+          <a:p>
+            <a:pPr>
+              <a:buFontTx/>
+              <a:buChar char="-"/>
+            </a:pPr>
+            <a:endParaRPr lang="en-US" dirty="0"/>
           </a:p>
         </p:txBody>
       </p:sp>
@@ -3157,8 +3219,8 @@
         </p:nvSpPr>
         <p:spPr>
           <a:xfrm>
-            <a:off x="6608547" y="1022278"/>
-            <a:ext cx="4939219" cy="369332"/>
+            <a:off x="449133" y="4374859"/>
+            <a:ext cx="5565426" cy="1477328"/>
           </a:xfrm>
           <a:prstGeom prst="rect">
             <a:avLst/>
@@ -3172,7 +3234,7 @@
           <a:p>
             <a:r>
               <a:rPr lang="en-US" b="1" i="1" dirty="0"/>
-              <a:t>Try setting up a fit to the test data you generated</a:t>
+              <a:t>Try setting up a fit to the test data you generated earlier today.  Try to extract the coefficients using both code and the GUI and compare them to the values you used to create the data set.  How do the residuals compare between the noisy data and the high resolution data?</a:t>
             </a:r>
           </a:p>
         </p:txBody>
@@ -3192,12 +3254,17 @@
         </p:blipFill>
         <p:spPr>
           <a:xfrm>
-            <a:off x="800976" y="4628852"/>
+            <a:off x="8800164" y="1839585"/>
             <a:ext cx="2802188" cy="1038225"/>
           </a:xfrm>
           <a:prstGeom prst="rect">
             <a:avLst/>
           </a:prstGeom>
+          <a:ln>
+            <a:solidFill>
+              <a:schemeClr val="tx1"/>
+            </a:solidFill>
+          </a:ln>
         </p:spPr>
       </p:pic>
       <p:cxnSp>
@@ -3208,7 +3275,7 @@
         </p:nvCxnSpPr>
         <p:spPr>
           <a:xfrm>
-            <a:off x="2065072" y="4255581"/>
+            <a:off x="10064260" y="1466314"/>
             <a:ext cx="581217" cy="796884"/>
           </a:xfrm>
           <a:prstGeom prst="straightConnector1">
@@ -3252,12 +3319,17 @@
         </p:blipFill>
         <p:spPr>
           <a:xfrm>
-            <a:off x="6856454" y="4190730"/>
+            <a:off x="8432600" y="3266834"/>
             <a:ext cx="3537316" cy="2383155"/>
           </a:xfrm>
           <a:prstGeom prst="rect">
             <a:avLst/>
           </a:prstGeom>
+          <a:ln>
+            <a:solidFill>
+              <a:schemeClr val="tx1"/>
+            </a:solidFill>
+          </a:ln>
         </p:spPr>
       </p:pic>
       <p:sp>
@@ -3268,7 +3340,7 @@
         </p:nvSpPr>
         <p:spPr>
           <a:xfrm>
-            <a:off x="5050053" y="5914776"/>
+            <a:off x="6336904" y="3536391"/>
             <a:ext cx="1613943" cy="369332"/>
           </a:xfrm>
           <a:prstGeom prst="rect">
@@ -3292,13 +3364,15 @@
       <p:cxnSp>
         <p:nvCxnSpPr>
           <p:cNvPr id="12" name="Straight Arrow Connector 11"/>
-          <p:cNvCxnSpPr/>
+          <p:cNvCxnSpPr>
+            <a:stCxn id="9" idx="3"/>
+          </p:cNvCxnSpPr>
           <p:nvPr/>
         </p:nvCxnSpPr>
         <p:spPr>
-          <a:xfrm flipV="1">
-            <a:off x="6089665" y="4741681"/>
-            <a:ext cx="1108481" cy="1037035"/>
+          <a:xfrm>
+            <a:off x="7950847" y="3721057"/>
+            <a:ext cx="641448" cy="57831"/>
           </a:xfrm>
           <a:prstGeom prst="straightConnector1">
             <a:avLst/>
@@ -3333,7 +3407,7 @@
         </p:nvSpPr>
         <p:spPr>
           <a:xfrm>
-            <a:off x="10875523" y="5594050"/>
+            <a:off x="7063292" y="4019290"/>
             <a:ext cx="891591" cy="369332"/>
           </a:xfrm>
           <a:prstGeom prst="rect">
@@ -3361,9 +3435,9 @@
           <p:nvPr/>
         </p:nvCxnSpPr>
         <p:spPr>
-          <a:xfrm flipH="1" flipV="1">
-            <a:off x="9027268" y="4614214"/>
-            <a:ext cx="1848255" cy="1164502"/>
+          <a:xfrm flipV="1">
+            <a:off x="8114122" y="3721057"/>
+            <a:ext cx="1675948" cy="501683"/>
           </a:xfrm>
           <a:prstGeom prst="straightConnector1">
             <a:avLst/>
@@ -3400,7 +3474,7 @@
         </p:nvSpPr>
         <p:spPr>
           <a:xfrm>
-            <a:off x="169137" y="3822112"/>
+            <a:off x="7063292" y="1191903"/>
             <a:ext cx="2401633" cy="426864"/>
           </a:xfrm>
           <a:prstGeom prst="rect">
@@ -3409,7 +3483,7 @@
         </p:spPr>
         <p:txBody>
           <a:bodyPr vert="horz" lIns="91440" tIns="45720" rIns="91440" bIns="45720" rtlCol="0">
-            <a:normAutofit fontScale="92500" lnSpcReduction="10000"/>
+            <a:noAutofit/>
           </a:bodyPr>
           <a:lstStyle>
             <a:lvl1pPr marL="228600" indent="-228600" algn="l" defTabSz="914400" rtl="0" eaLnBrk="1" latinLnBrk="0" hangingPunct="1">
@@ -3581,12 +3655,150 @@
               <a:buNone/>
             </a:pPr>
             <a:r>
-              <a:rPr lang="en-US" dirty="0"/>
+              <a:rPr lang="en-US" u="sng" dirty="0"/>
               <a:t>Using the GUI</a:t>
             </a:r>
           </a:p>
         </p:txBody>
       </p:sp>
+      <p:sp>
+        <p:nvSpPr>
+          <p:cNvPr id="17" name="TextBox 16"/>
+          <p:cNvSpPr txBox="1"/>
+          <p:nvPr/>
+        </p:nvSpPr>
+        <p:spPr>
+          <a:xfrm>
+            <a:off x="7443693" y="5852187"/>
+            <a:ext cx="1984710" cy="369332"/>
+          </a:xfrm>
+          <a:prstGeom prst="rect">
+            <a:avLst/>
+          </a:prstGeom>
+          <a:noFill/>
+        </p:spPr>
+        <p:txBody>
+          <a:bodyPr wrap="none" rtlCol="0">
+            <a:spAutoFit/>
+          </a:bodyPr>
+          <a:lstStyle/>
+          <a:p>
+            <a:r>
+              <a:rPr lang="en-US" dirty="0"/>
+              <a:t>Plot of Data and Fit</a:t>
+            </a:r>
+          </a:p>
+        </p:txBody>
+      </p:sp>
+      <p:sp>
+        <p:nvSpPr>
+          <p:cNvPr id="19" name="TextBox 18"/>
+          <p:cNvSpPr txBox="1"/>
+          <p:nvPr/>
+        </p:nvSpPr>
+        <p:spPr>
+          <a:xfrm>
+            <a:off x="6394862" y="4727985"/>
+            <a:ext cx="1590756" cy="646331"/>
+          </a:xfrm>
+          <a:prstGeom prst="rect">
+            <a:avLst/>
+          </a:prstGeom>
+          <a:noFill/>
+        </p:spPr>
+        <p:txBody>
+          <a:bodyPr wrap="none" rtlCol="0">
+            <a:spAutoFit/>
+          </a:bodyPr>
+          <a:lstStyle/>
+          <a:p>
+            <a:r>
+              <a:rPr lang="en-US" dirty="0"/>
+              <a:t>Fit Parameters </a:t>
+            </a:r>
+          </a:p>
+          <a:p>
+            <a:r>
+              <a:rPr lang="en-US" dirty="0"/>
+              <a:t>and Residuals</a:t>
+            </a:r>
+          </a:p>
+        </p:txBody>
+      </p:sp>
+      <p:cxnSp>
+        <p:nvCxnSpPr>
+          <p:cNvPr id="20" name="Straight Arrow Connector 19"/>
+          <p:cNvCxnSpPr>
+            <a:stCxn id="17" idx="3"/>
+          </p:cNvCxnSpPr>
+          <p:nvPr/>
+        </p:nvCxnSpPr>
+        <p:spPr>
+          <a:xfrm flipV="1">
+            <a:off x="9428403" y="5051151"/>
+            <a:ext cx="772855" cy="985702"/>
+          </a:xfrm>
+          <a:prstGeom prst="straightConnector1">
+            <a:avLst/>
+          </a:prstGeom>
+          <a:ln w="38100">
+            <a:solidFill>
+              <a:schemeClr val="tx1"/>
+            </a:solidFill>
+            <a:tailEnd type="triangle"/>
+          </a:ln>
+        </p:spPr>
+        <p:style>
+          <a:lnRef idx="1">
+            <a:schemeClr val="accent1"/>
+          </a:lnRef>
+          <a:fillRef idx="0">
+            <a:schemeClr val="accent1"/>
+          </a:fillRef>
+          <a:effectRef idx="0">
+            <a:schemeClr val="accent1"/>
+          </a:effectRef>
+          <a:fontRef idx="minor">
+            <a:schemeClr val="tx1"/>
+          </a:fontRef>
+        </p:style>
+      </p:cxnSp>
+      <p:cxnSp>
+        <p:nvCxnSpPr>
+          <p:cNvPr id="24" name="Straight Arrow Connector 23"/>
+          <p:cNvCxnSpPr/>
+          <p:nvPr/>
+        </p:nvCxnSpPr>
+        <p:spPr>
+          <a:xfrm flipV="1">
+            <a:off x="7950847" y="4713212"/>
+            <a:ext cx="716949" cy="345893"/>
+          </a:xfrm>
+          <a:prstGeom prst="straightConnector1">
+            <a:avLst/>
+          </a:prstGeom>
+          <a:ln w="38100">
+            <a:solidFill>
+              <a:schemeClr val="tx1"/>
+            </a:solidFill>
+            <a:tailEnd type="triangle"/>
+          </a:ln>
+        </p:spPr>
+        <p:style>
+          <a:lnRef idx="1">
+            <a:schemeClr val="accent1"/>
+          </a:lnRef>
+          <a:fillRef idx="0">
+            <a:schemeClr val="accent1"/>
+          </a:fillRef>
+          <a:effectRef idx="0">
+            <a:schemeClr val="accent1"/>
+          </a:effectRef>
+          <a:fontRef idx="minor">
+            <a:schemeClr val="tx1"/>
+          </a:fontRef>
+        </p:style>
+      </p:cxnSp>
     </p:spTree>
     <p:extLst>
       <p:ext uri="{BB962C8B-B14F-4D97-AF65-F5344CB8AC3E}">
@@ -3627,6 +3839,217 @@
             <p:ph type="title"/>
           </p:nvPr>
         </p:nvSpPr>
+        <p:spPr>
+          <a:xfrm>
+            <a:off x="262646" y="350195"/>
+            <a:ext cx="10515600" cy="1325563"/>
+          </a:xfrm>
+        </p:spPr>
+        <p:txBody>
+          <a:bodyPr/>
+          <a:lstStyle/>
+          <a:p>
+            <a:r>
+              <a:rPr lang="en-US" dirty="0"/>
+              <a:t>This is what mine looks like</a:t>
+            </a:r>
+            <a:br>
+              <a:rPr lang="en-US" dirty="0"/>
+            </a:br>
+            <a:r>
+              <a:rPr lang="en-US" sz="2800" dirty="0"/>
+              <a:t>extracting coefficients from fits to test data</a:t>
+            </a:r>
+            <a:endParaRPr lang="en-US" dirty="0"/>
+          </a:p>
+        </p:txBody>
+      </p:sp>
+      <p:pic>
+        <p:nvPicPr>
+          <p:cNvPr id="3" name="Picture 2"/>
+          <p:cNvPicPr>
+            <a:picLocks noChangeAspect="1"/>
+          </p:cNvPicPr>
+          <p:nvPr/>
+        </p:nvPicPr>
+        <p:blipFill>
+          <a:blip r:embed="rId2"/>
+          <a:stretch>
+            <a:fillRect/>
+          </a:stretch>
+        </p:blipFill>
+        <p:spPr>
+          <a:xfrm>
+            <a:off x="8165886" y="1570757"/>
+            <a:ext cx="3643493" cy="4363116"/>
+          </a:xfrm>
+          <a:prstGeom prst="rect">
+            <a:avLst/>
+          </a:prstGeom>
+          <a:ln>
+            <a:solidFill>
+              <a:schemeClr val="tx1"/>
+            </a:solidFill>
+          </a:ln>
+        </p:spPr>
+      </p:pic>
+      <p:pic>
+        <p:nvPicPr>
+          <p:cNvPr id="5" name="Picture 4"/>
+          <p:cNvPicPr>
+            <a:picLocks noChangeAspect="1"/>
+          </p:cNvPicPr>
+          <p:nvPr/>
+        </p:nvPicPr>
+        <p:blipFill>
+          <a:blip r:embed="rId3"/>
+          <a:stretch>
+            <a:fillRect/>
+          </a:stretch>
+        </p:blipFill>
+        <p:spPr>
+          <a:xfrm>
+            <a:off x="408562" y="2748298"/>
+            <a:ext cx="7402749" cy="2008033"/>
+          </a:xfrm>
+          <a:prstGeom prst="rect">
+            <a:avLst/>
+          </a:prstGeom>
+          <a:ln>
+            <a:solidFill>
+              <a:schemeClr val="tx1"/>
+            </a:solidFill>
+          </a:ln>
+        </p:spPr>
+      </p:pic>
+    </p:spTree>
+    <p:extLst>
+      <p:ext uri="{BB962C8B-B14F-4D97-AF65-F5344CB8AC3E}">
+        <p14:creationId xmlns:p14="http://schemas.microsoft.com/office/powerpoint/2010/main" val="2746466283"/>
+      </p:ext>
+    </p:extLst>
+  </p:cSld>
+  <p:clrMapOvr>
+    <a:masterClrMapping/>
+  </p:clrMapOvr>
+</p:sld>
+</file>
+
+<file path=ppt/slides/slide12.xml><?xml version="1.0" encoding="utf-8"?>
+<p:sld xmlns:a="http://schemas.openxmlformats.org/drawingml/2006/main" xmlns:r="http://schemas.openxmlformats.org/officeDocument/2006/relationships" xmlns:p="http://schemas.openxmlformats.org/presentationml/2006/main">
+  <p:cSld>
+    <p:spTree>
+      <p:nvGrpSpPr>
+        <p:cNvPr id="1" name=""/>
+        <p:cNvGrpSpPr/>
+        <p:nvPr/>
+      </p:nvGrpSpPr>
+      <p:grpSpPr>
+        <a:xfrm>
+          <a:off x="0" y="0"/>
+          <a:ext cx="0" cy="0"/>
+          <a:chOff x="0" y="0"/>
+          <a:chExt cx="0" cy="0"/>
+        </a:xfrm>
+      </p:grpSpPr>
+      <p:sp>
+        <p:nvSpPr>
+          <p:cNvPr id="2" name="Title 1"/>
+          <p:cNvSpPr>
+            <a:spLocks noGrp="1"/>
+          </p:cNvSpPr>
+          <p:nvPr>
+            <p:ph type="title"/>
+          </p:nvPr>
+        </p:nvSpPr>
+        <p:spPr/>
+        <p:txBody>
+          <a:bodyPr/>
+          <a:lstStyle/>
+          <a:p>
+            <a:r>
+              <a:rPr lang="en-US" dirty="0"/>
+              <a:t>Figuring out test functions</a:t>
+            </a:r>
+          </a:p>
+        </p:txBody>
+      </p:sp>
+      <p:sp>
+        <p:nvSpPr>
+          <p:cNvPr id="3" name="Content Placeholder 2"/>
+          <p:cNvSpPr>
+            <a:spLocks noGrp="1"/>
+          </p:cNvSpPr>
+          <p:nvPr>
+            <p:ph idx="1"/>
+          </p:nvPr>
+        </p:nvSpPr>
+        <p:spPr/>
+        <p:txBody>
+          <a:bodyPr/>
+          <a:lstStyle/>
+          <a:p>
+            <a:r>
+              <a:rPr lang="en-US" dirty="0"/>
+              <a:t>Can you figure out what the </a:t>
+            </a:r>
+            <a:r>
+              <a:rPr lang="en-US" dirty="0" err="1"/>
+              <a:t>coeficients</a:t>
+            </a:r>
+            <a:r>
+              <a:rPr lang="en-US" dirty="0"/>
+              <a:t> on each of the following functions are?</a:t>
+            </a:r>
+          </a:p>
+          <a:p>
+            <a:r>
+              <a:rPr lang="en-US" dirty="0"/>
+              <a:t>Have like 10 or 15 functions without noise on them</a:t>
+            </a:r>
+          </a:p>
+        </p:txBody>
+      </p:sp>
+    </p:spTree>
+    <p:extLst>
+      <p:ext uri="{BB962C8B-B14F-4D97-AF65-F5344CB8AC3E}">
+        <p14:creationId xmlns:p14="http://schemas.microsoft.com/office/powerpoint/2010/main" val="3059122395"/>
+      </p:ext>
+    </p:extLst>
+  </p:cSld>
+  <p:clrMapOvr>
+    <a:masterClrMapping/>
+  </p:clrMapOvr>
+</p:sld>
+</file>
+
+<file path=ppt/slides/slide13.xml><?xml version="1.0" encoding="utf-8"?>
+<p:sld xmlns:a="http://schemas.openxmlformats.org/drawingml/2006/main" xmlns:r="http://schemas.openxmlformats.org/officeDocument/2006/relationships" xmlns:p="http://schemas.openxmlformats.org/presentationml/2006/main">
+  <p:cSld>
+    <p:spTree>
+      <p:nvGrpSpPr>
+        <p:cNvPr id="1" name=""/>
+        <p:cNvGrpSpPr/>
+        <p:nvPr/>
+      </p:nvGrpSpPr>
+      <p:grpSpPr>
+        <a:xfrm>
+          <a:off x="0" y="0"/>
+          <a:ext cx="0" cy="0"/>
+          <a:chOff x="0" y="0"/>
+          <a:chExt cx="0" cy="0"/>
+        </a:xfrm>
+      </p:grpSpPr>
+      <p:sp>
+        <p:nvSpPr>
+          <p:cNvPr id="2" name="Title 1"/>
+          <p:cNvSpPr>
+            <a:spLocks noGrp="1"/>
+          </p:cNvSpPr>
+          <p:nvPr>
+            <p:ph type="title"/>
+          </p:nvPr>
+        </p:nvSpPr>
         <p:spPr/>
         <p:txBody>
           <a:bodyPr/>
@@ -3737,7 +4160,7 @@
 </p:sld>
 </file>
 
-<file path=ppt/slides/slide12.xml><?xml version="1.0" encoding="utf-8"?>
+<file path=ppt/slides/slide14.xml><?xml version="1.0" encoding="utf-8"?>
 <p:sld xmlns:a="http://schemas.openxmlformats.org/drawingml/2006/main" xmlns:r="http://schemas.openxmlformats.org/officeDocument/2006/relationships" xmlns:p="http://schemas.openxmlformats.org/presentationml/2006/main">
   <p:cSld>
     <p:spTree>
@@ -4369,11 +4792,7 @@
           <a:p>
             <a:r>
               <a:rPr lang="en-US" b="1" i="1" dirty="0"/>
-              <a:t>Try to write a program that will create some test data for us to fit functions to.  Have 2 sets of data for each function, a low sample rate set with random noise and a high sample rate set to compare the noisy one to. </a:t>
-            </a:r>
-            <a:r>
-              <a:rPr lang="en-US" b="1" i="1" dirty="0"/>
-              <a:t>Then plot both of the data sets for each function on the same graph to check that they </a:t>
+              <a:t>Try to write a program that will create some test data for us to fit functions to.  Have 2 sets of data for each function, a low sample rate set with random noise and a high sample rate set to compare the noisy one to. Then plot both of the data sets for each function on the same graph to check that they </a:t>
             </a:r>
             <a:r>
               <a:rPr lang="en-US" b="1" i="1" dirty="0" err="1"/>
@@ -4793,7 +5212,7 @@
         <p:spPr>
           <a:xfrm>
             <a:off x="507459" y="1553251"/>
-            <a:ext cx="6875835" cy="3096570"/>
+            <a:ext cx="8359704" cy="3096570"/>
           </a:xfrm>
         </p:spPr>
         <p:txBody>
@@ -4865,7 +5284,7 @@
         </p:nvSpPr>
         <p:spPr>
           <a:xfrm>
-            <a:off x="6374844" y="2878814"/>
+            <a:off x="366809" y="4649821"/>
             <a:ext cx="2016899" cy="923330"/>
           </a:xfrm>
           <a:prstGeom prst="rect">
@@ -4911,7 +5330,7 @@
         </p:nvSpPr>
         <p:spPr>
           <a:xfrm>
-            <a:off x="6374844" y="2509482"/>
+            <a:off x="291308" y="4280489"/>
             <a:ext cx="1512594" cy="369332"/>
           </a:xfrm>
           <a:prstGeom prst="rect">
@@ -4948,7 +5367,7 @@
         </p:blipFill>
         <p:spPr>
           <a:xfrm>
-            <a:off x="9007813" y="1037286"/>
+            <a:off x="9007813" y="682048"/>
             <a:ext cx="2676728" cy="3205406"/>
           </a:xfrm>
           <a:prstGeom prst="rect">
@@ -4969,8 +5388,8 @@
         </p:nvSpPr>
         <p:spPr>
           <a:xfrm>
-            <a:off x="740925" y="5077838"/>
-            <a:ext cx="6096000" cy="646331"/>
+            <a:off x="2647760" y="4649821"/>
+            <a:ext cx="6096000" cy="923330"/>
           </a:xfrm>
           <a:prstGeom prst="rect">
             <a:avLst/>
@@ -4984,7 +5403,7 @@
           <a:p>
             <a:r>
               <a:rPr lang="en-US" b="1" i="1" dirty="0"/>
-              <a:t>Try to replicate the graphs on the right using the test data you generated earlier today and the subplot command.  </a:t>
+              <a:t>Try to replicate the figures on the right using the test data you generated earlier today and the subplot command.  Don’t forget to add axis labels and titles for each of the graphs. </a:t>
             </a:r>
           </a:p>
         </p:txBody>
@@ -5005,7 +5424,7 @@
         </p:blipFill>
         <p:spPr>
           <a:xfrm>
-            <a:off x="9007813" y="4649821"/>
+            <a:off x="9007813" y="4215643"/>
             <a:ext cx="2676728" cy="2007546"/>
           </a:xfrm>
           <a:prstGeom prst="rect">

--- a/Day 2 of Crash Course/University of Illinois REU Introduction to Matlab Day 2 with examples.pptx
+++ b/Day 2 of Crash Course/University of Illinois REU Introduction to Matlab Day 2 with examples.pptx
@@ -15,10 +15,16 @@
     <p:sldId id="267" r:id="rId9"/>
     <p:sldId id="268" r:id="rId10"/>
     <p:sldId id="261" r:id="rId11"/>
-    <p:sldId id="270" r:id="rId12"/>
-    <p:sldId id="269" r:id="rId13"/>
-    <p:sldId id="262" r:id="rId14"/>
-    <p:sldId id="259" r:id="rId15"/>
+    <p:sldId id="276" r:id="rId12"/>
+    <p:sldId id="277" r:id="rId13"/>
+    <p:sldId id="278" r:id="rId14"/>
+    <p:sldId id="262" r:id="rId15"/>
+    <p:sldId id="273" r:id="rId16"/>
+    <p:sldId id="279" r:id="rId17"/>
+    <p:sldId id="269" r:id="rId18"/>
+    <p:sldId id="272" r:id="rId19"/>
+    <p:sldId id="271" r:id="rId20"/>
+    <p:sldId id="275" r:id="rId21"/>
   </p:sldIdLst>
   <p:sldSz cx="12192000" cy="6858000"/>
   <p:notesSz cx="6858000" cy="9144000"/>
@@ -254,7 +260,7 @@
           <a:p>
             <a:fld id="{4F813D5D-9D8E-4484-BE86-4458FD589FAD}" type="datetimeFigureOut">
               <a:rPr lang="en-US" smtClean="0"/>
-              <a:t>7/1/2017</a:t>
+              <a:t>7/7/2017</a:t>
             </a:fld>
             <a:endParaRPr lang="en-US"/>
           </a:p>
@@ -422,7 +428,7 @@
           <a:p>
             <a:fld id="{4F813D5D-9D8E-4484-BE86-4458FD589FAD}" type="datetimeFigureOut">
               <a:rPr lang="en-US" smtClean="0"/>
-              <a:t>7/1/2017</a:t>
+              <a:t>7/7/2017</a:t>
             </a:fld>
             <a:endParaRPr lang="en-US"/>
           </a:p>
@@ -600,7 +606,7 @@
           <a:p>
             <a:fld id="{4F813D5D-9D8E-4484-BE86-4458FD589FAD}" type="datetimeFigureOut">
               <a:rPr lang="en-US" smtClean="0"/>
-              <a:t>7/1/2017</a:t>
+              <a:t>7/7/2017</a:t>
             </a:fld>
             <a:endParaRPr lang="en-US"/>
           </a:p>
@@ -768,7 +774,7 @@
           <a:p>
             <a:fld id="{4F813D5D-9D8E-4484-BE86-4458FD589FAD}" type="datetimeFigureOut">
               <a:rPr lang="en-US" smtClean="0"/>
-              <a:t>7/1/2017</a:t>
+              <a:t>7/7/2017</a:t>
             </a:fld>
             <a:endParaRPr lang="en-US"/>
           </a:p>
@@ -1013,7 +1019,7 @@
           <a:p>
             <a:fld id="{4F813D5D-9D8E-4484-BE86-4458FD589FAD}" type="datetimeFigureOut">
               <a:rPr lang="en-US" smtClean="0"/>
-              <a:t>7/1/2017</a:t>
+              <a:t>7/7/2017</a:t>
             </a:fld>
             <a:endParaRPr lang="en-US"/>
           </a:p>
@@ -1242,7 +1248,7 @@
           <a:p>
             <a:fld id="{4F813D5D-9D8E-4484-BE86-4458FD589FAD}" type="datetimeFigureOut">
               <a:rPr lang="en-US" smtClean="0"/>
-              <a:t>7/1/2017</a:t>
+              <a:t>7/7/2017</a:t>
             </a:fld>
             <a:endParaRPr lang="en-US"/>
           </a:p>
@@ -1606,7 +1612,7 @@
           <a:p>
             <a:fld id="{4F813D5D-9D8E-4484-BE86-4458FD589FAD}" type="datetimeFigureOut">
               <a:rPr lang="en-US" smtClean="0"/>
-              <a:t>7/1/2017</a:t>
+              <a:t>7/7/2017</a:t>
             </a:fld>
             <a:endParaRPr lang="en-US"/>
           </a:p>
@@ -1723,7 +1729,7 @@
           <a:p>
             <a:fld id="{4F813D5D-9D8E-4484-BE86-4458FD589FAD}" type="datetimeFigureOut">
               <a:rPr lang="en-US" smtClean="0"/>
-              <a:t>7/1/2017</a:t>
+              <a:t>7/7/2017</a:t>
             </a:fld>
             <a:endParaRPr lang="en-US"/>
           </a:p>
@@ -1818,7 +1824,7 @@
           <a:p>
             <a:fld id="{4F813D5D-9D8E-4484-BE86-4458FD589FAD}" type="datetimeFigureOut">
               <a:rPr lang="en-US" smtClean="0"/>
-              <a:t>7/1/2017</a:t>
+              <a:t>7/7/2017</a:t>
             </a:fld>
             <a:endParaRPr lang="en-US"/>
           </a:p>
@@ -2093,7 +2099,7 @@
           <a:p>
             <a:fld id="{4F813D5D-9D8E-4484-BE86-4458FD589FAD}" type="datetimeFigureOut">
               <a:rPr lang="en-US" smtClean="0"/>
-              <a:t>7/1/2017</a:t>
+              <a:t>7/7/2017</a:t>
             </a:fld>
             <a:endParaRPr lang="en-US"/>
           </a:p>
@@ -2348,7 +2354,7 @@
           <a:p>
             <a:fld id="{4F813D5D-9D8E-4484-BE86-4458FD589FAD}" type="datetimeFigureOut">
               <a:rPr lang="en-US" smtClean="0"/>
-              <a:t>7/1/2017</a:t>
+              <a:t>7/7/2017</a:t>
             </a:fld>
             <a:endParaRPr lang="en-US"/>
           </a:p>
@@ -2595,7 +2601,7 @@
           <a:p>
             <a:fld id="{4F813D5D-9D8E-4484-BE86-4458FD589FAD}" type="datetimeFigureOut">
               <a:rPr lang="en-US" smtClean="0"/>
-              <a:t>7/1/2017</a:t>
+              <a:t>7/7/2017</a:t>
             </a:fld>
             <a:endParaRPr lang="en-US"/>
           </a:p>
@@ -3024,15 +3030,7 @@
           <a:p>
             <a:r>
               <a:rPr lang="en-US" dirty="0"/>
-              <a:t>University of Illinois REU Introduction to </a:t>
-            </a:r>
-            <a:r>
-              <a:rPr lang="en-US" dirty="0" err="1"/>
-              <a:t>Matlab</a:t>
-            </a:r>
-            <a:r>
-              <a:rPr lang="en-US" dirty="0"/>
-              <a:t> Day II</a:t>
+              <a:t>University of Illinois REU Introduction to MATLAB Day II</a:t>
             </a:r>
           </a:p>
         </p:txBody>
@@ -3064,6 +3062,54 @@
           </a:p>
         </p:txBody>
       </p:sp>
+      <p:pic>
+        <p:nvPicPr>
+          <p:cNvPr id="4" name="Picture 3"/>
+          <p:cNvPicPr>
+            <a:picLocks noChangeAspect="1"/>
+          </p:cNvPicPr>
+          <p:nvPr/>
+        </p:nvPicPr>
+        <p:blipFill>
+          <a:blip r:embed="rId2"/>
+          <a:stretch>
+            <a:fillRect/>
+          </a:stretch>
+        </p:blipFill>
+        <p:spPr>
+          <a:xfrm>
+            <a:off x="6621410" y="2812454"/>
+            <a:ext cx="4785775" cy="3225064"/>
+          </a:xfrm>
+          <a:prstGeom prst="rect">
+            <a:avLst/>
+          </a:prstGeom>
+        </p:spPr>
+      </p:pic>
+      <p:pic>
+        <p:nvPicPr>
+          <p:cNvPr id="5" name="Picture 4"/>
+          <p:cNvPicPr>
+            <a:picLocks noChangeAspect="1"/>
+          </p:cNvPicPr>
+          <p:nvPr/>
+        </p:nvPicPr>
+        <p:blipFill>
+          <a:blip r:embed="rId3"/>
+          <a:stretch>
+            <a:fillRect/>
+          </a:stretch>
+        </p:blipFill>
+        <p:spPr>
+          <a:xfrm>
+            <a:off x="833949" y="3080702"/>
+            <a:ext cx="5310076" cy="2688569"/>
+          </a:xfrm>
+          <a:prstGeom prst="rect">
+            <a:avLst/>
+          </a:prstGeom>
+        </p:spPr>
+      </p:pic>
     </p:spTree>
     <p:extLst>
       <p:ext uri="{BB962C8B-B14F-4D97-AF65-F5344CB8AC3E}">
@@ -3133,13 +3179,13 @@
         </p:nvSpPr>
         <p:spPr>
           <a:xfrm>
-            <a:off x="118156" y="1186274"/>
-            <a:ext cx="8549640" cy="3041979"/>
+            <a:off x="365360" y="997455"/>
+            <a:ext cx="5957619" cy="4352757"/>
           </a:xfrm>
         </p:spPr>
         <p:txBody>
           <a:bodyPr>
-            <a:normAutofit/>
+            <a:normAutofit fontScale="92500"/>
           </a:bodyPr>
           <a:lstStyle/>
           <a:p>
@@ -3157,50 +3203,92 @@
               <a:buNone/>
             </a:pPr>
             <a:r>
+              <a:rPr lang="en-US" sz="2400" dirty="0"/>
+              <a:t>Many functional forms are available in MATLAB</a:t>
+            </a:r>
+          </a:p>
+          <a:p>
+            <a:pPr marL="0" indent="0">
+              <a:buNone/>
+            </a:pPr>
+            <a:r>
               <a:rPr lang="en-US" dirty="0"/>
-              <a:t>Functional forms commonly used in physics</a:t>
-            </a:r>
+              <a:t>	</a:t>
+            </a:r>
+            <a:r>
+              <a:rPr lang="en-US" sz="2200" dirty="0">
+                <a:hlinkClick r:id="rId2"/>
+              </a:rPr>
+              <a:t>Here is a list of them online</a:t>
+            </a:r>
+            <a:endParaRPr lang="en-US" sz="2200" dirty="0"/>
+          </a:p>
+          <a:p>
+            <a:pPr marL="0" indent="0">
+              <a:buNone/>
+            </a:pPr>
+            <a:r>
+              <a:rPr lang="en-US" sz="2200" dirty="0"/>
+              <a:t>Simplest Example code:</a:t>
+            </a:r>
+          </a:p>
+          <a:p>
+            <a:pPr marL="0" indent="0">
+              <a:buNone/>
+            </a:pPr>
+            <a:endParaRPr lang="en-US" sz="2200" dirty="0"/>
+          </a:p>
+          <a:p>
+            <a:pPr marL="0" indent="0">
+              <a:buNone/>
+            </a:pPr>
+            <a:r>
+              <a:rPr lang="en-US" dirty="0"/>
+              <a:t>The MATLAB command includes 3 pieces</a:t>
+            </a:r>
+          </a:p>
+          <a:p>
+            <a:pPr marL="514350" indent="-514350">
+              <a:buFont typeface="+mj-lt"/>
+              <a:buAutoNum type="arabicPeriod"/>
+            </a:pPr>
+            <a:r>
+              <a:rPr lang="en-US" sz="2200" dirty="0"/>
+              <a:t>The x data</a:t>
+            </a:r>
+          </a:p>
+          <a:p>
+            <a:pPr marL="514350" indent="-514350">
+              <a:buFont typeface="+mj-lt"/>
+              <a:buAutoNum type="arabicPeriod"/>
+            </a:pPr>
+            <a:r>
+              <a:rPr lang="en-US" sz="2200" dirty="0"/>
+              <a:t>The y data</a:t>
+            </a:r>
+          </a:p>
+          <a:p>
+            <a:pPr marL="514350" indent="-514350">
+              <a:buFont typeface="+mj-lt"/>
+              <a:buAutoNum type="arabicPeriod"/>
+            </a:pPr>
+            <a:r>
+              <a:rPr lang="en-US" sz="2200" dirty="0"/>
+              <a:t>The functional form of the fit</a:t>
+            </a:r>
+          </a:p>
+          <a:p>
+            <a:pPr marL="0" indent="0">
+              <a:buNone/>
+            </a:pPr>
+            <a:endParaRPr lang="en-US" dirty="0"/>
           </a:p>
           <a:p>
             <a:pPr>
               <a:buFontTx/>
               <a:buChar char="-"/>
             </a:pPr>
-            <a:r>
-              <a:rPr lang="en-US" sz="2000" dirty="0"/>
-              <a:t>Polynomial (up to 8)</a:t>
-            </a:r>
-          </a:p>
-          <a:p>
-            <a:pPr>
-              <a:buFontTx/>
-              <a:buChar char="-"/>
-            </a:pPr>
-            <a:r>
-              <a:rPr lang="en-US" sz="2000" dirty="0"/>
-              <a:t>Sum of Sins (up to 6)</a:t>
-            </a:r>
-          </a:p>
-          <a:p>
-            <a:pPr>
-              <a:buFontTx/>
-              <a:buChar char="-"/>
-            </a:pPr>
-            <a:r>
-              <a:rPr lang="en-US" sz="2000" dirty="0"/>
-              <a:t>Gaussian (up to 2)</a:t>
-            </a:r>
-          </a:p>
-          <a:p>
-            <a:pPr>
-              <a:buFontTx/>
-              <a:buChar char="-"/>
-            </a:pPr>
-            <a:r>
-              <a:rPr lang="en-US" sz="2000" dirty="0"/>
-              <a:t>Exponential (up to 3)</a:t>
-            </a:r>
-            <a:endParaRPr lang="en-US" dirty="0"/>
+            <a:endParaRPr lang="en-US" sz="2000" dirty="0"/>
           </a:p>
           <a:p>
             <a:pPr>
@@ -3209,6 +3297,13 @@
             </a:pPr>
             <a:endParaRPr lang="en-US" dirty="0"/>
           </a:p>
+          <a:p>
+            <a:pPr>
+              <a:buFontTx/>
+              <a:buChar char="-"/>
+            </a:pPr>
+            <a:endParaRPr lang="en-US" dirty="0"/>
+          </a:p>
         </p:txBody>
       </p:sp>
       <p:sp>
@@ -3219,8 +3314,8 @@
         </p:nvSpPr>
         <p:spPr>
           <a:xfrm>
-            <a:off x="449133" y="4374859"/>
-            <a:ext cx="5565426" cy="1477328"/>
+            <a:off x="2101175" y="5350212"/>
+            <a:ext cx="10071370" cy="646331"/>
           </a:xfrm>
           <a:prstGeom prst="rect">
             <a:avLst/>
@@ -3234,7 +3329,673 @@
           <a:p>
             <a:r>
               <a:rPr lang="en-US" b="1" i="1" dirty="0"/>
-              <a:t>Try setting up a fit to the test data you generated earlier today.  Try to extract the coefficients using both code and the GUI and compare them to the values you used to create the data set.  How do the residuals compare between the noisy data and the high resolution data?</a:t>
+              <a:t>Try setting up a fit to the test data you generated earlier today.  Try to extract the coefficients using code.  How do the coefficients compare to the values you used to create the data set?</a:t>
+            </a:r>
+          </a:p>
+        </p:txBody>
+      </p:sp>
+      <p:sp>
+        <p:nvSpPr>
+          <p:cNvPr id="19" name="Rectangle 18"/>
+          <p:cNvSpPr/>
+          <p:nvPr/>
+        </p:nvSpPr>
+        <p:spPr>
+          <a:xfrm>
+            <a:off x="6613585" y="1356594"/>
+            <a:ext cx="5622587" cy="3261406"/>
+          </a:xfrm>
+          <a:prstGeom prst="rect">
+            <a:avLst/>
+          </a:prstGeom>
+        </p:spPr>
+        <p:txBody>
+          <a:bodyPr wrap="square">
+            <a:spAutoFit/>
+          </a:bodyPr>
+          <a:lstStyle/>
+          <a:p>
+            <a:pPr lvl="0">
+              <a:lnSpc>
+                <a:spcPct val="90000"/>
+              </a:lnSpc>
+              <a:spcBef>
+                <a:spcPts val="1000"/>
+              </a:spcBef>
+            </a:pPr>
+            <a:r>
+              <a:rPr lang="en-US" sz="2400" i="1" dirty="0">
+                <a:solidFill>
+                  <a:prstClr val="black"/>
+                </a:solidFill>
+              </a:rPr>
+              <a:t>Some commonly used functional forms:</a:t>
+            </a:r>
+          </a:p>
+          <a:p>
+            <a:pPr marL="228600" lvl="0" indent="-228600">
+              <a:lnSpc>
+                <a:spcPct val="90000"/>
+              </a:lnSpc>
+              <a:spcBef>
+                <a:spcPts val="1000"/>
+              </a:spcBef>
+              <a:buFontTx/>
+              <a:buChar char="-"/>
+            </a:pPr>
+            <a:r>
+              <a:rPr lang="en-US" sz="2000" dirty="0">
+                <a:solidFill>
+                  <a:prstClr val="black"/>
+                </a:solidFill>
+              </a:rPr>
+              <a:t>Polynomial – ‘poly#’ with # = 1 to 8</a:t>
+            </a:r>
+          </a:p>
+          <a:p>
+            <a:pPr marL="228600" lvl="0" indent="-228600">
+              <a:lnSpc>
+                <a:spcPct val="90000"/>
+              </a:lnSpc>
+              <a:spcBef>
+                <a:spcPts val="1000"/>
+              </a:spcBef>
+              <a:buFontTx/>
+              <a:buChar char="-"/>
+            </a:pPr>
+            <a:r>
+              <a:rPr lang="en-US" sz="2000" dirty="0">
+                <a:solidFill>
+                  <a:prstClr val="black"/>
+                </a:solidFill>
+              </a:rPr>
+              <a:t>Sum of Sins – ‘sin#’ with # = 1 to 8</a:t>
+            </a:r>
+          </a:p>
+          <a:p>
+            <a:pPr marL="228600" lvl="0" indent="-228600">
+              <a:lnSpc>
+                <a:spcPct val="90000"/>
+              </a:lnSpc>
+              <a:spcBef>
+                <a:spcPts val="1000"/>
+              </a:spcBef>
+              <a:buFontTx/>
+              <a:buChar char="-"/>
+            </a:pPr>
+            <a:r>
+              <a:rPr lang="en-US" sz="2000" dirty="0">
+                <a:solidFill>
+                  <a:prstClr val="black"/>
+                </a:solidFill>
+              </a:rPr>
+              <a:t>Gaussian – ‘</a:t>
+            </a:r>
+            <a:r>
+              <a:rPr lang="en-US" sz="2000" dirty="0" err="1">
+                <a:solidFill>
+                  <a:prstClr val="black"/>
+                </a:solidFill>
+              </a:rPr>
+              <a:t>gaussian</a:t>
+            </a:r>
+            <a:r>
+              <a:rPr lang="en-US" sz="2000" dirty="0">
+                <a:solidFill>
+                  <a:prstClr val="black"/>
+                </a:solidFill>
+              </a:rPr>
+              <a:t>#’ with # = 1 to 8</a:t>
+            </a:r>
+          </a:p>
+          <a:p>
+            <a:pPr marL="228600" lvl="0" indent="-228600">
+              <a:lnSpc>
+                <a:spcPct val="90000"/>
+              </a:lnSpc>
+              <a:spcBef>
+                <a:spcPts val="1000"/>
+              </a:spcBef>
+              <a:buFontTx/>
+              <a:buChar char="-"/>
+            </a:pPr>
+            <a:r>
+              <a:rPr lang="en-US" sz="2000" dirty="0">
+                <a:solidFill>
+                  <a:prstClr val="black"/>
+                </a:solidFill>
+              </a:rPr>
+              <a:t>Exponential – ‘</a:t>
+            </a:r>
+            <a:r>
+              <a:rPr lang="en-US" sz="2000" dirty="0" err="1">
+                <a:solidFill>
+                  <a:prstClr val="black"/>
+                </a:solidFill>
+              </a:rPr>
+              <a:t>exp</a:t>
+            </a:r>
+            <a:r>
+              <a:rPr lang="en-US" sz="2000" dirty="0">
+                <a:solidFill>
+                  <a:prstClr val="black"/>
+                </a:solidFill>
+              </a:rPr>
+              <a:t>#’ with # = 1 to 2</a:t>
+            </a:r>
+          </a:p>
+          <a:p>
+            <a:pPr marL="228600" lvl="0" indent="-228600">
+              <a:lnSpc>
+                <a:spcPct val="90000"/>
+              </a:lnSpc>
+              <a:spcBef>
+                <a:spcPts val="1000"/>
+              </a:spcBef>
+              <a:buFontTx/>
+              <a:buChar char="-"/>
+            </a:pPr>
+            <a:r>
+              <a:rPr lang="en-US" sz="2000" dirty="0">
+                <a:solidFill>
+                  <a:prstClr val="black"/>
+                </a:solidFill>
+              </a:rPr>
+              <a:t>Power Law – ‘power#’ with # = 1 to 2</a:t>
+            </a:r>
+          </a:p>
+          <a:p>
+            <a:pPr marL="228600" lvl="0" indent="-228600">
+              <a:lnSpc>
+                <a:spcPct val="90000"/>
+              </a:lnSpc>
+              <a:spcBef>
+                <a:spcPts val="1000"/>
+              </a:spcBef>
+              <a:buFontTx/>
+              <a:buChar char="-"/>
+            </a:pPr>
+            <a:r>
+              <a:rPr lang="en-US" sz="2000" dirty="0">
+                <a:solidFill>
+                  <a:prstClr val="black"/>
+                </a:solidFill>
+              </a:rPr>
+              <a:t>Polynomial surface fit – ‘poly##’ with # = 1 to 8</a:t>
+            </a:r>
+          </a:p>
+          <a:p>
+            <a:pPr marL="685800" lvl="1" indent="-228600">
+              <a:lnSpc>
+                <a:spcPct val="90000"/>
+              </a:lnSpc>
+              <a:spcBef>
+                <a:spcPts val="1000"/>
+              </a:spcBef>
+              <a:buFontTx/>
+              <a:buChar char="-"/>
+            </a:pPr>
+            <a:r>
+              <a:rPr lang="en-US" sz="2000" dirty="0">
+                <a:solidFill>
+                  <a:prstClr val="black"/>
+                </a:solidFill>
+              </a:rPr>
+              <a:t>The two numbers can be different values</a:t>
+            </a:r>
+          </a:p>
+        </p:txBody>
+      </p:sp>
+      <p:pic>
+        <p:nvPicPr>
+          <p:cNvPr id="21" name="Picture 20"/>
+          <p:cNvPicPr>
+            <a:picLocks noChangeAspect="1"/>
+          </p:cNvPicPr>
+          <p:nvPr/>
+        </p:nvPicPr>
+        <p:blipFill>
+          <a:blip r:embed="rId3"/>
+          <a:stretch>
+            <a:fillRect/>
+          </a:stretch>
+        </p:blipFill>
+        <p:spPr>
+          <a:xfrm>
+            <a:off x="542715" y="2834634"/>
+            <a:ext cx="5925567" cy="305325"/>
+          </a:xfrm>
+          <a:prstGeom prst="rect">
+            <a:avLst/>
+          </a:prstGeom>
+          <a:ln>
+            <a:solidFill>
+              <a:schemeClr val="tx1"/>
+            </a:solidFill>
+          </a:ln>
+        </p:spPr>
+      </p:pic>
+    </p:spTree>
+    <p:extLst>
+      <p:ext uri="{BB962C8B-B14F-4D97-AF65-F5344CB8AC3E}">
+        <p14:creationId xmlns:p14="http://schemas.microsoft.com/office/powerpoint/2010/main" val="1324146652"/>
+      </p:ext>
+    </p:extLst>
+  </p:cSld>
+  <p:clrMapOvr>
+    <a:masterClrMapping/>
+  </p:clrMapOvr>
+</p:sld>
+</file>
+
+<file path=ppt/slides/slide11.xml><?xml version="1.0" encoding="utf-8"?>
+<p:sld xmlns:a="http://schemas.openxmlformats.org/drawingml/2006/main" xmlns:r="http://schemas.openxmlformats.org/officeDocument/2006/relationships" xmlns:p="http://schemas.openxmlformats.org/presentationml/2006/main">
+  <p:cSld>
+    <p:spTree>
+      <p:nvGrpSpPr>
+        <p:cNvPr id="1" name=""/>
+        <p:cNvGrpSpPr/>
+        <p:nvPr/>
+      </p:nvGrpSpPr>
+      <p:grpSpPr>
+        <a:xfrm>
+          <a:off x="0" y="0"/>
+          <a:ext cx="0" cy="0"/>
+          <a:chOff x="0" y="0"/>
+          <a:chExt cx="0" cy="0"/>
+        </a:xfrm>
+      </p:grpSpPr>
+      <p:sp>
+        <p:nvSpPr>
+          <p:cNvPr id="2" name="Title 1"/>
+          <p:cNvSpPr>
+            <a:spLocks noGrp="1"/>
+          </p:cNvSpPr>
+          <p:nvPr>
+            <p:ph type="title"/>
+          </p:nvPr>
+        </p:nvSpPr>
+        <p:spPr>
+          <a:xfrm>
+            <a:off x="204280" y="39078"/>
+            <a:ext cx="10515600" cy="1325563"/>
+          </a:xfrm>
+        </p:spPr>
+        <p:txBody>
+          <a:bodyPr/>
+          <a:lstStyle/>
+          <a:p>
+            <a:r>
+              <a:rPr lang="en-US" dirty="0"/>
+              <a:t>This is what mine looks like</a:t>
+            </a:r>
+            <a:br>
+              <a:rPr lang="en-US" dirty="0"/>
+            </a:br>
+            <a:r>
+              <a:rPr lang="en-US" sz="2800" dirty="0"/>
+              <a:t>Fitting the Polynomial Test Data using Code</a:t>
+            </a:r>
+            <a:endParaRPr lang="en-US" dirty="0"/>
+          </a:p>
+        </p:txBody>
+      </p:sp>
+      <p:pic>
+        <p:nvPicPr>
+          <p:cNvPr id="11" name="Picture 10"/>
+          <p:cNvPicPr>
+            <a:picLocks noChangeAspect="1"/>
+          </p:cNvPicPr>
+          <p:nvPr/>
+        </p:nvPicPr>
+        <p:blipFill>
+          <a:blip r:embed="rId2"/>
+          <a:stretch>
+            <a:fillRect/>
+          </a:stretch>
+        </p:blipFill>
+        <p:spPr>
+          <a:xfrm>
+            <a:off x="8092112" y="3389167"/>
+            <a:ext cx="3428522" cy="3018324"/>
+          </a:xfrm>
+          <a:prstGeom prst="rect">
+            <a:avLst/>
+          </a:prstGeom>
+          <a:ln>
+            <a:solidFill>
+              <a:schemeClr val="tx1"/>
+            </a:solidFill>
+          </a:ln>
+        </p:spPr>
+      </p:pic>
+      <p:pic>
+        <p:nvPicPr>
+          <p:cNvPr id="12" name="Picture 11"/>
+          <p:cNvPicPr>
+            <a:picLocks noChangeAspect="1"/>
+          </p:cNvPicPr>
+          <p:nvPr/>
+        </p:nvPicPr>
+        <p:blipFill>
+          <a:blip r:embed="rId3"/>
+          <a:stretch>
+            <a:fillRect/>
+          </a:stretch>
+        </p:blipFill>
+        <p:spPr>
+          <a:xfrm>
+            <a:off x="760718" y="1364641"/>
+            <a:ext cx="6272212" cy="2024526"/>
+          </a:xfrm>
+          <a:prstGeom prst="rect">
+            <a:avLst/>
+          </a:prstGeom>
+          <a:ln>
+            <a:solidFill>
+              <a:schemeClr val="tx1"/>
+            </a:solidFill>
+          </a:ln>
+        </p:spPr>
+      </p:pic>
+      <p:pic>
+        <p:nvPicPr>
+          <p:cNvPr id="13" name="Picture 12"/>
+          <p:cNvPicPr>
+            <a:picLocks noChangeAspect="1"/>
+          </p:cNvPicPr>
+          <p:nvPr/>
+        </p:nvPicPr>
+        <p:blipFill rotWithShape="1">
+          <a:blip r:embed="rId4"/>
+          <a:srcRect b="58837"/>
+          <a:stretch/>
+        </p:blipFill>
+        <p:spPr>
+          <a:xfrm>
+            <a:off x="760718" y="3518227"/>
+            <a:ext cx="6272212" cy="1044045"/>
+          </a:xfrm>
+          <a:prstGeom prst="rect">
+            <a:avLst/>
+          </a:prstGeom>
+          <a:ln>
+            <a:solidFill>
+              <a:schemeClr val="tx1"/>
+            </a:solidFill>
+          </a:ln>
+        </p:spPr>
+      </p:pic>
+      <p:sp>
+        <p:nvSpPr>
+          <p:cNvPr id="14" name="TextBox 13"/>
+          <p:cNvSpPr txBox="1"/>
+          <p:nvPr/>
+        </p:nvSpPr>
+        <p:spPr>
+          <a:xfrm rot="16200000">
+            <a:off x="-239924" y="2192238"/>
+            <a:ext cx="1428276" cy="369332"/>
+          </a:xfrm>
+          <a:prstGeom prst="rect">
+            <a:avLst/>
+          </a:prstGeom>
+          <a:noFill/>
+        </p:spPr>
+        <p:txBody>
+          <a:bodyPr wrap="none" rtlCol="0">
+            <a:spAutoFit/>
+          </a:bodyPr>
+          <a:lstStyle/>
+          <a:p>
+            <a:r>
+              <a:rPr lang="en-US" dirty="0"/>
+              <a:t>Creating Fit 1</a:t>
+            </a:r>
+          </a:p>
+        </p:txBody>
+      </p:sp>
+      <p:sp>
+        <p:nvSpPr>
+          <p:cNvPr id="15" name="TextBox 14"/>
+          <p:cNvSpPr txBox="1"/>
+          <p:nvPr/>
+        </p:nvSpPr>
+        <p:spPr>
+          <a:xfrm rot="16200000">
+            <a:off x="-100255" y="3649298"/>
+            <a:ext cx="1075615" cy="646331"/>
+          </a:xfrm>
+          <a:prstGeom prst="rect">
+            <a:avLst/>
+          </a:prstGeom>
+          <a:noFill/>
+        </p:spPr>
+        <p:txBody>
+          <a:bodyPr wrap="none" rtlCol="0">
+            <a:spAutoFit/>
+          </a:bodyPr>
+          <a:lstStyle/>
+          <a:p>
+            <a:pPr algn="ctr"/>
+            <a:r>
+              <a:rPr lang="en-US" dirty="0"/>
+              <a:t>Creating </a:t>
+            </a:r>
+          </a:p>
+          <a:p>
+            <a:pPr algn="ctr"/>
+            <a:r>
+              <a:rPr lang="en-US" dirty="0"/>
+              <a:t>Plot Fit 1 </a:t>
+            </a:r>
+          </a:p>
+        </p:txBody>
+      </p:sp>
+      <p:sp>
+        <p:nvSpPr>
+          <p:cNvPr id="16" name="TextBox 15"/>
+          <p:cNvSpPr txBox="1"/>
+          <p:nvPr/>
+        </p:nvSpPr>
+        <p:spPr>
+          <a:xfrm rot="16200000">
+            <a:off x="-363099" y="4937920"/>
+            <a:ext cx="1397627" cy="646331"/>
+          </a:xfrm>
+          <a:prstGeom prst="rect">
+            <a:avLst/>
+          </a:prstGeom>
+          <a:noFill/>
+        </p:spPr>
+        <p:txBody>
+          <a:bodyPr wrap="none" rtlCol="0">
+            <a:spAutoFit/>
+          </a:bodyPr>
+          <a:lstStyle/>
+          <a:p>
+            <a:pPr algn="ctr"/>
+            <a:r>
+              <a:rPr lang="en-US" dirty="0"/>
+              <a:t>Analysis and </a:t>
+            </a:r>
+          </a:p>
+          <a:p>
+            <a:pPr algn="ctr"/>
+            <a:r>
+              <a:rPr lang="en-US" dirty="0"/>
+              <a:t>Plot for Fit  2</a:t>
+            </a:r>
+          </a:p>
+        </p:txBody>
+      </p:sp>
+      <p:pic>
+        <p:nvPicPr>
+          <p:cNvPr id="17" name="Picture 16"/>
+          <p:cNvPicPr>
+            <a:picLocks noChangeAspect="1"/>
+          </p:cNvPicPr>
+          <p:nvPr/>
+        </p:nvPicPr>
+        <p:blipFill rotWithShape="1">
+          <a:blip r:embed="rId4"/>
+          <a:srcRect t="43553"/>
+          <a:stretch/>
+        </p:blipFill>
+        <p:spPr>
+          <a:xfrm>
+            <a:off x="760718" y="4714730"/>
+            <a:ext cx="6272212" cy="1431725"/>
+          </a:xfrm>
+          <a:prstGeom prst="rect">
+            <a:avLst/>
+          </a:prstGeom>
+          <a:ln>
+            <a:solidFill>
+              <a:schemeClr val="tx1"/>
+            </a:solidFill>
+          </a:ln>
+        </p:spPr>
+      </p:pic>
+      <p:pic>
+        <p:nvPicPr>
+          <p:cNvPr id="6" name="Picture 5"/>
+          <p:cNvPicPr>
+            <a:picLocks noChangeAspect="1"/>
+          </p:cNvPicPr>
+          <p:nvPr/>
+        </p:nvPicPr>
+        <p:blipFill>
+          <a:blip r:embed="rId5"/>
+          <a:stretch>
+            <a:fillRect/>
+          </a:stretch>
+        </p:blipFill>
+        <p:spPr>
+          <a:xfrm>
+            <a:off x="10062187" y="1364641"/>
+            <a:ext cx="1942486" cy="1508283"/>
+          </a:xfrm>
+          <a:prstGeom prst="rect">
+            <a:avLst/>
+          </a:prstGeom>
+          <a:ln>
+            <a:solidFill>
+              <a:schemeClr val="tx1"/>
+            </a:solidFill>
+          </a:ln>
+        </p:spPr>
+      </p:pic>
+      <p:pic>
+        <p:nvPicPr>
+          <p:cNvPr id="19" name="Picture 18"/>
+          <p:cNvPicPr>
+            <a:picLocks noChangeAspect="1"/>
+          </p:cNvPicPr>
+          <p:nvPr/>
+        </p:nvPicPr>
+        <p:blipFill>
+          <a:blip r:embed="rId6"/>
+          <a:stretch>
+            <a:fillRect/>
+          </a:stretch>
+        </p:blipFill>
+        <p:spPr>
+          <a:xfrm>
+            <a:off x="7291218" y="1218940"/>
+            <a:ext cx="2515155" cy="1912106"/>
+          </a:xfrm>
+          <a:prstGeom prst="rect">
+            <a:avLst/>
+          </a:prstGeom>
+          <a:ln>
+            <a:solidFill>
+              <a:schemeClr val="tx1"/>
+            </a:solidFill>
+          </a:ln>
+        </p:spPr>
+      </p:pic>
+    </p:spTree>
+    <p:extLst>
+      <p:ext uri="{BB962C8B-B14F-4D97-AF65-F5344CB8AC3E}">
+        <p14:creationId xmlns:p14="http://schemas.microsoft.com/office/powerpoint/2010/main" val="1450677673"/>
+      </p:ext>
+    </p:extLst>
+  </p:cSld>
+  <p:clrMapOvr>
+    <a:masterClrMapping/>
+  </p:clrMapOvr>
+</p:sld>
+</file>
+
+<file path=ppt/slides/slide12.xml><?xml version="1.0" encoding="utf-8"?>
+<p:sld xmlns:a="http://schemas.openxmlformats.org/drawingml/2006/main" xmlns:r="http://schemas.openxmlformats.org/officeDocument/2006/relationships" xmlns:p="http://schemas.openxmlformats.org/presentationml/2006/main">
+  <p:cSld>
+    <p:spTree>
+      <p:nvGrpSpPr>
+        <p:cNvPr id="1" name=""/>
+        <p:cNvGrpSpPr/>
+        <p:nvPr/>
+      </p:nvGrpSpPr>
+      <p:grpSpPr>
+        <a:xfrm>
+          <a:off x="0" y="0"/>
+          <a:ext cx="0" cy="0"/>
+          <a:chOff x="0" y="0"/>
+          <a:chExt cx="0" cy="0"/>
+        </a:xfrm>
+      </p:grpSpPr>
+      <p:sp>
+        <p:nvSpPr>
+          <p:cNvPr id="2" name="Title 1"/>
+          <p:cNvSpPr>
+            <a:spLocks noGrp="1"/>
+          </p:cNvSpPr>
+          <p:nvPr>
+            <p:ph type="title"/>
+          </p:nvPr>
+        </p:nvSpPr>
+        <p:spPr>
+          <a:xfrm>
+            <a:off x="129877" y="189025"/>
+            <a:ext cx="10515600" cy="808431"/>
+          </a:xfrm>
+        </p:spPr>
+        <p:txBody>
+          <a:bodyPr/>
+          <a:lstStyle/>
+          <a:p>
+            <a:r>
+              <a:rPr lang="en-US" dirty="0"/>
+              <a:t>Fitting data to a Function</a:t>
+            </a:r>
+          </a:p>
+        </p:txBody>
+      </p:sp>
+      <p:sp>
+        <p:nvSpPr>
+          <p:cNvPr id="4" name="Rectangle 3"/>
+          <p:cNvSpPr/>
+          <p:nvPr/>
+        </p:nvSpPr>
+        <p:spPr>
+          <a:xfrm>
+            <a:off x="3821586" y="5753664"/>
+            <a:ext cx="8269807" cy="646331"/>
+          </a:xfrm>
+          <a:prstGeom prst="rect">
+            <a:avLst/>
+          </a:prstGeom>
+        </p:spPr>
+        <p:txBody>
+          <a:bodyPr wrap="square">
+            <a:spAutoFit/>
+          </a:bodyPr>
+          <a:lstStyle/>
+          <a:p>
+            <a:r>
+              <a:rPr lang="en-US" b="1" i="1" dirty="0"/>
+              <a:t>Try setting up a fit to the test data you generated earlier today.  Try to extract the coefficients using the GUI and compare the values you used to create the data set?</a:t>
             </a:r>
           </a:p>
         </p:txBody>
@@ -3254,7 +4015,7 @@
         </p:blipFill>
         <p:spPr>
           <a:xfrm>
-            <a:off x="8800164" y="1839585"/>
+            <a:off x="475528" y="2811733"/>
             <a:ext cx="2802188" cy="1038225"/>
           </a:xfrm>
           <a:prstGeom prst="rect">
@@ -3275,8 +4036,8 @@
         </p:nvCxnSpPr>
         <p:spPr>
           <a:xfrm>
-            <a:off x="10064260" y="1466314"/>
-            <a:ext cx="581217" cy="796884"/>
+            <a:off x="2207060" y="2462311"/>
+            <a:ext cx="227349" cy="777000"/>
           </a:xfrm>
           <a:prstGeom prst="straightConnector1">
             <a:avLst/>
@@ -3319,8 +4080,8 @@
         </p:blipFill>
         <p:spPr>
           <a:xfrm>
-            <a:off x="8432600" y="3266834"/>
-            <a:ext cx="3537316" cy="2383155"/>
+            <a:off x="5669195" y="1282183"/>
+            <a:ext cx="6074796" cy="4092702"/>
           </a:xfrm>
           <a:prstGeom prst="rect">
             <a:avLst/>
@@ -3340,7 +4101,7 @@
         </p:nvSpPr>
         <p:spPr>
           <a:xfrm>
-            <a:off x="6336904" y="3536391"/>
+            <a:off x="3531989" y="1699401"/>
             <a:ext cx="1613943" cy="369332"/>
           </a:xfrm>
           <a:prstGeom prst="rect">
@@ -3364,15 +4125,13 @@
       <p:cxnSp>
         <p:nvCxnSpPr>
           <p:cNvPr id="12" name="Straight Arrow Connector 11"/>
-          <p:cNvCxnSpPr>
-            <a:stCxn id="9" idx="3"/>
-          </p:cNvCxnSpPr>
+          <p:cNvCxnSpPr/>
           <p:nvPr/>
         </p:nvCxnSpPr>
         <p:spPr>
           <a:xfrm>
-            <a:off x="7950847" y="3721057"/>
-            <a:ext cx="641448" cy="57831"/>
+            <a:off x="5145932" y="1926619"/>
+            <a:ext cx="660999" cy="235403"/>
           </a:xfrm>
           <a:prstGeom prst="straightConnector1">
             <a:avLst/>
@@ -3399,35 +4158,6 @@
           </a:fontRef>
         </p:style>
       </p:cxnSp>
-      <p:sp>
-        <p:nvSpPr>
-          <p:cNvPr id="13" name="TextBox 12"/>
-          <p:cNvSpPr txBox="1"/>
-          <p:nvPr/>
-        </p:nvSpPr>
-        <p:spPr>
-          <a:xfrm>
-            <a:off x="7063292" y="4019290"/>
-            <a:ext cx="891591" cy="369332"/>
-          </a:xfrm>
-          <a:prstGeom prst="rect">
-            <a:avLst/>
-          </a:prstGeom>
-          <a:noFill/>
-        </p:spPr>
-        <p:txBody>
-          <a:bodyPr wrap="none" rtlCol="0">
-            <a:spAutoFit/>
-          </a:bodyPr>
-          <a:lstStyle/>
-          <a:p>
-            <a:r>
-              <a:rPr lang="en-US" dirty="0"/>
-              <a:t>Fit type</a:t>
-            </a:r>
-          </a:p>
-        </p:txBody>
-      </p:sp>
       <p:cxnSp>
         <p:nvCxnSpPr>
           <p:cNvPr id="15" name="Straight Arrow Connector 14"/>
@@ -3435,9 +4165,9 @@
           <p:nvPr/>
         </p:nvCxnSpPr>
         <p:spPr>
-          <a:xfrm flipV="1">
-            <a:off x="8114122" y="3721057"/>
-            <a:ext cx="1675948" cy="501683"/>
+          <a:xfrm>
+            <a:off x="7713214" y="1249483"/>
+            <a:ext cx="486553" cy="634584"/>
           </a:xfrm>
           <a:prstGeom prst="straightConnector1">
             <a:avLst/>
@@ -3474,7 +4204,7 @@
         </p:nvSpPr>
         <p:spPr>
           <a:xfrm>
-            <a:off x="7063292" y="1191903"/>
+            <a:off x="700280" y="1130423"/>
             <a:ext cx="2401633" cy="426864"/>
           </a:xfrm>
           <a:prstGeom prst="rect">
@@ -3669,7 +4399,7 @@
         </p:nvSpPr>
         <p:spPr>
           <a:xfrm>
-            <a:off x="7443693" y="5852187"/>
+            <a:off x="3472445" y="5122158"/>
             <a:ext cx="1984710" cy="369332"/>
           </a:xfrm>
           <a:prstGeom prst="rect">
@@ -3686,41 +4416,6 @@
             <a:r>
               <a:rPr lang="en-US" dirty="0"/>
               <a:t>Plot of Data and Fit</a:t>
-            </a:r>
-          </a:p>
-        </p:txBody>
-      </p:sp>
-      <p:sp>
-        <p:nvSpPr>
-          <p:cNvPr id="19" name="TextBox 18"/>
-          <p:cNvSpPr txBox="1"/>
-          <p:nvPr/>
-        </p:nvSpPr>
-        <p:spPr>
-          <a:xfrm>
-            <a:off x="6394862" y="4727985"/>
-            <a:ext cx="1590756" cy="646331"/>
-          </a:xfrm>
-          <a:prstGeom prst="rect">
-            <a:avLst/>
-          </a:prstGeom>
-          <a:noFill/>
-        </p:spPr>
-        <p:txBody>
-          <a:bodyPr wrap="none" rtlCol="0">
-            <a:spAutoFit/>
-          </a:bodyPr>
-          <a:lstStyle/>
-          <a:p>
-            <a:r>
-              <a:rPr lang="en-US" dirty="0"/>
-              <a:t>Fit Parameters </a:t>
-            </a:r>
-          </a:p>
-          <a:p>
-            <a:r>
-              <a:rPr lang="en-US" dirty="0"/>
-              <a:t>and Residuals</a:t>
             </a:r>
           </a:p>
         </p:txBody>
@@ -3735,8 +4430,8 @@
         </p:nvCxnSpPr>
         <p:spPr>
           <a:xfrm flipV="1">
-            <a:off x="9428403" y="5051151"/>
-            <a:ext cx="772855" cy="985702"/>
+            <a:off x="5457155" y="4173166"/>
+            <a:ext cx="3268556" cy="1133658"/>
           </a:xfrm>
           <a:prstGeom prst="straightConnector1">
             <a:avLst/>
@@ -3763,6 +4458,64 @@
           </a:fontRef>
         </p:style>
       </p:cxnSp>
+      <p:sp>
+        <p:nvSpPr>
+          <p:cNvPr id="22" name="TextBox 21"/>
+          <p:cNvSpPr txBox="1"/>
+          <p:nvPr/>
+        </p:nvSpPr>
+        <p:spPr>
+          <a:xfrm>
+            <a:off x="6738874" y="842845"/>
+            <a:ext cx="2395398" cy="369332"/>
+          </a:xfrm>
+          <a:prstGeom prst="rect">
+            <a:avLst/>
+          </a:prstGeom>
+          <a:noFill/>
+        </p:spPr>
+        <p:txBody>
+          <a:bodyPr wrap="square" rtlCol="0">
+            <a:spAutoFit/>
+          </a:bodyPr>
+          <a:lstStyle/>
+          <a:p>
+            <a:r>
+              <a:rPr lang="en-US" dirty="0"/>
+              <a:t>Fitting Functional Form</a:t>
+            </a:r>
+          </a:p>
+        </p:txBody>
+      </p:sp>
+      <p:sp>
+        <p:nvSpPr>
+          <p:cNvPr id="23" name="TextBox 22"/>
+          <p:cNvSpPr txBox="1"/>
+          <p:nvPr/>
+        </p:nvSpPr>
+        <p:spPr>
+          <a:xfrm>
+            <a:off x="3472445" y="3939279"/>
+            <a:ext cx="1969363" cy="369332"/>
+          </a:xfrm>
+          <a:prstGeom prst="rect">
+            <a:avLst/>
+          </a:prstGeom>
+          <a:noFill/>
+        </p:spPr>
+        <p:txBody>
+          <a:bodyPr wrap="square" rtlCol="0">
+            <a:spAutoFit/>
+          </a:bodyPr>
+          <a:lstStyle/>
+          <a:p>
+            <a:r>
+              <a:rPr lang="en-US" dirty="0"/>
+              <a:t>Coefficients of Fit</a:t>
+            </a:r>
+          </a:p>
+        </p:txBody>
+      </p:sp>
       <p:cxnSp>
         <p:nvCxnSpPr>
           <p:cNvPr id="24" name="Straight Arrow Connector 23"/>
@@ -3771,8 +4524,8 @@
         </p:nvCxnSpPr>
         <p:spPr>
           <a:xfrm flipV="1">
-            <a:off x="7950847" y="4713212"/>
-            <a:ext cx="716949" cy="345893"/>
+            <a:off x="4970834" y="3501957"/>
+            <a:ext cx="1147864" cy="437322"/>
           </a:xfrm>
           <a:prstGeom prst="straightConnector1">
             <a:avLst/>
@@ -3799,221 +4552,39 @@
           </a:fontRef>
         </p:style>
       </p:cxnSp>
+      <p:sp>
+        <p:nvSpPr>
+          <p:cNvPr id="30" name="TextBox 29"/>
+          <p:cNvSpPr txBox="1"/>
+          <p:nvPr/>
+        </p:nvSpPr>
+        <p:spPr>
+          <a:xfrm>
+            <a:off x="937827" y="2025407"/>
+            <a:ext cx="2244982" cy="369332"/>
+          </a:xfrm>
+          <a:prstGeom prst="rect">
+            <a:avLst/>
+          </a:prstGeom>
+          <a:noFill/>
+        </p:spPr>
+        <p:txBody>
+          <a:bodyPr wrap="square" rtlCol="0">
+            <a:spAutoFit/>
+          </a:bodyPr>
+          <a:lstStyle/>
+          <a:p>
+            <a:r>
+              <a:rPr lang="en-US" dirty="0"/>
+              <a:t>Open the Fitting App</a:t>
+            </a:r>
+          </a:p>
+        </p:txBody>
+      </p:sp>
     </p:spTree>
     <p:extLst>
       <p:ext uri="{BB962C8B-B14F-4D97-AF65-F5344CB8AC3E}">
-        <p14:creationId xmlns:p14="http://schemas.microsoft.com/office/powerpoint/2010/main" val="1324146652"/>
-      </p:ext>
-    </p:extLst>
-  </p:cSld>
-  <p:clrMapOvr>
-    <a:masterClrMapping/>
-  </p:clrMapOvr>
-</p:sld>
-</file>
-
-<file path=ppt/slides/slide11.xml><?xml version="1.0" encoding="utf-8"?>
-<p:sld xmlns:a="http://schemas.openxmlformats.org/drawingml/2006/main" xmlns:r="http://schemas.openxmlformats.org/officeDocument/2006/relationships" xmlns:p="http://schemas.openxmlformats.org/presentationml/2006/main">
-  <p:cSld>
-    <p:spTree>
-      <p:nvGrpSpPr>
-        <p:cNvPr id="1" name=""/>
-        <p:cNvGrpSpPr/>
-        <p:nvPr/>
-      </p:nvGrpSpPr>
-      <p:grpSpPr>
-        <a:xfrm>
-          <a:off x="0" y="0"/>
-          <a:ext cx="0" cy="0"/>
-          <a:chOff x="0" y="0"/>
-          <a:chExt cx="0" cy="0"/>
-        </a:xfrm>
-      </p:grpSpPr>
-      <p:sp>
-        <p:nvSpPr>
-          <p:cNvPr id="2" name="Title 1"/>
-          <p:cNvSpPr>
-            <a:spLocks noGrp="1"/>
-          </p:cNvSpPr>
-          <p:nvPr>
-            <p:ph type="title"/>
-          </p:nvPr>
-        </p:nvSpPr>
-        <p:spPr>
-          <a:xfrm>
-            <a:off x="262646" y="350195"/>
-            <a:ext cx="10515600" cy="1325563"/>
-          </a:xfrm>
-        </p:spPr>
-        <p:txBody>
-          <a:bodyPr/>
-          <a:lstStyle/>
-          <a:p>
-            <a:r>
-              <a:rPr lang="en-US" dirty="0"/>
-              <a:t>This is what mine looks like</a:t>
-            </a:r>
-            <a:br>
-              <a:rPr lang="en-US" dirty="0"/>
-            </a:br>
-            <a:r>
-              <a:rPr lang="en-US" sz="2800" dirty="0"/>
-              <a:t>extracting coefficients from fits to test data</a:t>
-            </a:r>
-            <a:endParaRPr lang="en-US" dirty="0"/>
-          </a:p>
-        </p:txBody>
-      </p:sp>
-      <p:pic>
-        <p:nvPicPr>
-          <p:cNvPr id="3" name="Picture 2"/>
-          <p:cNvPicPr>
-            <a:picLocks noChangeAspect="1"/>
-          </p:cNvPicPr>
-          <p:nvPr/>
-        </p:nvPicPr>
-        <p:blipFill>
-          <a:blip r:embed="rId2"/>
-          <a:stretch>
-            <a:fillRect/>
-          </a:stretch>
-        </p:blipFill>
-        <p:spPr>
-          <a:xfrm>
-            <a:off x="8165886" y="1570757"/>
-            <a:ext cx="3643493" cy="4363116"/>
-          </a:xfrm>
-          <a:prstGeom prst="rect">
-            <a:avLst/>
-          </a:prstGeom>
-          <a:ln>
-            <a:solidFill>
-              <a:schemeClr val="tx1"/>
-            </a:solidFill>
-          </a:ln>
-        </p:spPr>
-      </p:pic>
-      <p:pic>
-        <p:nvPicPr>
-          <p:cNvPr id="5" name="Picture 4"/>
-          <p:cNvPicPr>
-            <a:picLocks noChangeAspect="1"/>
-          </p:cNvPicPr>
-          <p:nvPr/>
-        </p:nvPicPr>
-        <p:blipFill>
-          <a:blip r:embed="rId3"/>
-          <a:stretch>
-            <a:fillRect/>
-          </a:stretch>
-        </p:blipFill>
-        <p:spPr>
-          <a:xfrm>
-            <a:off x="408562" y="2748298"/>
-            <a:ext cx="7402749" cy="2008033"/>
-          </a:xfrm>
-          <a:prstGeom prst="rect">
-            <a:avLst/>
-          </a:prstGeom>
-          <a:ln>
-            <a:solidFill>
-              <a:schemeClr val="tx1"/>
-            </a:solidFill>
-          </a:ln>
-        </p:spPr>
-      </p:pic>
-    </p:spTree>
-    <p:extLst>
-      <p:ext uri="{BB962C8B-B14F-4D97-AF65-F5344CB8AC3E}">
-        <p14:creationId xmlns:p14="http://schemas.microsoft.com/office/powerpoint/2010/main" val="2746466283"/>
-      </p:ext>
-    </p:extLst>
-  </p:cSld>
-  <p:clrMapOvr>
-    <a:masterClrMapping/>
-  </p:clrMapOvr>
-</p:sld>
-</file>
-
-<file path=ppt/slides/slide12.xml><?xml version="1.0" encoding="utf-8"?>
-<p:sld xmlns:a="http://schemas.openxmlformats.org/drawingml/2006/main" xmlns:r="http://schemas.openxmlformats.org/officeDocument/2006/relationships" xmlns:p="http://schemas.openxmlformats.org/presentationml/2006/main">
-  <p:cSld>
-    <p:spTree>
-      <p:nvGrpSpPr>
-        <p:cNvPr id="1" name=""/>
-        <p:cNvGrpSpPr/>
-        <p:nvPr/>
-      </p:nvGrpSpPr>
-      <p:grpSpPr>
-        <a:xfrm>
-          <a:off x="0" y="0"/>
-          <a:ext cx="0" cy="0"/>
-          <a:chOff x="0" y="0"/>
-          <a:chExt cx="0" cy="0"/>
-        </a:xfrm>
-      </p:grpSpPr>
-      <p:sp>
-        <p:nvSpPr>
-          <p:cNvPr id="2" name="Title 1"/>
-          <p:cNvSpPr>
-            <a:spLocks noGrp="1"/>
-          </p:cNvSpPr>
-          <p:nvPr>
-            <p:ph type="title"/>
-          </p:nvPr>
-        </p:nvSpPr>
-        <p:spPr/>
-        <p:txBody>
-          <a:bodyPr/>
-          <a:lstStyle/>
-          <a:p>
-            <a:r>
-              <a:rPr lang="en-US" dirty="0"/>
-              <a:t>Figuring out test functions</a:t>
-            </a:r>
-          </a:p>
-        </p:txBody>
-      </p:sp>
-      <p:sp>
-        <p:nvSpPr>
-          <p:cNvPr id="3" name="Content Placeholder 2"/>
-          <p:cNvSpPr>
-            <a:spLocks noGrp="1"/>
-          </p:cNvSpPr>
-          <p:nvPr>
-            <p:ph idx="1"/>
-          </p:nvPr>
-        </p:nvSpPr>
-        <p:spPr/>
-        <p:txBody>
-          <a:bodyPr/>
-          <a:lstStyle/>
-          <a:p>
-            <a:r>
-              <a:rPr lang="en-US" dirty="0"/>
-              <a:t>Can you figure out what the </a:t>
-            </a:r>
-            <a:r>
-              <a:rPr lang="en-US" dirty="0" err="1"/>
-              <a:t>coeficients</a:t>
-            </a:r>
-            <a:r>
-              <a:rPr lang="en-US" dirty="0"/>
-              <a:t> on each of the following functions are?</a:t>
-            </a:r>
-          </a:p>
-          <a:p>
-            <a:r>
-              <a:rPr lang="en-US" dirty="0"/>
-              <a:t>Have like 10 or 15 functions without noise on them</a:t>
-            </a:r>
-          </a:p>
-        </p:txBody>
-      </p:sp>
-    </p:spTree>
-    <p:extLst>
-      <p:ext uri="{BB962C8B-B14F-4D97-AF65-F5344CB8AC3E}">
-        <p14:creationId xmlns:p14="http://schemas.microsoft.com/office/powerpoint/2010/main" val="3059122395"/>
+        <p14:creationId xmlns:p14="http://schemas.microsoft.com/office/powerpoint/2010/main" val="4230217171"/>
       </p:ext>
     </p:extLst>
   </p:cSld>
@@ -4050,49 +4621,34 @@
             <p:ph type="title"/>
           </p:nvPr>
         </p:nvSpPr>
-        <p:spPr/>
+        <p:spPr>
+          <a:xfrm>
+            <a:off x="204280" y="39078"/>
+            <a:ext cx="10515600" cy="1325563"/>
+          </a:xfrm>
+        </p:spPr>
         <p:txBody>
           <a:bodyPr/>
           <a:lstStyle/>
           <a:p>
             <a:r>
               <a:rPr lang="en-US" dirty="0"/>
-              <a:t>Analyzing the Fit</a:t>
-            </a:r>
-          </a:p>
-        </p:txBody>
-      </p:sp>
-      <p:sp>
-        <p:nvSpPr>
-          <p:cNvPr id="3" name="Content Placeholder 2"/>
-          <p:cNvSpPr>
-            <a:spLocks noGrp="1"/>
-          </p:cNvSpPr>
-          <p:nvPr>
-            <p:ph idx="1"/>
-          </p:nvPr>
-        </p:nvSpPr>
-        <p:spPr/>
-        <p:txBody>
-          <a:bodyPr/>
-          <a:lstStyle/>
-          <a:p>
-            <a:r>
+              <a:t>This is what mine looks like</a:t>
+            </a:r>
+            <a:br>
               <a:rPr lang="en-US" dirty="0"/>
-              <a:t>The Fitting App gives a quality of fit</a:t>
-            </a:r>
-          </a:p>
-          <a:p>
-            <a:pPr marL="0" indent="0">
-              <a:buNone/>
-            </a:pPr>
+            </a:br>
+            <a:r>
+              <a:rPr lang="en-US" sz="2800" dirty="0"/>
+              <a:t>Fitting the Polynomial Test Data using the GUI</a:t>
+            </a:r>
             <a:endParaRPr lang="en-US" dirty="0"/>
           </a:p>
         </p:txBody>
       </p:sp>
       <p:pic>
         <p:nvPicPr>
-          <p:cNvPr id="4" name="Picture 3"/>
+          <p:cNvPr id="3" name="Picture 2"/>
           <p:cNvPicPr>
             <a:picLocks noChangeAspect="1"/>
           </p:cNvPicPr>
@@ -4106,8 +4662,8 @@
         </p:blipFill>
         <p:spPr>
           <a:xfrm>
-            <a:off x="6795135" y="2218214"/>
-            <a:ext cx="4654202" cy="3237706"/>
+            <a:off x="6323635" y="1933971"/>
+            <a:ext cx="5719666" cy="3610796"/>
           </a:xfrm>
           <a:prstGeom prst="rect">
             <a:avLst/>
@@ -4119,38 +4675,39 @@
           </a:ln>
         </p:spPr>
       </p:pic>
-      <p:sp>
-        <p:nvSpPr>
-          <p:cNvPr id="5" name="Rectangle 4"/>
-          <p:cNvSpPr/>
+      <p:pic>
+        <p:nvPicPr>
+          <p:cNvPr id="4" name="Picture 3"/>
+          <p:cNvPicPr>
+            <a:picLocks noChangeAspect="1"/>
+          </p:cNvPicPr>
           <p:nvPr/>
-        </p:nvSpPr>
-        <p:spPr>
-          <a:xfrm>
-            <a:off x="546735" y="3923031"/>
-            <a:ext cx="6248400" cy="646331"/>
+        </p:nvPicPr>
+        <p:blipFill>
+          <a:blip r:embed="rId3"/>
+          <a:stretch>
+            <a:fillRect/>
+          </a:stretch>
+        </p:blipFill>
+        <p:spPr>
+          <a:xfrm>
+            <a:off x="280323" y="1933971"/>
+            <a:ext cx="5712373" cy="3610796"/>
           </a:xfrm>
           <a:prstGeom prst="rect">
             <a:avLst/>
           </a:prstGeom>
-        </p:spPr>
-        <p:txBody>
-          <a:bodyPr wrap="square">
-            <a:spAutoFit/>
-          </a:bodyPr>
-          <a:lstStyle/>
-          <a:p>
-            <a:r>
-              <a:rPr lang="en-US" b="1" i="1" dirty="0"/>
-              <a:t>Try adding more and more random noise to your data and see what happens to the different goodness of fit parameters.</a:t>
-            </a:r>
-          </a:p>
-        </p:txBody>
-      </p:sp>
+          <a:ln>
+            <a:solidFill>
+              <a:schemeClr val="tx1"/>
+            </a:solidFill>
+          </a:ln>
+        </p:spPr>
+      </p:pic>
     </p:spTree>
     <p:extLst>
       <p:ext uri="{BB962C8B-B14F-4D97-AF65-F5344CB8AC3E}">
-        <p14:creationId xmlns:p14="http://schemas.microsoft.com/office/powerpoint/2010/main" val="2121419604"/>
+        <p14:creationId xmlns:p14="http://schemas.microsoft.com/office/powerpoint/2010/main" val="3106089753"/>
       </p:ext>
     </p:extLst>
   </p:cSld>
@@ -4177,6 +4734,35 @@
           <a:chExt cx="0" cy="0"/>
         </a:xfrm>
       </p:grpSpPr>
+      <p:pic>
+        <p:nvPicPr>
+          <p:cNvPr id="15" name="Picture 14"/>
+          <p:cNvPicPr>
+            <a:picLocks noChangeAspect="1"/>
+          </p:cNvPicPr>
+          <p:nvPr/>
+        </p:nvPicPr>
+        <p:blipFill>
+          <a:blip r:embed="rId2"/>
+          <a:stretch>
+            <a:fillRect/>
+          </a:stretch>
+        </p:blipFill>
+        <p:spPr>
+          <a:xfrm>
+            <a:off x="7806000" y="532543"/>
+            <a:ext cx="3091253" cy="1951492"/>
+          </a:xfrm>
+          <a:prstGeom prst="rect">
+            <a:avLst/>
+          </a:prstGeom>
+          <a:ln>
+            <a:solidFill>
+              <a:schemeClr val="tx1"/>
+            </a:solidFill>
+          </a:ln>
+        </p:spPr>
+      </p:pic>
       <p:sp>
         <p:nvSpPr>
           <p:cNvPr id="2" name="Title 1"/>
@@ -4187,14 +4773,19 @@
             <p:ph type="title"/>
           </p:nvPr>
         </p:nvSpPr>
-        <p:spPr/>
+        <p:spPr>
+          <a:xfrm>
+            <a:off x="33182" y="-113736"/>
+            <a:ext cx="10515600" cy="1325563"/>
+          </a:xfrm>
+        </p:spPr>
         <p:txBody>
           <a:bodyPr/>
           <a:lstStyle/>
           <a:p>
             <a:r>
               <a:rPr lang="en-US" dirty="0"/>
-              <a:t>Importing Data</a:t>
+              <a:t>Analyzing the Fit</a:t>
             </a:r>
           </a:p>
         </p:txBody>
@@ -4211,12 +4802,14 @@
         </p:nvSpPr>
         <p:spPr>
           <a:xfrm>
-            <a:off x="838200" y="1848485"/>
-            <a:ext cx="10515600" cy="3104515"/>
-          </a:xfrm>
-        </p:spPr>
-        <p:txBody>
-          <a:bodyPr/>
+            <a:off x="400456" y="1403278"/>
+            <a:ext cx="11253280" cy="4597192"/>
+          </a:xfrm>
+        </p:spPr>
+        <p:txBody>
+          <a:bodyPr>
+            <a:normAutofit lnSpcReduction="10000"/>
+          </a:bodyPr>
           <a:lstStyle/>
           <a:p>
             <a:pPr marL="0" indent="0">
@@ -4224,41 +4817,16 @@
             </a:pPr>
             <a:r>
               <a:rPr lang="en-US" dirty="0"/>
-              <a:t>Using Code – </a:t>
-            </a:r>
-            <a:r>
-              <a:rPr lang="en-US" dirty="0" err="1"/>
-              <a:t>Matlab</a:t>
-            </a:r>
+              <a:t>In the GUI, MATLAB provides parameters to </a:t>
+            </a:r>
+          </a:p>
+          <a:p>
+            <a:pPr marL="0" indent="0">
+              <a:buNone/>
+            </a:pPr>
             <a:r>
               <a:rPr lang="en-US" dirty="0"/>
-              <a:t> has support for importing a large variety of different file formats (</a:t>
-            </a:r>
-            <a:r>
-              <a:rPr lang="en-US" dirty="0">
-                <a:hlinkClick r:id="rId2"/>
-              </a:rPr>
-              <a:t>see her</a:t>
-            </a:r>
-            <a:r>
-              <a:rPr lang="en-US" dirty="0"/>
-              <a:t>e).  For today we will stick to using csv files (</a:t>
-            </a:r>
-            <a:r>
-              <a:rPr lang="en-US" dirty="0" err="1"/>
-              <a:t>csvread</a:t>
-            </a:r>
-            <a:r>
-              <a:rPr lang="en-US" dirty="0"/>
-              <a:t> and </a:t>
-            </a:r>
-            <a:r>
-              <a:rPr lang="en-US" dirty="0" err="1"/>
-              <a:t>csvwrite</a:t>
-            </a:r>
-            <a:r>
-              <a:rPr lang="en-US" dirty="0"/>
-              <a:t> commands).</a:t>
+              <a:t>give information about the quality of the fits</a:t>
             </a:r>
           </a:p>
           <a:p>
@@ -4272,8 +4840,941 @@
               <a:buNone/>
             </a:pPr>
             <a:r>
+              <a:rPr lang="en-US" u="sng" dirty="0"/>
+              <a:t>Goodness of Fit Statistics</a:t>
+            </a:r>
+          </a:p>
+          <a:p>
+            <a:r>
+              <a:rPr lang="en-US" sz="2200" b="1" dirty="0"/>
+              <a:t>SSE</a:t>
+            </a:r>
+            <a:r>
+              <a:rPr lang="en-US" sz="2200" dirty="0"/>
+              <a:t> = Sum of Squares Due to Error.  A small number is better.</a:t>
+            </a:r>
+          </a:p>
+          <a:p>
+            <a:r>
+              <a:rPr lang="en-US" sz="2200" b="1" dirty="0"/>
+              <a:t>R-square </a:t>
+            </a:r>
+            <a:r>
+              <a:rPr lang="en-US" sz="2200" dirty="0"/>
+              <a:t>= This statistic measures how successful the fit is in explaining the variation of the data.  A value close to 1 signifies a better fit</a:t>
+            </a:r>
+          </a:p>
+          <a:p>
+            <a:r>
+              <a:rPr lang="en-US" sz="2200" b="1" dirty="0"/>
+              <a:t>Adjusted R-square </a:t>
+            </a:r>
+            <a:r>
+              <a:rPr lang="en-US" sz="2200" dirty="0"/>
+              <a:t>= Same as above, but adjusted based on the number of fitting parameters (degrees of freedom) in the fit. A value close to 1 signifies a better fit</a:t>
+            </a:r>
+          </a:p>
+          <a:p>
+            <a:r>
+              <a:rPr lang="en-US" sz="2200" b="1" dirty="0"/>
+              <a:t>RMSE</a:t>
+            </a:r>
+            <a:r>
+              <a:rPr lang="en-US" sz="2200" dirty="0"/>
+              <a:t> = Root Mean Squared Error.  Just like the name suggests, a value close to 0 is better, but this value can be very large if there his high variance in your data.</a:t>
+            </a:r>
+          </a:p>
+        </p:txBody>
+      </p:sp>
+      <p:sp>
+        <p:nvSpPr>
+          <p:cNvPr id="5" name="Rectangle 4"/>
+          <p:cNvSpPr/>
+          <p:nvPr/>
+        </p:nvSpPr>
+        <p:spPr>
+          <a:xfrm>
+            <a:off x="5290982" y="5758008"/>
+            <a:ext cx="6960893" cy="923330"/>
+          </a:xfrm>
+          <a:prstGeom prst="rect">
+            <a:avLst/>
+          </a:prstGeom>
+        </p:spPr>
+        <p:txBody>
+          <a:bodyPr wrap="square">
+            <a:spAutoFit/>
+          </a:bodyPr>
+          <a:lstStyle/>
+          <a:p>
+            <a:r>
+              <a:rPr lang="en-US" b="1" i="1" dirty="0"/>
+              <a:t>Try fitting your low density data to the curves and see what the R squared and RMSE parameters are like.  Then try adding more random noise to your data to see what effect that has on the same parameters.</a:t>
+            </a:r>
+          </a:p>
+        </p:txBody>
+      </p:sp>
+      <p:pic>
+        <p:nvPicPr>
+          <p:cNvPr id="10" name="Picture 9"/>
+          <p:cNvPicPr>
+            <a:picLocks noChangeAspect="1"/>
+          </p:cNvPicPr>
+          <p:nvPr/>
+        </p:nvPicPr>
+        <p:blipFill>
+          <a:blip r:embed="rId3"/>
+          <a:stretch>
+            <a:fillRect/>
+          </a:stretch>
+        </p:blipFill>
+        <p:spPr>
+          <a:xfrm>
+            <a:off x="7932611" y="2818231"/>
+            <a:ext cx="2393916" cy="789809"/>
+          </a:xfrm>
+          <a:prstGeom prst="rect">
+            <a:avLst/>
+          </a:prstGeom>
+        </p:spPr>
+      </p:pic>
+      <p:sp>
+        <p:nvSpPr>
+          <p:cNvPr id="13" name="Rectangle 12"/>
+          <p:cNvSpPr/>
+          <p:nvPr/>
+        </p:nvSpPr>
+        <p:spPr>
+          <a:xfrm>
+            <a:off x="7608057" y="1042937"/>
+            <a:ext cx="1362438" cy="1106901"/>
+          </a:xfrm>
+          <a:prstGeom prst="rect">
+            <a:avLst/>
+          </a:prstGeom>
+          <a:noFill/>
+          <a:ln w="38100">
+            <a:solidFill>
+              <a:schemeClr val="tx1"/>
+            </a:solidFill>
+          </a:ln>
+        </p:spPr>
+        <p:style>
+          <a:lnRef idx="2">
+            <a:schemeClr val="accent1">
+              <a:shade val="50000"/>
+            </a:schemeClr>
+          </a:lnRef>
+          <a:fillRef idx="1">
+            <a:schemeClr val="accent1"/>
+          </a:fillRef>
+          <a:effectRef idx="0">
+            <a:schemeClr val="accent1"/>
+          </a:effectRef>
+          <a:fontRef idx="minor">
+            <a:schemeClr val="lt1"/>
+          </a:fontRef>
+        </p:style>
+        <p:txBody>
+          <a:bodyPr rtlCol="0" anchor="ctr"/>
+          <a:lstStyle/>
+          <a:p>
+            <a:pPr algn="ctr"/>
+            <a:endParaRPr lang="en-US"/>
+          </a:p>
+        </p:txBody>
+      </p:sp>
+      <p:cxnSp>
+        <p:nvCxnSpPr>
+          <p:cNvPr id="14" name="Straight Arrow Connector 13"/>
+          <p:cNvCxnSpPr/>
+          <p:nvPr/>
+        </p:nvCxnSpPr>
+        <p:spPr>
+          <a:xfrm flipV="1">
+            <a:off x="6965004" y="1726750"/>
+            <a:ext cx="557322" cy="121505"/>
+          </a:xfrm>
+          <a:prstGeom prst="straightConnector1">
+            <a:avLst/>
+          </a:prstGeom>
+          <a:ln w="38100">
+            <a:solidFill>
+              <a:schemeClr val="tx1"/>
+            </a:solidFill>
+            <a:tailEnd type="triangle"/>
+          </a:ln>
+        </p:spPr>
+        <p:style>
+          <a:lnRef idx="1">
+            <a:schemeClr val="accent1"/>
+          </a:lnRef>
+          <a:fillRef idx="0">
+            <a:schemeClr val="accent1"/>
+          </a:fillRef>
+          <a:effectRef idx="0">
+            <a:schemeClr val="accent1"/>
+          </a:effectRef>
+          <a:fontRef idx="minor">
+            <a:schemeClr val="tx1"/>
+          </a:fontRef>
+        </p:style>
+      </p:cxnSp>
+    </p:spTree>
+    <p:extLst>
+      <p:ext uri="{BB962C8B-B14F-4D97-AF65-F5344CB8AC3E}">
+        <p14:creationId xmlns:p14="http://schemas.microsoft.com/office/powerpoint/2010/main" val="2121419604"/>
+      </p:ext>
+    </p:extLst>
+  </p:cSld>
+  <p:clrMapOvr>
+    <a:masterClrMapping/>
+  </p:clrMapOvr>
+</p:sld>
+</file>
+
+<file path=ppt/slides/slide15.xml><?xml version="1.0" encoding="utf-8"?>
+<p:sld xmlns:a="http://schemas.openxmlformats.org/drawingml/2006/main" xmlns:r="http://schemas.openxmlformats.org/officeDocument/2006/relationships" xmlns:p="http://schemas.openxmlformats.org/presentationml/2006/main">
+  <p:cSld>
+    <p:spTree>
+      <p:nvGrpSpPr>
+        <p:cNvPr id="1" name=""/>
+        <p:cNvGrpSpPr/>
+        <p:nvPr/>
+      </p:nvGrpSpPr>
+      <p:grpSpPr>
+        <a:xfrm>
+          <a:off x="0" y="0"/>
+          <a:ext cx="0" cy="0"/>
+          <a:chOff x="0" y="0"/>
+          <a:chExt cx="0" cy="0"/>
+        </a:xfrm>
+      </p:grpSpPr>
+      <p:grpSp>
+        <p:nvGrpSpPr>
+          <p:cNvPr id="19" name="Group 18"/>
+          <p:cNvGrpSpPr/>
+          <p:nvPr/>
+        </p:nvGrpSpPr>
+        <p:grpSpPr>
+          <a:xfrm>
+            <a:off x="8503001" y="474177"/>
+            <a:ext cx="3289196" cy="1951492"/>
+            <a:chOff x="7608057" y="532543"/>
+            <a:chExt cx="3289196" cy="1951492"/>
+          </a:xfrm>
+        </p:grpSpPr>
+        <p:pic>
+          <p:nvPicPr>
+            <p:cNvPr id="17" name="Picture 16"/>
+            <p:cNvPicPr>
+              <a:picLocks noChangeAspect="1"/>
+            </p:cNvPicPr>
+            <p:nvPr/>
+          </p:nvPicPr>
+          <p:blipFill>
+            <a:blip r:embed="rId2"/>
+            <a:stretch>
+              <a:fillRect/>
+            </a:stretch>
+          </p:blipFill>
+          <p:spPr>
+            <a:xfrm>
+              <a:off x="7806000" y="532543"/>
+              <a:ext cx="3091253" cy="1951492"/>
+            </a:xfrm>
+            <a:prstGeom prst="rect">
+              <a:avLst/>
+            </a:prstGeom>
+            <a:ln>
+              <a:solidFill>
+                <a:schemeClr val="tx1"/>
+              </a:solidFill>
+            </a:ln>
+          </p:spPr>
+        </p:pic>
+        <p:sp>
+          <p:nvSpPr>
+            <p:cNvPr id="18" name="Rectangle 17"/>
+            <p:cNvSpPr/>
+            <p:nvPr/>
+          </p:nvSpPr>
+          <p:spPr>
+            <a:xfrm>
+              <a:off x="7608057" y="1042937"/>
+              <a:ext cx="1362438" cy="1106901"/>
+            </a:xfrm>
+            <a:prstGeom prst="rect">
+              <a:avLst/>
+            </a:prstGeom>
+            <a:noFill/>
+            <a:ln w="38100">
+              <a:solidFill>
+                <a:schemeClr val="tx1"/>
+              </a:solidFill>
+            </a:ln>
+          </p:spPr>
+          <p:style>
+            <a:lnRef idx="2">
+              <a:schemeClr val="accent1">
+                <a:shade val="50000"/>
+              </a:schemeClr>
+            </a:lnRef>
+            <a:fillRef idx="1">
+              <a:schemeClr val="accent1"/>
+            </a:fillRef>
+            <a:effectRef idx="0">
+              <a:schemeClr val="accent1"/>
+            </a:effectRef>
+            <a:fontRef idx="minor">
+              <a:schemeClr val="lt1"/>
+            </a:fontRef>
+          </p:style>
+          <p:txBody>
+            <a:bodyPr rtlCol="0" anchor="ctr"/>
+            <a:lstStyle/>
+            <a:p>
+              <a:pPr algn="ctr"/>
+              <a:endParaRPr lang="en-US"/>
+            </a:p>
+          </p:txBody>
+        </p:sp>
+      </p:grpSp>
+      <p:sp>
+        <p:nvSpPr>
+          <p:cNvPr id="3" name="Content Placeholder 2"/>
+          <p:cNvSpPr>
+            <a:spLocks noGrp="1"/>
+          </p:cNvSpPr>
+          <p:nvPr>
+            <p:ph idx="1"/>
+          </p:nvPr>
+        </p:nvSpPr>
+        <p:spPr>
+          <a:xfrm>
+            <a:off x="429638" y="1818236"/>
+            <a:ext cx="10515600" cy="830026"/>
+          </a:xfrm>
+        </p:spPr>
+        <p:txBody>
+          <a:bodyPr>
+            <a:normAutofit/>
+          </a:bodyPr>
+          <a:lstStyle/>
+          <a:p>
+            <a:pPr marL="0" indent="0">
+              <a:buNone/>
+            </a:pPr>
+            <a:r>
               <a:rPr lang="en-US" dirty="0"/>
-              <a:t>Like we did yesterday, if you have the data file downloaded you can drag and drop it into the workspace to import the data.  </a:t>
+              <a:t>Here are the goodness of fit parameters from my fits</a:t>
+            </a:r>
+          </a:p>
+        </p:txBody>
+      </p:sp>
+      <p:grpSp>
+        <p:nvGrpSpPr>
+          <p:cNvPr id="16" name="Group 15"/>
+          <p:cNvGrpSpPr/>
+          <p:nvPr/>
+        </p:nvGrpSpPr>
+        <p:grpSpPr>
+          <a:xfrm>
+            <a:off x="1839102" y="2761629"/>
+            <a:ext cx="3681344" cy="3302446"/>
+            <a:chOff x="1839102" y="2761629"/>
+            <a:chExt cx="3681344" cy="3302446"/>
+          </a:xfrm>
+        </p:grpSpPr>
+        <p:pic>
+          <p:nvPicPr>
+            <p:cNvPr id="15" name="Picture 14"/>
+            <p:cNvPicPr>
+              <a:picLocks noChangeAspect="1"/>
+            </p:cNvPicPr>
+            <p:nvPr/>
+          </p:nvPicPr>
+          <p:blipFill rotWithShape="1">
+            <a:blip r:embed="rId3"/>
+            <a:srcRect t="31255" r="71360" b="32644"/>
+            <a:stretch/>
+          </p:blipFill>
+          <p:spPr>
+            <a:xfrm>
+              <a:off x="1839102" y="3130961"/>
+              <a:ext cx="3681344" cy="2933114"/>
+            </a:xfrm>
+            <a:prstGeom prst="rect">
+              <a:avLst/>
+            </a:prstGeom>
+            <a:ln>
+              <a:solidFill>
+                <a:schemeClr val="tx1"/>
+              </a:solidFill>
+            </a:ln>
+          </p:spPr>
+        </p:pic>
+        <p:sp>
+          <p:nvSpPr>
+            <p:cNvPr id="8" name="TextBox 7"/>
+            <p:cNvSpPr txBox="1"/>
+            <p:nvPr/>
+          </p:nvSpPr>
+          <p:spPr>
+            <a:xfrm>
+              <a:off x="1839102" y="2761629"/>
+              <a:ext cx="2586485" cy="369332"/>
+            </a:xfrm>
+            <a:prstGeom prst="rect">
+              <a:avLst/>
+            </a:prstGeom>
+            <a:noFill/>
+          </p:spPr>
+          <p:txBody>
+            <a:bodyPr wrap="square" rtlCol="0">
+              <a:spAutoFit/>
+            </a:bodyPr>
+            <a:lstStyle/>
+            <a:p>
+              <a:r>
+                <a:rPr lang="en-US" dirty="0"/>
+                <a:t>No Noise in Data</a:t>
+              </a:r>
+            </a:p>
+          </p:txBody>
+        </p:sp>
+      </p:grpSp>
+      <p:grpSp>
+        <p:nvGrpSpPr>
+          <p:cNvPr id="10" name="Group 9"/>
+          <p:cNvGrpSpPr/>
+          <p:nvPr/>
+        </p:nvGrpSpPr>
+        <p:grpSpPr>
+          <a:xfrm>
+            <a:off x="6737800" y="2761629"/>
+            <a:ext cx="3688397" cy="3241700"/>
+            <a:chOff x="6737800" y="2761629"/>
+            <a:chExt cx="3688397" cy="3241700"/>
+          </a:xfrm>
+        </p:grpSpPr>
+        <p:pic>
+          <p:nvPicPr>
+            <p:cNvPr id="14" name="Picture 13"/>
+            <p:cNvPicPr>
+              <a:picLocks noChangeAspect="1"/>
+            </p:cNvPicPr>
+            <p:nvPr/>
+          </p:nvPicPr>
+          <p:blipFill rotWithShape="1">
+            <a:blip r:embed="rId2"/>
+            <a:srcRect t="31182" r="71609" b="33796"/>
+            <a:stretch/>
+          </p:blipFill>
+          <p:spPr>
+            <a:xfrm>
+              <a:off x="6737800" y="3130961"/>
+              <a:ext cx="3688397" cy="2872368"/>
+            </a:xfrm>
+            <a:prstGeom prst="rect">
+              <a:avLst/>
+            </a:prstGeom>
+            <a:ln>
+              <a:solidFill>
+                <a:schemeClr val="tx1"/>
+              </a:solidFill>
+            </a:ln>
+          </p:spPr>
+        </p:pic>
+        <p:sp>
+          <p:nvSpPr>
+            <p:cNvPr id="9" name="TextBox 8"/>
+            <p:cNvSpPr txBox="1"/>
+            <p:nvPr/>
+          </p:nvSpPr>
+          <p:spPr>
+            <a:xfrm>
+              <a:off x="6737800" y="2761629"/>
+              <a:ext cx="2676720" cy="369332"/>
+            </a:xfrm>
+            <a:prstGeom prst="rect">
+              <a:avLst/>
+            </a:prstGeom>
+            <a:noFill/>
+          </p:spPr>
+          <p:txBody>
+            <a:bodyPr wrap="square" rtlCol="0">
+              <a:spAutoFit/>
+            </a:bodyPr>
+            <a:lstStyle/>
+            <a:p>
+              <a:r>
+                <a:rPr lang="en-US" dirty="0"/>
+                <a:t>With Noise in the Data</a:t>
+              </a:r>
+            </a:p>
+          </p:txBody>
+        </p:sp>
+      </p:grpSp>
+      <p:sp>
+        <p:nvSpPr>
+          <p:cNvPr id="11" name="Title 1"/>
+          <p:cNvSpPr txBox="1">
+            <a:spLocks/>
+          </p:cNvSpPr>
+          <p:nvPr/>
+        </p:nvSpPr>
+        <p:spPr>
+          <a:xfrm>
+            <a:off x="262646" y="350195"/>
+            <a:ext cx="10515600" cy="1325563"/>
+          </a:xfrm>
+          <a:prstGeom prst="rect">
+            <a:avLst/>
+          </a:prstGeom>
+        </p:spPr>
+        <p:txBody>
+          <a:bodyPr vert="horz" lIns="91440" tIns="45720" rIns="91440" bIns="45720" rtlCol="0" anchor="ctr">
+            <a:normAutofit/>
+          </a:bodyPr>
+          <a:lstStyle>
+            <a:lvl1pPr algn="l" defTabSz="914400" rtl="0" eaLnBrk="1" latinLnBrk="0" hangingPunct="1">
+              <a:lnSpc>
+                <a:spcPct val="90000"/>
+              </a:lnSpc>
+              <a:spcBef>
+                <a:spcPct val="0"/>
+              </a:spcBef>
+              <a:buNone/>
+              <a:defRPr sz="4400" kern="1200">
+                <a:solidFill>
+                  <a:schemeClr val="tx1"/>
+                </a:solidFill>
+                <a:latin typeface="+mj-lt"/>
+                <a:ea typeface="+mj-ea"/>
+                <a:cs typeface="+mj-cs"/>
+              </a:defRPr>
+            </a:lvl1pPr>
+          </a:lstStyle>
+          <a:p>
+            <a:r>
+              <a:rPr lang="en-US" dirty="0"/>
+              <a:t>This is what mine looks like</a:t>
+            </a:r>
+            <a:br>
+              <a:rPr lang="en-US" dirty="0"/>
+            </a:br>
+            <a:r>
+              <a:rPr lang="en-US" sz="2800" dirty="0"/>
+              <a:t>Goodness of Fit Parameters on Parabola Test Data</a:t>
+            </a:r>
+            <a:endParaRPr lang="en-US" dirty="0"/>
+          </a:p>
+        </p:txBody>
+      </p:sp>
+    </p:spTree>
+    <p:extLst>
+      <p:ext uri="{BB962C8B-B14F-4D97-AF65-F5344CB8AC3E}">
+        <p14:creationId xmlns:p14="http://schemas.microsoft.com/office/powerpoint/2010/main" val="99411951"/>
+      </p:ext>
+    </p:extLst>
+  </p:cSld>
+  <p:clrMapOvr>
+    <a:masterClrMapping/>
+  </p:clrMapOvr>
+</p:sld>
+</file>
+
+<file path=ppt/slides/slide16.xml><?xml version="1.0" encoding="utf-8"?>
+<p:sld xmlns:a="http://schemas.openxmlformats.org/drawingml/2006/main" xmlns:r="http://schemas.openxmlformats.org/officeDocument/2006/relationships" xmlns:p="http://schemas.openxmlformats.org/presentationml/2006/main">
+  <p:cSld>
+    <p:spTree>
+      <p:nvGrpSpPr>
+        <p:cNvPr id="1" name=""/>
+        <p:cNvGrpSpPr/>
+        <p:nvPr/>
+      </p:nvGrpSpPr>
+      <p:grpSpPr>
+        <a:xfrm>
+          <a:off x="0" y="0"/>
+          <a:ext cx="0" cy="0"/>
+          <a:chOff x="0" y="0"/>
+          <a:chExt cx="0" cy="0"/>
+        </a:xfrm>
+      </p:grpSpPr>
+      <p:sp>
+        <p:nvSpPr>
+          <p:cNvPr id="2" name="Title 1"/>
+          <p:cNvSpPr>
+            <a:spLocks noGrp="1"/>
+          </p:cNvSpPr>
+          <p:nvPr>
+            <p:ph type="title"/>
+          </p:nvPr>
+        </p:nvSpPr>
+        <p:spPr>
+          <a:xfrm>
+            <a:off x="0" y="-144798"/>
+            <a:ext cx="10515600" cy="1325563"/>
+          </a:xfrm>
+        </p:spPr>
+        <p:txBody>
+          <a:bodyPr/>
+          <a:lstStyle/>
+          <a:p>
+            <a:r>
+              <a:rPr lang="en-US" dirty="0"/>
+              <a:t>Saving a Fit in MATLAB</a:t>
+            </a:r>
+          </a:p>
+        </p:txBody>
+      </p:sp>
+      <p:sp>
+        <p:nvSpPr>
+          <p:cNvPr id="3" name="Content Placeholder 2"/>
+          <p:cNvSpPr>
+            <a:spLocks noGrp="1"/>
+          </p:cNvSpPr>
+          <p:nvPr>
+            <p:ph idx="1"/>
+          </p:nvPr>
+        </p:nvSpPr>
+        <p:spPr>
+          <a:xfrm>
+            <a:off x="186841" y="1481580"/>
+            <a:ext cx="7523029" cy="4634690"/>
+          </a:xfrm>
+        </p:spPr>
+        <p:txBody>
+          <a:bodyPr>
+            <a:normAutofit lnSpcReduction="10000"/>
+          </a:bodyPr>
+          <a:lstStyle/>
+          <a:p>
+            <a:pPr marL="0" indent="0">
+              <a:buNone/>
+            </a:pPr>
+            <a:r>
+              <a:rPr lang="en-US" dirty="0"/>
+              <a:t>When a fit is created there are three items created</a:t>
+            </a:r>
+          </a:p>
+          <a:p>
+            <a:r>
+              <a:rPr lang="en-US" sz="2000" dirty="0"/>
+              <a:t>The Fit data itself with the functional form and coefficients</a:t>
+            </a:r>
+          </a:p>
+          <a:p>
+            <a:r>
+              <a:rPr lang="en-US" sz="2000" dirty="0"/>
+              <a:t>The Goodness of Fit analysis</a:t>
+            </a:r>
+          </a:p>
+          <a:p>
+            <a:r>
+              <a:rPr lang="en-US" sz="2000" dirty="0"/>
+              <a:t>The Output quantifying the fit</a:t>
+            </a:r>
+          </a:p>
+          <a:p>
+            <a:pPr marL="0" indent="0">
+              <a:buNone/>
+            </a:pPr>
+            <a:endParaRPr lang="en-US" sz="2000" dirty="0"/>
+          </a:p>
+          <a:p>
+            <a:pPr marL="0" indent="0">
+              <a:buNone/>
+            </a:pPr>
+            <a:endParaRPr lang="en-US" sz="2000" dirty="0"/>
+          </a:p>
+          <a:p>
+            <a:pPr marL="0" indent="0">
+              <a:buNone/>
+            </a:pPr>
+            <a:r>
+              <a:rPr lang="en-US" sz="2000" b="1" u="sng" dirty="0"/>
+              <a:t>Using Code: </a:t>
+            </a:r>
+            <a:r>
+              <a:rPr lang="en-US" sz="2000" dirty="0"/>
+              <a:t>If you only include the first part of the output in your code, then the rest of the fit will not be added to your workspace</a:t>
+            </a:r>
+          </a:p>
+          <a:p>
+            <a:pPr marL="0" indent="0">
+              <a:buNone/>
+            </a:pPr>
+            <a:endParaRPr lang="en-US" sz="2000" dirty="0"/>
+          </a:p>
+          <a:p>
+            <a:pPr marL="0" indent="0">
+              <a:buNone/>
+            </a:pPr>
+            <a:r>
+              <a:rPr lang="en-US" sz="2000" b="1" u="sng" dirty="0"/>
+              <a:t>In the GUI: </a:t>
+            </a:r>
+            <a:r>
+              <a:rPr lang="en-US" sz="2000" dirty="0"/>
+              <a:t>To export a fit you like in the App to the workspace, go to &lt;fit -&gt; save to workspace&gt; and then a pop up window will show up giving you the option to name and save (or not) each of the items in the fit. The data you save will be in your workspace and accessible to manipulate with MATLAB functions and plotting.</a:t>
+            </a:r>
+          </a:p>
+        </p:txBody>
+      </p:sp>
+      <p:pic>
+        <p:nvPicPr>
+          <p:cNvPr id="4" name="Picture 3"/>
+          <p:cNvPicPr>
+            <a:picLocks noChangeAspect="1"/>
+          </p:cNvPicPr>
+          <p:nvPr/>
+        </p:nvPicPr>
+        <p:blipFill>
+          <a:blip r:embed="rId2"/>
+          <a:stretch>
+            <a:fillRect/>
+          </a:stretch>
+        </p:blipFill>
+        <p:spPr>
+          <a:xfrm>
+            <a:off x="6051821" y="994382"/>
+            <a:ext cx="4991100" cy="304800"/>
+          </a:xfrm>
+          <a:prstGeom prst="rect">
+            <a:avLst/>
+          </a:prstGeom>
+          <a:ln>
+            <a:solidFill>
+              <a:schemeClr val="tx1"/>
+            </a:solidFill>
+          </a:ln>
+        </p:spPr>
+      </p:pic>
+      <p:pic>
+        <p:nvPicPr>
+          <p:cNvPr id="5" name="Picture 4"/>
+          <p:cNvPicPr>
+            <a:picLocks noChangeAspect="1"/>
+          </p:cNvPicPr>
+          <p:nvPr/>
+        </p:nvPicPr>
+        <p:blipFill>
+          <a:blip r:embed="rId3"/>
+          <a:stretch>
+            <a:fillRect/>
+          </a:stretch>
+        </p:blipFill>
+        <p:spPr>
+          <a:xfrm>
+            <a:off x="8024627" y="1486223"/>
+            <a:ext cx="3798971" cy="1519588"/>
+          </a:xfrm>
+          <a:prstGeom prst="rect">
+            <a:avLst/>
+          </a:prstGeom>
+          <a:ln>
+            <a:solidFill>
+              <a:schemeClr val="tx1"/>
+            </a:solidFill>
+          </a:ln>
+        </p:spPr>
+      </p:pic>
+      <p:pic>
+        <p:nvPicPr>
+          <p:cNvPr id="6" name="Picture 5"/>
+          <p:cNvPicPr>
+            <a:picLocks noChangeAspect="1"/>
+          </p:cNvPicPr>
+          <p:nvPr/>
+        </p:nvPicPr>
+        <p:blipFill>
+          <a:blip r:embed="rId4"/>
+          <a:stretch>
+            <a:fillRect/>
+          </a:stretch>
+        </p:blipFill>
+        <p:spPr>
+          <a:xfrm>
+            <a:off x="5617340" y="2484837"/>
+            <a:ext cx="1976108" cy="1041948"/>
+          </a:xfrm>
+          <a:prstGeom prst="rect">
+            <a:avLst/>
+          </a:prstGeom>
+          <a:ln>
+            <a:solidFill>
+              <a:schemeClr val="tx1"/>
+            </a:solidFill>
+          </a:ln>
+        </p:spPr>
+      </p:pic>
+      <p:pic>
+        <p:nvPicPr>
+          <p:cNvPr id="7" name="Picture 6"/>
+          <p:cNvPicPr>
+            <a:picLocks noChangeAspect="1"/>
+          </p:cNvPicPr>
+          <p:nvPr/>
+        </p:nvPicPr>
+        <p:blipFill>
+          <a:blip r:embed="rId5"/>
+          <a:stretch>
+            <a:fillRect/>
+          </a:stretch>
+        </p:blipFill>
+        <p:spPr>
+          <a:xfrm>
+            <a:off x="8222962" y="3200353"/>
+            <a:ext cx="3600636" cy="1583682"/>
+          </a:xfrm>
+          <a:prstGeom prst="rect">
+            <a:avLst/>
+          </a:prstGeom>
+          <a:ln>
+            <a:solidFill>
+              <a:schemeClr val="tx1"/>
+            </a:solidFill>
+          </a:ln>
+        </p:spPr>
+      </p:pic>
+      <p:pic>
+        <p:nvPicPr>
+          <p:cNvPr id="8" name="Picture 7"/>
+          <p:cNvPicPr>
+            <a:picLocks noChangeAspect="1"/>
+          </p:cNvPicPr>
+          <p:nvPr/>
+        </p:nvPicPr>
+        <p:blipFill>
+          <a:blip r:embed="rId6"/>
+          <a:stretch>
+            <a:fillRect/>
+          </a:stretch>
+        </p:blipFill>
+        <p:spPr>
+          <a:xfrm>
+            <a:off x="8145390" y="5128403"/>
+            <a:ext cx="3152213" cy="1339884"/>
+          </a:xfrm>
+          <a:prstGeom prst="rect">
+            <a:avLst/>
+          </a:prstGeom>
+        </p:spPr>
+      </p:pic>
+      <p:sp>
+        <p:nvSpPr>
+          <p:cNvPr id="9" name="TextBox 8"/>
+          <p:cNvSpPr txBox="1"/>
+          <p:nvPr/>
+        </p:nvSpPr>
+        <p:spPr>
+          <a:xfrm>
+            <a:off x="5959955" y="625050"/>
+            <a:ext cx="1512594" cy="369332"/>
+          </a:xfrm>
+          <a:prstGeom prst="rect">
+            <a:avLst/>
+          </a:prstGeom>
+          <a:noFill/>
+        </p:spPr>
+        <p:txBody>
+          <a:bodyPr wrap="none" rtlCol="0">
+            <a:spAutoFit/>
+          </a:bodyPr>
+          <a:lstStyle/>
+          <a:p>
+            <a:r>
+              <a:rPr lang="en-US" dirty="0"/>
+              <a:t>Example Code</a:t>
+            </a:r>
+          </a:p>
+        </p:txBody>
+      </p:sp>
+    </p:spTree>
+    <p:extLst>
+      <p:ext uri="{BB962C8B-B14F-4D97-AF65-F5344CB8AC3E}">
+        <p14:creationId xmlns:p14="http://schemas.microsoft.com/office/powerpoint/2010/main" val="3964525523"/>
+      </p:ext>
+    </p:extLst>
+  </p:cSld>
+  <p:clrMapOvr>
+    <a:masterClrMapping/>
+  </p:clrMapOvr>
+</p:sld>
+</file>
+
+<file path=ppt/slides/slide17.xml><?xml version="1.0" encoding="utf-8"?>
+<p:sld xmlns:a="http://schemas.openxmlformats.org/drawingml/2006/main" xmlns:r="http://schemas.openxmlformats.org/officeDocument/2006/relationships" xmlns:p="http://schemas.openxmlformats.org/presentationml/2006/main">
+  <p:cSld>
+    <p:spTree>
+      <p:nvGrpSpPr>
+        <p:cNvPr id="1" name=""/>
+        <p:cNvGrpSpPr/>
+        <p:nvPr/>
+      </p:nvGrpSpPr>
+      <p:grpSpPr>
+        <a:xfrm>
+          <a:off x="0" y="0"/>
+          <a:ext cx="0" cy="0"/>
+          <a:chOff x="0" y="0"/>
+          <a:chExt cx="0" cy="0"/>
+        </a:xfrm>
+      </p:grpSpPr>
+      <p:sp>
+        <p:nvSpPr>
+          <p:cNvPr id="2" name="Title 1"/>
+          <p:cNvSpPr>
+            <a:spLocks noGrp="1"/>
+          </p:cNvSpPr>
+          <p:nvPr>
+            <p:ph type="title"/>
+          </p:nvPr>
+        </p:nvSpPr>
+        <p:spPr>
+          <a:xfrm>
+            <a:off x="196174" y="0"/>
+            <a:ext cx="10515600" cy="1325563"/>
+          </a:xfrm>
+        </p:spPr>
+        <p:txBody>
+          <a:bodyPr/>
+          <a:lstStyle/>
+          <a:p>
+            <a:r>
+              <a:rPr lang="en-US" dirty="0"/>
+              <a:t>Figuring out test functions</a:t>
+            </a:r>
+          </a:p>
+        </p:txBody>
+      </p:sp>
+      <p:sp>
+        <p:nvSpPr>
+          <p:cNvPr id="3" name="Content Placeholder 2"/>
+          <p:cNvSpPr>
+            <a:spLocks noGrp="1"/>
+          </p:cNvSpPr>
+          <p:nvPr>
+            <p:ph idx="1"/>
+          </p:nvPr>
+        </p:nvSpPr>
+        <p:spPr>
+          <a:xfrm>
+            <a:off x="750651" y="1145940"/>
+            <a:ext cx="10515600" cy="1569328"/>
+          </a:xfrm>
+        </p:spPr>
+        <p:txBody>
+          <a:bodyPr/>
+          <a:lstStyle/>
+          <a:p>
+            <a:pPr marL="0" indent="0">
+              <a:buNone/>
+            </a:pPr>
+            <a:r>
+              <a:rPr lang="en-US" dirty="0"/>
+              <a:t>Download  and import the test function data from the GitHub folder.  </a:t>
             </a:r>
           </a:p>
         </p:txBody>
@@ -4286,8 +5787,8 @@
         </p:nvSpPr>
         <p:spPr>
           <a:xfrm>
-            <a:off x="2855595" y="4953000"/>
-            <a:ext cx="6248400" cy="1200329"/>
+            <a:off x="826851" y="1694661"/>
+            <a:ext cx="10993877" cy="923330"/>
           </a:xfrm>
           <a:prstGeom prst="rect">
             <a:avLst/>
@@ -4301,31 +5802,1471 @@
           <a:p>
             <a:r>
               <a:rPr lang="en-US" b="1" i="1" dirty="0"/>
-              <a:t>Try downloading the sample functions in the </a:t>
+              <a:t>Try to figure out what functions the data were generated from.  Extract the coefficients using either code or the GUI.  Write you answers in the table below.  Once you have determined the functional forms of the test functions, check your answers against your neighbor or in the </a:t>
             </a:r>
             <a:r>
               <a:rPr lang="en-US" b="1" i="1" dirty="0" err="1"/>
-              <a:t>Github</a:t>
+              <a:t>SampleFuncGnerator.m</a:t>
             </a:r>
             <a:r>
               <a:rPr lang="en-US" b="1" i="1" dirty="0"/>
-              <a:t> folder and figure out what the functions are.  If there is extra time, download the Boston marathon Data, and try fitting the outcomes to different functions (histograms to Gaussians </a:t>
-            </a:r>
-            <a:r>
-              <a:rPr lang="en-US" b="1" i="1" dirty="0" err="1"/>
-              <a:t>etc</a:t>
-            </a:r>
-            <a:r>
-              <a:rPr lang="en-US" b="1" i="1" dirty="0"/>
-              <a:t>)</a:t>
-            </a:r>
-          </a:p>
-        </p:txBody>
-      </p:sp>
+              <a:t> file to see how you did.  </a:t>
+            </a:r>
+          </a:p>
+        </p:txBody>
+      </p:sp>
+      <p:graphicFrame>
+        <p:nvGraphicFramePr>
+          <p:cNvPr id="5" name="Table 4"/>
+          <p:cNvGraphicFramePr>
+            <a:graphicFrameLocks noGrp="1"/>
+          </p:cNvGraphicFramePr>
+          <p:nvPr>
+            <p:extLst>
+              <p:ext uri="{D42A27DB-BD31-4B8C-83A1-F6EECF244321}">
+                <p14:modId xmlns:p14="http://schemas.microsoft.com/office/powerpoint/2010/main" val="4260143943"/>
+              </p:ext>
+            </p:extLst>
+          </p:nvPr>
+        </p:nvGraphicFramePr>
+        <p:xfrm>
+          <a:off x="1449959" y="2987089"/>
+          <a:ext cx="9816292" cy="3235960"/>
+        </p:xfrm>
+        <a:graphic>
+          <a:graphicData uri="http://schemas.openxmlformats.org/drawingml/2006/table">
+            <a:tbl>
+              <a:tblPr firstRow="1" bandRow="1">
+                <a:tableStyleId>{5C22544A-7EE6-4342-B048-85BDC9FD1C3A}</a:tableStyleId>
+              </a:tblPr>
+              <a:tblGrid>
+                <a:gridCol w="1575343">
+                  <a:extLst>
+                    <a:ext uri="{9D8B030D-6E8A-4147-A177-3AD203B41FA5}">
+                      <a16:colId xmlns:a16="http://schemas.microsoft.com/office/drawing/2014/main" val="2008784173"/>
+                    </a:ext>
+                  </a:extLst>
+                </a:gridCol>
+                <a:gridCol w="3332803">
+                  <a:extLst>
+                    <a:ext uri="{9D8B030D-6E8A-4147-A177-3AD203B41FA5}">
+                      <a16:colId xmlns:a16="http://schemas.microsoft.com/office/drawing/2014/main" val="1867318938"/>
+                    </a:ext>
+                  </a:extLst>
+                </a:gridCol>
+                <a:gridCol w="2454073">
+                  <a:extLst>
+                    <a:ext uri="{9D8B030D-6E8A-4147-A177-3AD203B41FA5}">
+                      <a16:colId xmlns:a16="http://schemas.microsoft.com/office/drawing/2014/main" val="2868927113"/>
+                    </a:ext>
+                  </a:extLst>
+                </a:gridCol>
+                <a:gridCol w="2454073">
+                  <a:extLst>
+                    <a:ext uri="{9D8B030D-6E8A-4147-A177-3AD203B41FA5}">
+                      <a16:colId xmlns:a16="http://schemas.microsoft.com/office/drawing/2014/main" val="2603005801"/>
+                    </a:ext>
+                  </a:extLst>
+                </a:gridCol>
+              </a:tblGrid>
+              <a:tr h="370840">
+                <a:tc>
+                  <a:txBody>
+                    <a:bodyPr/>
+                    <a:lstStyle/>
+                    <a:p>
+                      <a:pPr algn="ctr"/>
+                      <a:r>
+                        <a:rPr lang="en-US" dirty="0"/>
+                        <a:t>Name</a:t>
+                      </a:r>
+                    </a:p>
+                  </a:txBody>
+                  <a:tcPr/>
+                </a:tc>
+                <a:tc>
+                  <a:txBody>
+                    <a:bodyPr/>
+                    <a:lstStyle/>
+                    <a:p>
+                      <a:pPr algn="ctr"/>
+                      <a:r>
+                        <a:rPr lang="en-US" dirty="0"/>
+                        <a:t>Fitting Functional Form</a:t>
+                      </a:r>
+                    </a:p>
+                  </a:txBody>
+                  <a:tcPr/>
+                </a:tc>
+                <a:tc>
+                  <a:txBody>
+                    <a:bodyPr/>
+                    <a:lstStyle/>
+                    <a:p>
+                      <a:pPr algn="ctr"/>
+                      <a:r>
+                        <a:rPr lang="en-US" dirty="0"/>
+                        <a:t>Number of Terms Needed to fit</a:t>
+                      </a:r>
+                    </a:p>
+                  </a:txBody>
+                  <a:tcPr/>
+                </a:tc>
+                <a:tc>
+                  <a:txBody>
+                    <a:bodyPr/>
+                    <a:lstStyle/>
+                    <a:p>
+                      <a:pPr algn="ctr"/>
+                      <a:r>
+                        <a:rPr lang="en-US" dirty="0"/>
+                        <a:t>R</a:t>
+                      </a:r>
+                      <a:r>
+                        <a:rPr lang="en-US" baseline="0" dirty="0"/>
+                        <a:t> squared</a:t>
+                      </a:r>
+                      <a:endParaRPr lang="en-US" dirty="0"/>
+                    </a:p>
+                  </a:txBody>
+                  <a:tcPr/>
+                </a:tc>
+                <a:extLst>
+                  <a:ext uri="{0D108BD9-81ED-4DB2-BD59-A6C34878D82A}">
+                    <a16:rowId xmlns:a16="http://schemas.microsoft.com/office/drawing/2014/main" val="2368427240"/>
+                  </a:ext>
+                </a:extLst>
+              </a:tr>
+              <a:tr h="370840">
+                <a:tc>
+                  <a:txBody>
+                    <a:bodyPr/>
+                    <a:lstStyle/>
+                    <a:p>
+                      <a:pPr algn="ctr"/>
+                      <a:r>
+                        <a:rPr lang="en-US" dirty="0"/>
+                        <a:t>Func1</a:t>
+                      </a:r>
+                    </a:p>
+                  </a:txBody>
+                  <a:tcPr/>
+                </a:tc>
+                <a:tc>
+                  <a:txBody>
+                    <a:bodyPr/>
+                    <a:lstStyle/>
+                    <a:p>
+                      <a:endParaRPr lang="en-US" dirty="0"/>
+                    </a:p>
+                  </a:txBody>
+                  <a:tcPr/>
+                </a:tc>
+                <a:tc>
+                  <a:txBody>
+                    <a:bodyPr/>
+                    <a:lstStyle/>
+                    <a:p>
+                      <a:endParaRPr lang="en-US" dirty="0"/>
+                    </a:p>
+                  </a:txBody>
+                  <a:tcPr/>
+                </a:tc>
+                <a:tc>
+                  <a:txBody>
+                    <a:bodyPr/>
+                    <a:lstStyle/>
+                    <a:p>
+                      <a:endParaRPr lang="en-US" dirty="0"/>
+                    </a:p>
+                  </a:txBody>
+                  <a:tcPr/>
+                </a:tc>
+                <a:extLst>
+                  <a:ext uri="{0D108BD9-81ED-4DB2-BD59-A6C34878D82A}">
+                    <a16:rowId xmlns:a16="http://schemas.microsoft.com/office/drawing/2014/main" val="349109835"/>
+                  </a:ext>
+                </a:extLst>
+              </a:tr>
+              <a:tr h="370840">
+                <a:tc>
+                  <a:txBody>
+                    <a:bodyPr/>
+                    <a:lstStyle/>
+                    <a:p>
+                      <a:pPr algn="ctr"/>
+                      <a:r>
+                        <a:rPr lang="en-US" dirty="0"/>
+                        <a:t>Func2 </a:t>
+                      </a:r>
+                    </a:p>
+                  </a:txBody>
+                  <a:tcPr/>
+                </a:tc>
+                <a:tc>
+                  <a:txBody>
+                    <a:bodyPr/>
+                    <a:lstStyle/>
+                    <a:p>
+                      <a:endParaRPr lang="en-US" dirty="0"/>
+                    </a:p>
+                  </a:txBody>
+                  <a:tcPr/>
+                </a:tc>
+                <a:tc>
+                  <a:txBody>
+                    <a:bodyPr/>
+                    <a:lstStyle/>
+                    <a:p>
+                      <a:endParaRPr lang="en-US" dirty="0"/>
+                    </a:p>
+                  </a:txBody>
+                  <a:tcPr/>
+                </a:tc>
+                <a:tc>
+                  <a:txBody>
+                    <a:bodyPr/>
+                    <a:lstStyle/>
+                    <a:p>
+                      <a:endParaRPr lang="en-US" dirty="0"/>
+                    </a:p>
+                  </a:txBody>
+                  <a:tcPr/>
+                </a:tc>
+                <a:extLst>
+                  <a:ext uri="{0D108BD9-81ED-4DB2-BD59-A6C34878D82A}">
+                    <a16:rowId xmlns:a16="http://schemas.microsoft.com/office/drawing/2014/main" val="3150103200"/>
+                  </a:ext>
+                </a:extLst>
+              </a:tr>
+              <a:tr h="370840">
+                <a:tc>
+                  <a:txBody>
+                    <a:bodyPr/>
+                    <a:lstStyle/>
+                    <a:p>
+                      <a:pPr algn="ctr"/>
+                      <a:r>
+                        <a:rPr lang="en-US" dirty="0"/>
+                        <a:t>Func3</a:t>
+                      </a:r>
+                    </a:p>
+                  </a:txBody>
+                  <a:tcPr/>
+                </a:tc>
+                <a:tc>
+                  <a:txBody>
+                    <a:bodyPr/>
+                    <a:lstStyle/>
+                    <a:p>
+                      <a:endParaRPr lang="en-US" dirty="0"/>
+                    </a:p>
+                  </a:txBody>
+                  <a:tcPr/>
+                </a:tc>
+                <a:tc>
+                  <a:txBody>
+                    <a:bodyPr/>
+                    <a:lstStyle/>
+                    <a:p>
+                      <a:endParaRPr lang="en-US" dirty="0"/>
+                    </a:p>
+                  </a:txBody>
+                  <a:tcPr/>
+                </a:tc>
+                <a:tc>
+                  <a:txBody>
+                    <a:bodyPr/>
+                    <a:lstStyle/>
+                    <a:p>
+                      <a:endParaRPr lang="en-US" dirty="0"/>
+                    </a:p>
+                  </a:txBody>
+                  <a:tcPr/>
+                </a:tc>
+                <a:extLst>
+                  <a:ext uri="{0D108BD9-81ED-4DB2-BD59-A6C34878D82A}">
+                    <a16:rowId xmlns:a16="http://schemas.microsoft.com/office/drawing/2014/main" val="3293733634"/>
+                  </a:ext>
+                </a:extLst>
+              </a:tr>
+              <a:tr h="370840">
+                <a:tc>
+                  <a:txBody>
+                    <a:bodyPr/>
+                    <a:lstStyle/>
+                    <a:p>
+                      <a:pPr algn="ctr"/>
+                      <a:r>
+                        <a:rPr lang="en-US" dirty="0"/>
+                        <a:t>Func4</a:t>
+                      </a:r>
+                    </a:p>
+                  </a:txBody>
+                  <a:tcPr/>
+                </a:tc>
+                <a:tc>
+                  <a:txBody>
+                    <a:bodyPr/>
+                    <a:lstStyle/>
+                    <a:p>
+                      <a:endParaRPr lang="en-US" dirty="0"/>
+                    </a:p>
+                  </a:txBody>
+                  <a:tcPr/>
+                </a:tc>
+                <a:tc>
+                  <a:txBody>
+                    <a:bodyPr/>
+                    <a:lstStyle/>
+                    <a:p>
+                      <a:endParaRPr lang="en-US" dirty="0"/>
+                    </a:p>
+                  </a:txBody>
+                  <a:tcPr/>
+                </a:tc>
+                <a:tc>
+                  <a:txBody>
+                    <a:bodyPr/>
+                    <a:lstStyle/>
+                    <a:p>
+                      <a:endParaRPr lang="en-US" dirty="0"/>
+                    </a:p>
+                  </a:txBody>
+                  <a:tcPr/>
+                </a:tc>
+                <a:extLst>
+                  <a:ext uri="{0D108BD9-81ED-4DB2-BD59-A6C34878D82A}">
+                    <a16:rowId xmlns:a16="http://schemas.microsoft.com/office/drawing/2014/main" val="13562566"/>
+                  </a:ext>
+                </a:extLst>
+              </a:tr>
+              <a:tr h="370840">
+                <a:tc>
+                  <a:txBody>
+                    <a:bodyPr/>
+                    <a:lstStyle/>
+                    <a:p>
+                      <a:pPr algn="ctr"/>
+                      <a:r>
+                        <a:rPr lang="en-US" dirty="0"/>
+                        <a:t>Func5</a:t>
+                      </a:r>
+                    </a:p>
+                  </a:txBody>
+                  <a:tcPr/>
+                </a:tc>
+                <a:tc>
+                  <a:txBody>
+                    <a:bodyPr/>
+                    <a:lstStyle/>
+                    <a:p>
+                      <a:endParaRPr lang="en-US" dirty="0"/>
+                    </a:p>
+                  </a:txBody>
+                  <a:tcPr/>
+                </a:tc>
+                <a:tc>
+                  <a:txBody>
+                    <a:bodyPr/>
+                    <a:lstStyle/>
+                    <a:p>
+                      <a:endParaRPr lang="en-US" dirty="0"/>
+                    </a:p>
+                  </a:txBody>
+                  <a:tcPr/>
+                </a:tc>
+                <a:tc>
+                  <a:txBody>
+                    <a:bodyPr/>
+                    <a:lstStyle/>
+                    <a:p>
+                      <a:endParaRPr lang="en-US" dirty="0"/>
+                    </a:p>
+                  </a:txBody>
+                  <a:tcPr/>
+                </a:tc>
+                <a:extLst>
+                  <a:ext uri="{0D108BD9-81ED-4DB2-BD59-A6C34878D82A}">
+                    <a16:rowId xmlns:a16="http://schemas.microsoft.com/office/drawing/2014/main" val="4248970835"/>
+                  </a:ext>
+                </a:extLst>
+              </a:tr>
+              <a:tr h="370840">
+                <a:tc>
+                  <a:txBody>
+                    <a:bodyPr/>
+                    <a:lstStyle/>
+                    <a:p>
+                      <a:pPr algn="ctr"/>
+                      <a:r>
+                        <a:rPr lang="en-US" dirty="0"/>
+                        <a:t>Func6</a:t>
+                      </a:r>
+                    </a:p>
+                  </a:txBody>
+                  <a:tcPr/>
+                </a:tc>
+                <a:tc>
+                  <a:txBody>
+                    <a:bodyPr/>
+                    <a:lstStyle/>
+                    <a:p>
+                      <a:endParaRPr lang="en-US" dirty="0"/>
+                    </a:p>
+                  </a:txBody>
+                  <a:tcPr/>
+                </a:tc>
+                <a:tc>
+                  <a:txBody>
+                    <a:bodyPr/>
+                    <a:lstStyle/>
+                    <a:p>
+                      <a:endParaRPr lang="en-US" dirty="0"/>
+                    </a:p>
+                  </a:txBody>
+                  <a:tcPr/>
+                </a:tc>
+                <a:tc>
+                  <a:txBody>
+                    <a:bodyPr/>
+                    <a:lstStyle/>
+                    <a:p>
+                      <a:endParaRPr lang="en-US" dirty="0"/>
+                    </a:p>
+                  </a:txBody>
+                  <a:tcPr/>
+                </a:tc>
+                <a:extLst>
+                  <a:ext uri="{0D108BD9-81ED-4DB2-BD59-A6C34878D82A}">
+                    <a16:rowId xmlns:a16="http://schemas.microsoft.com/office/drawing/2014/main" val="621977636"/>
+                  </a:ext>
+                </a:extLst>
+              </a:tr>
+              <a:tr h="370840">
+                <a:tc>
+                  <a:txBody>
+                    <a:bodyPr/>
+                    <a:lstStyle/>
+                    <a:p>
+                      <a:pPr algn="ctr"/>
+                      <a:r>
+                        <a:rPr lang="en-US" dirty="0"/>
+                        <a:t>Func7</a:t>
+                      </a:r>
+                    </a:p>
+                  </a:txBody>
+                  <a:tcPr/>
+                </a:tc>
+                <a:tc>
+                  <a:txBody>
+                    <a:bodyPr/>
+                    <a:lstStyle/>
+                    <a:p>
+                      <a:endParaRPr lang="en-US"/>
+                    </a:p>
+                  </a:txBody>
+                  <a:tcPr/>
+                </a:tc>
+                <a:tc>
+                  <a:txBody>
+                    <a:bodyPr/>
+                    <a:lstStyle/>
+                    <a:p>
+                      <a:endParaRPr lang="en-US"/>
+                    </a:p>
+                  </a:txBody>
+                  <a:tcPr/>
+                </a:tc>
+                <a:tc>
+                  <a:txBody>
+                    <a:bodyPr/>
+                    <a:lstStyle/>
+                    <a:p>
+                      <a:endParaRPr lang="en-US" dirty="0"/>
+                    </a:p>
+                  </a:txBody>
+                  <a:tcPr/>
+                </a:tc>
+                <a:extLst>
+                  <a:ext uri="{0D108BD9-81ED-4DB2-BD59-A6C34878D82A}">
+                    <a16:rowId xmlns:a16="http://schemas.microsoft.com/office/drawing/2014/main" val="3982897216"/>
+                  </a:ext>
+                </a:extLst>
+              </a:tr>
+            </a:tbl>
+          </a:graphicData>
+        </a:graphic>
+      </p:graphicFrame>
     </p:spTree>
     <p:extLst>
       <p:ext uri="{BB962C8B-B14F-4D97-AF65-F5344CB8AC3E}">
-        <p14:creationId xmlns:p14="http://schemas.microsoft.com/office/powerpoint/2010/main" val="1081705465"/>
+        <p14:creationId xmlns:p14="http://schemas.microsoft.com/office/powerpoint/2010/main" val="3059122395"/>
+      </p:ext>
+    </p:extLst>
+  </p:cSld>
+  <p:clrMapOvr>
+    <a:masterClrMapping/>
+  </p:clrMapOvr>
+</p:sld>
+</file>
+
+<file path=ppt/slides/slide18.xml><?xml version="1.0" encoding="utf-8"?>
+<p:sld xmlns:a="http://schemas.openxmlformats.org/drawingml/2006/main" xmlns:r="http://schemas.openxmlformats.org/officeDocument/2006/relationships" xmlns:p="http://schemas.openxmlformats.org/presentationml/2006/main">
+  <p:cSld>
+    <p:spTree>
+      <p:nvGrpSpPr>
+        <p:cNvPr id="1" name=""/>
+        <p:cNvGrpSpPr/>
+        <p:nvPr/>
+      </p:nvGrpSpPr>
+      <p:grpSpPr>
+        <a:xfrm>
+          <a:off x="0" y="0"/>
+          <a:ext cx="0" cy="0"/>
+          <a:chOff x="0" y="0"/>
+          <a:chExt cx="0" cy="0"/>
+        </a:xfrm>
+      </p:grpSpPr>
+      <p:sp>
+        <p:nvSpPr>
+          <p:cNvPr id="2" name="Title 1"/>
+          <p:cNvSpPr>
+            <a:spLocks noGrp="1"/>
+          </p:cNvSpPr>
+          <p:nvPr>
+            <p:ph type="title"/>
+          </p:nvPr>
+        </p:nvSpPr>
+        <p:spPr>
+          <a:xfrm>
+            <a:off x="196174" y="0"/>
+            <a:ext cx="10515600" cy="1325563"/>
+          </a:xfrm>
+        </p:spPr>
+        <p:txBody>
+          <a:bodyPr/>
+          <a:lstStyle/>
+          <a:p>
+            <a:r>
+              <a:rPr lang="en-US" dirty="0"/>
+              <a:t>Figuring out test functions</a:t>
+            </a:r>
+          </a:p>
+        </p:txBody>
+      </p:sp>
+      <p:sp>
+        <p:nvSpPr>
+          <p:cNvPr id="3" name="Content Placeholder 2"/>
+          <p:cNvSpPr>
+            <a:spLocks noGrp="1"/>
+          </p:cNvSpPr>
+          <p:nvPr>
+            <p:ph idx="1"/>
+          </p:nvPr>
+        </p:nvSpPr>
+        <p:spPr>
+          <a:xfrm>
+            <a:off x="750651" y="1048663"/>
+            <a:ext cx="10515600" cy="1569328"/>
+          </a:xfrm>
+        </p:spPr>
+        <p:txBody>
+          <a:bodyPr/>
+          <a:lstStyle/>
+          <a:p>
+            <a:pPr marL="0" indent="0">
+              <a:buNone/>
+            </a:pPr>
+            <a:r>
+              <a:rPr lang="en-US" dirty="0"/>
+              <a:t>Download the test function data from the shared folder.  </a:t>
+            </a:r>
+          </a:p>
+        </p:txBody>
+      </p:sp>
+      <p:sp>
+        <p:nvSpPr>
+          <p:cNvPr id="4" name="Rectangle 3"/>
+          <p:cNvSpPr/>
+          <p:nvPr/>
+        </p:nvSpPr>
+        <p:spPr>
+          <a:xfrm>
+            <a:off x="826851" y="1694661"/>
+            <a:ext cx="10993877" cy="923330"/>
+          </a:xfrm>
+          <a:prstGeom prst="rect">
+            <a:avLst/>
+          </a:prstGeom>
+        </p:spPr>
+        <p:txBody>
+          <a:bodyPr wrap="square">
+            <a:spAutoFit/>
+          </a:bodyPr>
+          <a:lstStyle/>
+          <a:p>
+            <a:r>
+              <a:rPr lang="en-US" b="1" i="1" dirty="0"/>
+              <a:t>Try to figure out what functions the data were generated from.  Extract the coefficients using either code or the GUI.  Write you answers in the table below.  Once you have determined the functional forms of the test functions, check your answers against your neighbor or in the </a:t>
+            </a:r>
+            <a:r>
+              <a:rPr lang="en-US" b="1" i="1" dirty="0" err="1"/>
+              <a:t>SampleFuncGnerator.m</a:t>
+            </a:r>
+            <a:r>
+              <a:rPr lang="en-US" b="1" i="1" dirty="0"/>
+              <a:t> file to see how you did.  </a:t>
+            </a:r>
+          </a:p>
+        </p:txBody>
+      </p:sp>
+      <p:graphicFrame>
+        <p:nvGraphicFramePr>
+          <p:cNvPr id="5" name="Table 4"/>
+          <p:cNvGraphicFramePr>
+            <a:graphicFrameLocks noGrp="1"/>
+          </p:cNvGraphicFramePr>
+          <p:nvPr>
+            <p:extLst>
+              <p:ext uri="{D42A27DB-BD31-4B8C-83A1-F6EECF244321}">
+                <p14:modId xmlns:p14="http://schemas.microsoft.com/office/powerpoint/2010/main" val="130049077"/>
+              </p:ext>
+            </p:extLst>
+          </p:nvPr>
+        </p:nvGraphicFramePr>
+        <p:xfrm>
+          <a:off x="3215260" y="2987089"/>
+          <a:ext cx="6561038" cy="3235960"/>
+        </p:xfrm>
+        <a:graphic>
+          <a:graphicData uri="http://schemas.openxmlformats.org/drawingml/2006/table">
+            <a:tbl>
+              <a:tblPr firstRow="1" bandRow="1">
+                <a:tableStyleId>{5C22544A-7EE6-4342-B048-85BDC9FD1C3A}</a:tableStyleId>
+              </a:tblPr>
+              <a:tblGrid>
+                <a:gridCol w="1052932">
+                  <a:extLst>
+                    <a:ext uri="{9D8B030D-6E8A-4147-A177-3AD203B41FA5}">
+                      <a16:colId xmlns:a16="http://schemas.microsoft.com/office/drawing/2014/main" val="2008784173"/>
+                    </a:ext>
+                  </a:extLst>
+                </a:gridCol>
+                <a:gridCol w="2506623">
+                  <a:extLst>
+                    <a:ext uri="{9D8B030D-6E8A-4147-A177-3AD203B41FA5}">
+                      <a16:colId xmlns:a16="http://schemas.microsoft.com/office/drawing/2014/main" val="1867318938"/>
+                    </a:ext>
+                  </a:extLst>
+                </a:gridCol>
+                <a:gridCol w="1625449">
+                  <a:extLst>
+                    <a:ext uri="{9D8B030D-6E8A-4147-A177-3AD203B41FA5}">
+                      <a16:colId xmlns:a16="http://schemas.microsoft.com/office/drawing/2014/main" val="2868927113"/>
+                    </a:ext>
+                  </a:extLst>
+                </a:gridCol>
+                <a:gridCol w="1376034">
+                  <a:extLst>
+                    <a:ext uri="{9D8B030D-6E8A-4147-A177-3AD203B41FA5}">
+                      <a16:colId xmlns:a16="http://schemas.microsoft.com/office/drawing/2014/main" val="2603005801"/>
+                    </a:ext>
+                  </a:extLst>
+                </a:gridCol>
+              </a:tblGrid>
+              <a:tr h="370840">
+                <a:tc>
+                  <a:txBody>
+                    <a:bodyPr/>
+                    <a:lstStyle/>
+                    <a:p>
+                      <a:pPr algn="ctr"/>
+                      <a:endParaRPr lang="en-US" dirty="0"/>
+                    </a:p>
+                  </a:txBody>
+                  <a:tcPr/>
+                </a:tc>
+                <a:tc>
+                  <a:txBody>
+                    <a:bodyPr/>
+                    <a:lstStyle/>
+                    <a:p>
+                      <a:pPr algn="ctr"/>
+                      <a:r>
+                        <a:rPr lang="en-US" dirty="0"/>
+                        <a:t>Fitting Functional Form</a:t>
+                      </a:r>
+                    </a:p>
+                  </a:txBody>
+                  <a:tcPr/>
+                </a:tc>
+                <a:tc>
+                  <a:txBody>
+                    <a:bodyPr/>
+                    <a:lstStyle/>
+                    <a:p>
+                      <a:pPr algn="ctr"/>
+                      <a:r>
+                        <a:rPr lang="en-US" dirty="0"/>
+                        <a:t># of Terms Needed to fit</a:t>
+                      </a:r>
+                    </a:p>
+                  </a:txBody>
+                  <a:tcPr/>
+                </a:tc>
+                <a:tc>
+                  <a:txBody>
+                    <a:bodyPr/>
+                    <a:lstStyle/>
+                    <a:p>
+                      <a:pPr algn="ctr"/>
+                      <a:r>
+                        <a:rPr lang="en-US" dirty="0"/>
+                        <a:t>R</a:t>
+                      </a:r>
+                      <a:r>
+                        <a:rPr lang="en-US" baseline="0" dirty="0"/>
+                        <a:t> squared</a:t>
+                      </a:r>
+                      <a:endParaRPr lang="en-US" dirty="0"/>
+                    </a:p>
+                  </a:txBody>
+                  <a:tcPr/>
+                </a:tc>
+                <a:extLst>
+                  <a:ext uri="{0D108BD9-81ED-4DB2-BD59-A6C34878D82A}">
+                    <a16:rowId xmlns:a16="http://schemas.microsoft.com/office/drawing/2014/main" val="2368427240"/>
+                  </a:ext>
+                </a:extLst>
+              </a:tr>
+              <a:tr h="370840">
+                <a:tc>
+                  <a:txBody>
+                    <a:bodyPr/>
+                    <a:lstStyle/>
+                    <a:p>
+                      <a:pPr algn="ctr"/>
+                      <a:r>
+                        <a:rPr lang="en-US" dirty="0"/>
+                        <a:t>Func1</a:t>
+                      </a:r>
+                    </a:p>
+                  </a:txBody>
+                  <a:tcPr/>
+                </a:tc>
+                <a:tc>
+                  <a:txBody>
+                    <a:bodyPr/>
+                    <a:lstStyle/>
+                    <a:p>
+                      <a:pPr algn="ctr"/>
+                      <a:r>
+                        <a:rPr lang="en-US" dirty="0"/>
+                        <a:t>Polynomial</a:t>
+                      </a:r>
+                    </a:p>
+                  </a:txBody>
+                  <a:tcPr/>
+                </a:tc>
+                <a:tc>
+                  <a:txBody>
+                    <a:bodyPr/>
+                    <a:lstStyle/>
+                    <a:p>
+                      <a:pPr algn="ctr"/>
+                      <a:r>
+                        <a:rPr lang="en-US" dirty="0"/>
+                        <a:t>1</a:t>
+                      </a:r>
+                    </a:p>
+                  </a:txBody>
+                  <a:tcPr/>
+                </a:tc>
+                <a:tc>
+                  <a:txBody>
+                    <a:bodyPr/>
+                    <a:lstStyle/>
+                    <a:p>
+                      <a:pPr algn="ctr"/>
+                      <a:r>
+                        <a:rPr lang="en-US" dirty="0"/>
+                        <a:t>1</a:t>
+                      </a:r>
+                    </a:p>
+                  </a:txBody>
+                  <a:tcPr/>
+                </a:tc>
+                <a:extLst>
+                  <a:ext uri="{0D108BD9-81ED-4DB2-BD59-A6C34878D82A}">
+                    <a16:rowId xmlns:a16="http://schemas.microsoft.com/office/drawing/2014/main" val="349109835"/>
+                  </a:ext>
+                </a:extLst>
+              </a:tr>
+              <a:tr h="370840">
+                <a:tc>
+                  <a:txBody>
+                    <a:bodyPr/>
+                    <a:lstStyle/>
+                    <a:p>
+                      <a:pPr algn="ctr"/>
+                      <a:r>
+                        <a:rPr lang="en-US" dirty="0"/>
+                        <a:t>Func2 </a:t>
+                      </a:r>
+                    </a:p>
+                  </a:txBody>
+                  <a:tcPr/>
+                </a:tc>
+                <a:tc>
+                  <a:txBody>
+                    <a:bodyPr/>
+                    <a:lstStyle/>
+                    <a:p>
+                      <a:pPr algn="ctr"/>
+                      <a:r>
+                        <a:rPr lang="en-US" dirty="0"/>
+                        <a:t>Exponential</a:t>
+                      </a:r>
+                    </a:p>
+                  </a:txBody>
+                  <a:tcPr/>
+                </a:tc>
+                <a:tc>
+                  <a:txBody>
+                    <a:bodyPr/>
+                    <a:lstStyle/>
+                    <a:p>
+                      <a:pPr algn="ctr"/>
+                      <a:r>
+                        <a:rPr lang="en-US" dirty="0"/>
+                        <a:t>1</a:t>
+                      </a:r>
+                    </a:p>
+                  </a:txBody>
+                  <a:tcPr/>
+                </a:tc>
+                <a:tc>
+                  <a:txBody>
+                    <a:bodyPr/>
+                    <a:lstStyle/>
+                    <a:p>
+                      <a:pPr algn="ctr"/>
+                      <a:r>
+                        <a:rPr lang="en-US" dirty="0"/>
+                        <a:t>1</a:t>
+                      </a:r>
+                    </a:p>
+                  </a:txBody>
+                  <a:tcPr/>
+                </a:tc>
+                <a:extLst>
+                  <a:ext uri="{0D108BD9-81ED-4DB2-BD59-A6C34878D82A}">
+                    <a16:rowId xmlns:a16="http://schemas.microsoft.com/office/drawing/2014/main" val="3150103200"/>
+                  </a:ext>
+                </a:extLst>
+              </a:tr>
+              <a:tr h="370840">
+                <a:tc>
+                  <a:txBody>
+                    <a:bodyPr/>
+                    <a:lstStyle/>
+                    <a:p>
+                      <a:pPr algn="ctr"/>
+                      <a:r>
+                        <a:rPr lang="en-US" dirty="0"/>
+                        <a:t>Func3</a:t>
+                      </a:r>
+                    </a:p>
+                  </a:txBody>
+                  <a:tcPr/>
+                </a:tc>
+                <a:tc>
+                  <a:txBody>
+                    <a:bodyPr/>
+                    <a:lstStyle/>
+                    <a:p>
+                      <a:pPr algn="ctr"/>
+                      <a:r>
+                        <a:rPr lang="en-US" dirty="0"/>
+                        <a:t>Polynomial</a:t>
+                      </a:r>
+                    </a:p>
+                  </a:txBody>
+                  <a:tcPr/>
+                </a:tc>
+                <a:tc>
+                  <a:txBody>
+                    <a:bodyPr/>
+                    <a:lstStyle/>
+                    <a:p>
+                      <a:pPr algn="ctr"/>
+                      <a:r>
+                        <a:rPr lang="en-US" dirty="0"/>
+                        <a:t>3</a:t>
+                      </a:r>
+                    </a:p>
+                  </a:txBody>
+                  <a:tcPr/>
+                </a:tc>
+                <a:tc>
+                  <a:txBody>
+                    <a:bodyPr/>
+                    <a:lstStyle/>
+                    <a:p>
+                      <a:pPr algn="ctr"/>
+                      <a:r>
+                        <a:rPr lang="en-US" dirty="0"/>
+                        <a:t>1</a:t>
+                      </a:r>
+                    </a:p>
+                  </a:txBody>
+                  <a:tcPr/>
+                </a:tc>
+                <a:extLst>
+                  <a:ext uri="{0D108BD9-81ED-4DB2-BD59-A6C34878D82A}">
+                    <a16:rowId xmlns:a16="http://schemas.microsoft.com/office/drawing/2014/main" val="3293733634"/>
+                  </a:ext>
+                </a:extLst>
+              </a:tr>
+              <a:tr h="370840">
+                <a:tc>
+                  <a:txBody>
+                    <a:bodyPr/>
+                    <a:lstStyle/>
+                    <a:p>
+                      <a:pPr algn="ctr"/>
+                      <a:r>
+                        <a:rPr lang="en-US" dirty="0"/>
+                        <a:t>Func4</a:t>
+                      </a:r>
+                    </a:p>
+                  </a:txBody>
+                  <a:tcPr/>
+                </a:tc>
+                <a:tc>
+                  <a:txBody>
+                    <a:bodyPr/>
+                    <a:lstStyle/>
+                    <a:p>
+                      <a:pPr algn="ctr"/>
+                      <a:r>
+                        <a:rPr lang="en-US" dirty="0"/>
+                        <a:t>Sum of sines</a:t>
+                      </a:r>
+                    </a:p>
+                  </a:txBody>
+                  <a:tcPr/>
+                </a:tc>
+                <a:tc>
+                  <a:txBody>
+                    <a:bodyPr/>
+                    <a:lstStyle/>
+                    <a:p>
+                      <a:pPr algn="ctr"/>
+                      <a:r>
+                        <a:rPr lang="en-US" dirty="0"/>
+                        <a:t>2</a:t>
+                      </a:r>
+                    </a:p>
+                  </a:txBody>
+                  <a:tcPr/>
+                </a:tc>
+                <a:tc>
+                  <a:txBody>
+                    <a:bodyPr/>
+                    <a:lstStyle/>
+                    <a:p>
+                      <a:pPr algn="ctr"/>
+                      <a:r>
+                        <a:rPr lang="en-US" dirty="0"/>
+                        <a:t>1</a:t>
+                      </a:r>
+                    </a:p>
+                  </a:txBody>
+                  <a:tcPr/>
+                </a:tc>
+                <a:extLst>
+                  <a:ext uri="{0D108BD9-81ED-4DB2-BD59-A6C34878D82A}">
+                    <a16:rowId xmlns:a16="http://schemas.microsoft.com/office/drawing/2014/main" val="13562566"/>
+                  </a:ext>
+                </a:extLst>
+              </a:tr>
+              <a:tr h="370840">
+                <a:tc>
+                  <a:txBody>
+                    <a:bodyPr/>
+                    <a:lstStyle/>
+                    <a:p>
+                      <a:pPr algn="ctr"/>
+                      <a:r>
+                        <a:rPr lang="en-US" dirty="0"/>
+                        <a:t>Func5</a:t>
+                      </a:r>
+                    </a:p>
+                  </a:txBody>
+                  <a:tcPr/>
+                </a:tc>
+                <a:tc>
+                  <a:txBody>
+                    <a:bodyPr/>
+                    <a:lstStyle/>
+                    <a:p>
+                      <a:pPr algn="ctr"/>
+                      <a:r>
+                        <a:rPr lang="en-US" dirty="0"/>
+                        <a:t>Gaussian</a:t>
+                      </a:r>
+                    </a:p>
+                  </a:txBody>
+                  <a:tcPr/>
+                </a:tc>
+                <a:tc>
+                  <a:txBody>
+                    <a:bodyPr/>
+                    <a:lstStyle/>
+                    <a:p>
+                      <a:pPr algn="ctr"/>
+                      <a:r>
+                        <a:rPr lang="en-US" dirty="0"/>
+                        <a:t>2</a:t>
+                      </a:r>
+                    </a:p>
+                  </a:txBody>
+                  <a:tcPr/>
+                </a:tc>
+                <a:tc>
+                  <a:txBody>
+                    <a:bodyPr/>
+                    <a:lstStyle/>
+                    <a:p>
+                      <a:pPr algn="ctr"/>
+                      <a:r>
+                        <a:rPr lang="en-US" dirty="0"/>
+                        <a:t>1</a:t>
+                      </a:r>
+                    </a:p>
+                  </a:txBody>
+                  <a:tcPr/>
+                </a:tc>
+                <a:extLst>
+                  <a:ext uri="{0D108BD9-81ED-4DB2-BD59-A6C34878D82A}">
+                    <a16:rowId xmlns:a16="http://schemas.microsoft.com/office/drawing/2014/main" val="4248970835"/>
+                  </a:ext>
+                </a:extLst>
+              </a:tr>
+              <a:tr h="370840">
+                <a:tc>
+                  <a:txBody>
+                    <a:bodyPr/>
+                    <a:lstStyle/>
+                    <a:p>
+                      <a:pPr algn="ctr"/>
+                      <a:r>
+                        <a:rPr lang="en-US" dirty="0"/>
+                        <a:t>Func6</a:t>
+                      </a:r>
+                    </a:p>
+                  </a:txBody>
+                  <a:tcPr/>
+                </a:tc>
+                <a:tc>
+                  <a:txBody>
+                    <a:bodyPr/>
+                    <a:lstStyle/>
+                    <a:p>
+                      <a:pPr algn="ctr"/>
+                      <a:r>
+                        <a:rPr lang="en-US" dirty="0"/>
+                        <a:t>Fourier Series</a:t>
+                      </a:r>
+                    </a:p>
+                  </a:txBody>
+                  <a:tcPr/>
+                </a:tc>
+                <a:tc>
+                  <a:txBody>
+                    <a:bodyPr/>
+                    <a:lstStyle/>
+                    <a:p>
+                      <a:pPr algn="ctr"/>
+                      <a:r>
+                        <a:rPr lang="en-US" dirty="0"/>
+                        <a:t>3</a:t>
+                      </a:r>
+                    </a:p>
+                  </a:txBody>
+                  <a:tcPr/>
+                </a:tc>
+                <a:tc>
+                  <a:txBody>
+                    <a:bodyPr/>
+                    <a:lstStyle/>
+                    <a:p>
+                      <a:pPr algn="ctr"/>
+                      <a:r>
+                        <a:rPr lang="en-US" dirty="0"/>
+                        <a:t>1</a:t>
+                      </a:r>
+                    </a:p>
+                  </a:txBody>
+                  <a:tcPr/>
+                </a:tc>
+                <a:extLst>
+                  <a:ext uri="{0D108BD9-81ED-4DB2-BD59-A6C34878D82A}">
+                    <a16:rowId xmlns:a16="http://schemas.microsoft.com/office/drawing/2014/main" val="621977636"/>
+                  </a:ext>
+                </a:extLst>
+              </a:tr>
+              <a:tr h="370840">
+                <a:tc>
+                  <a:txBody>
+                    <a:bodyPr/>
+                    <a:lstStyle/>
+                    <a:p>
+                      <a:pPr algn="ctr"/>
+                      <a:r>
+                        <a:rPr lang="en-US" dirty="0"/>
+                        <a:t>Func7</a:t>
+                      </a:r>
+                    </a:p>
+                  </a:txBody>
+                  <a:tcPr/>
+                </a:tc>
+                <a:tc>
+                  <a:txBody>
+                    <a:bodyPr/>
+                    <a:lstStyle/>
+                    <a:p>
+                      <a:pPr algn="ctr"/>
+                      <a:r>
+                        <a:rPr lang="en-US" dirty="0"/>
+                        <a:t>Exponential</a:t>
+                      </a:r>
+                    </a:p>
+                  </a:txBody>
+                  <a:tcPr/>
+                </a:tc>
+                <a:tc>
+                  <a:txBody>
+                    <a:bodyPr/>
+                    <a:lstStyle/>
+                    <a:p>
+                      <a:pPr algn="ctr"/>
+                      <a:r>
+                        <a:rPr lang="en-US" dirty="0"/>
+                        <a:t>2</a:t>
+                      </a:r>
+                    </a:p>
+                  </a:txBody>
+                  <a:tcPr/>
+                </a:tc>
+                <a:tc>
+                  <a:txBody>
+                    <a:bodyPr/>
+                    <a:lstStyle/>
+                    <a:p>
+                      <a:pPr algn="ctr"/>
+                      <a:r>
+                        <a:rPr lang="en-US" dirty="0"/>
+                        <a:t>1</a:t>
+                      </a:r>
+                    </a:p>
+                  </a:txBody>
+                  <a:tcPr/>
+                </a:tc>
+                <a:extLst>
+                  <a:ext uri="{0D108BD9-81ED-4DB2-BD59-A6C34878D82A}">
+                    <a16:rowId xmlns:a16="http://schemas.microsoft.com/office/drawing/2014/main" val="3982897216"/>
+                  </a:ext>
+                </a:extLst>
+              </a:tr>
+            </a:tbl>
+          </a:graphicData>
+        </a:graphic>
+      </p:graphicFrame>
+    </p:spTree>
+    <p:extLst>
+      <p:ext uri="{BB962C8B-B14F-4D97-AF65-F5344CB8AC3E}">
+        <p14:creationId xmlns:p14="http://schemas.microsoft.com/office/powerpoint/2010/main" val="2662557561"/>
+      </p:ext>
+    </p:extLst>
+  </p:cSld>
+  <p:clrMapOvr>
+    <a:masterClrMapping/>
+  </p:clrMapOvr>
+</p:sld>
+</file>
+
+<file path=ppt/slides/slide19.xml><?xml version="1.0" encoding="utf-8"?>
+<p:sld xmlns:a="http://schemas.openxmlformats.org/drawingml/2006/main" xmlns:r="http://schemas.openxmlformats.org/officeDocument/2006/relationships" xmlns:p="http://schemas.openxmlformats.org/presentationml/2006/main">
+  <p:cSld>
+    <p:spTree>
+      <p:nvGrpSpPr>
+        <p:cNvPr id="1" name=""/>
+        <p:cNvGrpSpPr/>
+        <p:nvPr/>
+      </p:nvGrpSpPr>
+      <p:grpSpPr>
+        <a:xfrm>
+          <a:off x="0" y="0"/>
+          <a:ext cx="0" cy="0"/>
+          <a:chOff x="0" y="0"/>
+          <a:chExt cx="0" cy="0"/>
+        </a:xfrm>
+      </p:grpSpPr>
+      <p:sp>
+        <p:nvSpPr>
+          <p:cNvPr id="2" name="Title 1"/>
+          <p:cNvSpPr>
+            <a:spLocks noGrp="1"/>
+          </p:cNvSpPr>
+          <p:nvPr>
+            <p:ph type="title"/>
+          </p:nvPr>
+        </p:nvSpPr>
+        <p:spPr>
+          <a:xfrm>
+            <a:off x="0" y="0"/>
+            <a:ext cx="10515600" cy="1325563"/>
+          </a:xfrm>
+        </p:spPr>
+        <p:txBody>
+          <a:bodyPr/>
+          <a:lstStyle/>
+          <a:p>
+            <a:r>
+              <a:rPr lang="en-US" dirty="0"/>
+              <a:t>Fitting to Custom Functions</a:t>
+            </a:r>
+          </a:p>
+        </p:txBody>
+      </p:sp>
+      <p:sp>
+        <p:nvSpPr>
+          <p:cNvPr id="3" name="Content Placeholder 2"/>
+          <p:cNvSpPr>
+            <a:spLocks noGrp="1"/>
+          </p:cNvSpPr>
+          <p:nvPr>
+            <p:ph idx="1"/>
+          </p:nvPr>
+        </p:nvSpPr>
+        <p:spPr>
+          <a:xfrm>
+            <a:off x="283722" y="1325563"/>
+            <a:ext cx="10854448" cy="2020751"/>
+          </a:xfrm>
+        </p:spPr>
+        <p:txBody>
+          <a:bodyPr>
+            <a:normAutofit/>
+          </a:bodyPr>
+          <a:lstStyle/>
+          <a:p>
+            <a:pPr marL="0" indent="0">
+              <a:buNone/>
+            </a:pPr>
+            <a:r>
+              <a:rPr lang="en-US" dirty="0"/>
+              <a:t>MATLAB has the ability to fit the data to an arbitrary function that is user defined.  This is easiest to do in the GUI setup by selecting the “Custom Equation” functional form, and then typing the equation in the following line.  It can be a function of multiple variables if that is what you are trying to fit.</a:t>
+            </a:r>
+          </a:p>
+        </p:txBody>
+      </p:sp>
+      <p:sp>
+        <p:nvSpPr>
+          <p:cNvPr id="4" name="Rectangle 3"/>
+          <p:cNvSpPr/>
+          <p:nvPr/>
+        </p:nvSpPr>
+        <p:spPr>
+          <a:xfrm>
+            <a:off x="8706255" y="4492166"/>
+            <a:ext cx="3249038" cy="1477328"/>
+          </a:xfrm>
+          <a:prstGeom prst="rect">
+            <a:avLst/>
+          </a:prstGeom>
+        </p:spPr>
+        <p:txBody>
+          <a:bodyPr wrap="square">
+            <a:spAutoFit/>
+          </a:bodyPr>
+          <a:lstStyle/>
+          <a:p>
+            <a:r>
+              <a:rPr lang="en-US" b="1" i="1" dirty="0"/>
+              <a:t>Try typing in the functional form of func3 and getting the curve fitting tool to output the correct coefficients for each of the terms.  </a:t>
+            </a:r>
+          </a:p>
+        </p:txBody>
+      </p:sp>
+      <p:pic>
+        <p:nvPicPr>
+          <p:cNvPr id="6" name="Picture 5"/>
+          <p:cNvPicPr>
+            <a:picLocks noChangeAspect="1"/>
+          </p:cNvPicPr>
+          <p:nvPr/>
+        </p:nvPicPr>
+        <p:blipFill>
+          <a:blip r:embed="rId2"/>
+          <a:stretch>
+            <a:fillRect/>
+          </a:stretch>
+        </p:blipFill>
+        <p:spPr>
+          <a:xfrm>
+            <a:off x="3034062" y="3943148"/>
+            <a:ext cx="5178670" cy="2575364"/>
+          </a:xfrm>
+          <a:prstGeom prst="rect">
+            <a:avLst/>
+          </a:prstGeom>
+          <a:ln>
+            <a:solidFill>
+              <a:schemeClr val="tx1"/>
+            </a:solidFill>
+          </a:ln>
+        </p:spPr>
+      </p:pic>
+      <p:sp>
+        <p:nvSpPr>
+          <p:cNvPr id="7" name="TextBox 6"/>
+          <p:cNvSpPr txBox="1"/>
+          <p:nvPr/>
+        </p:nvSpPr>
+        <p:spPr>
+          <a:xfrm>
+            <a:off x="452141" y="4748372"/>
+            <a:ext cx="2297873" cy="369332"/>
+          </a:xfrm>
+          <a:prstGeom prst="rect">
+            <a:avLst/>
+          </a:prstGeom>
+          <a:noFill/>
+        </p:spPr>
+        <p:txBody>
+          <a:bodyPr wrap="none" rtlCol="0">
+            <a:spAutoFit/>
+          </a:bodyPr>
+          <a:lstStyle/>
+          <a:p>
+            <a:r>
+              <a:rPr lang="en-US" dirty="0"/>
+              <a:t>Definition of Equation</a:t>
+            </a:r>
+          </a:p>
+        </p:txBody>
+      </p:sp>
+      <p:sp>
+        <p:nvSpPr>
+          <p:cNvPr id="8" name="TextBox 7"/>
+          <p:cNvSpPr txBox="1"/>
+          <p:nvPr/>
+        </p:nvSpPr>
+        <p:spPr>
+          <a:xfrm>
+            <a:off x="755177" y="4068761"/>
+            <a:ext cx="1710789" cy="369332"/>
+          </a:xfrm>
+          <a:prstGeom prst="rect">
+            <a:avLst/>
+          </a:prstGeom>
+          <a:noFill/>
+        </p:spPr>
+        <p:txBody>
+          <a:bodyPr wrap="none" rtlCol="0">
+            <a:spAutoFit/>
+          </a:bodyPr>
+          <a:lstStyle/>
+          <a:p>
+            <a:r>
+              <a:rPr lang="en-US" dirty="0"/>
+              <a:t>Functional Form</a:t>
+            </a:r>
+          </a:p>
+        </p:txBody>
+      </p:sp>
+      <p:cxnSp>
+        <p:nvCxnSpPr>
+          <p:cNvPr id="10" name="Straight Arrow Connector 9"/>
+          <p:cNvCxnSpPr/>
+          <p:nvPr/>
+        </p:nvCxnSpPr>
+        <p:spPr>
+          <a:xfrm>
+            <a:off x="2540539" y="4253427"/>
+            <a:ext cx="2410840" cy="238739"/>
+          </a:xfrm>
+          <a:prstGeom prst="straightConnector1">
+            <a:avLst/>
+          </a:prstGeom>
+          <a:ln w="38100">
+            <a:solidFill>
+              <a:schemeClr val="tx1"/>
+            </a:solidFill>
+            <a:tailEnd type="triangle"/>
+          </a:ln>
+        </p:spPr>
+        <p:style>
+          <a:lnRef idx="1">
+            <a:schemeClr val="accent1"/>
+          </a:lnRef>
+          <a:fillRef idx="0">
+            <a:schemeClr val="accent1"/>
+          </a:fillRef>
+          <a:effectRef idx="0">
+            <a:schemeClr val="accent1"/>
+          </a:effectRef>
+          <a:fontRef idx="minor">
+            <a:schemeClr val="tx1"/>
+          </a:fontRef>
+        </p:style>
+      </p:cxnSp>
+      <p:cxnSp>
+        <p:nvCxnSpPr>
+          <p:cNvPr id="12" name="Straight Arrow Connector 11"/>
+          <p:cNvCxnSpPr>
+            <a:stCxn id="7" idx="3"/>
+          </p:cNvCxnSpPr>
+          <p:nvPr/>
+        </p:nvCxnSpPr>
+        <p:spPr>
+          <a:xfrm flipV="1">
+            <a:off x="2750014" y="4902740"/>
+            <a:ext cx="2512650" cy="30298"/>
+          </a:xfrm>
+          <a:prstGeom prst="straightConnector1">
+            <a:avLst/>
+          </a:prstGeom>
+          <a:ln w="38100">
+            <a:solidFill>
+              <a:schemeClr val="tx1"/>
+            </a:solidFill>
+            <a:tailEnd type="triangle"/>
+          </a:ln>
+        </p:spPr>
+        <p:style>
+          <a:lnRef idx="1">
+            <a:schemeClr val="accent1"/>
+          </a:lnRef>
+          <a:fillRef idx="0">
+            <a:schemeClr val="accent1"/>
+          </a:fillRef>
+          <a:effectRef idx="0">
+            <a:schemeClr val="accent1"/>
+          </a:effectRef>
+          <a:fontRef idx="minor">
+            <a:schemeClr val="tx1"/>
+          </a:fontRef>
+        </p:style>
+      </p:cxnSp>
+    </p:spTree>
+    <p:extLst>
+      <p:ext uri="{BB962C8B-B14F-4D97-AF65-F5344CB8AC3E}">
+        <p14:creationId xmlns:p14="http://schemas.microsoft.com/office/powerpoint/2010/main" val="3651945947"/>
       </p:ext>
     </p:extLst>
   </p:cSld>
@@ -4387,7 +7328,7 @@
         <p:spPr/>
         <p:txBody>
           <a:bodyPr>
-            <a:normAutofit lnSpcReduction="10000"/>
+            <a:normAutofit/>
           </a:bodyPr>
           <a:lstStyle/>
           <a:p>
@@ -4395,28 +7336,14 @@
               <a:buNone/>
             </a:pPr>
             <a:r>
+              <a:rPr lang="en-US" b="1" u="sng" dirty="0"/>
+              <a:t>Start with </a:t>
+            </a:r>
+          </a:p>
+          <a:p>
+            <a:r>
               <a:rPr lang="en-US" dirty="0"/>
-              <a:t>Start with </a:t>
-            </a:r>
-          </a:p>
-          <a:p>
-            <a:r>
-              <a:rPr lang="en-US" dirty="0"/>
-              <a:t>Familiarity using the </a:t>
-            </a:r>
-            <a:r>
-              <a:rPr lang="en-US" dirty="0" err="1"/>
-              <a:t>Matlab</a:t>
-            </a:r>
-            <a:r>
-              <a:rPr lang="en-US" dirty="0"/>
-              <a:t> interface</a:t>
-            </a:r>
-          </a:p>
-          <a:p>
-            <a:r>
-              <a:rPr lang="en-US" dirty="0"/>
-              <a:t>Be able to create variables, write and run .m files </a:t>
+              <a:t>Familiarity using the MATLAB interface</a:t>
             </a:r>
           </a:p>
           <a:p>
@@ -4426,34 +7353,46 @@
             </a:r>
           </a:p>
           <a:p>
+            <a:r>
+              <a:rPr lang="en-US" dirty="0"/>
+              <a:t>Ability to import data from a csv file</a:t>
+            </a:r>
+          </a:p>
+          <a:p>
+            <a:pPr marL="0" indent="0">
+              <a:buNone/>
+            </a:pPr>
+            <a:r>
+              <a:rPr lang="en-US" b="1" u="sng" dirty="0"/>
+              <a:t>End with</a:t>
+            </a:r>
+          </a:p>
+          <a:p>
+            <a:r>
+              <a:rPr lang="en-US" dirty="0"/>
+              <a:t>Ability to plot 2 graphs on the same plot in a variety of geometries</a:t>
+            </a:r>
+          </a:p>
+          <a:p>
+            <a:r>
+              <a:rPr lang="en-US" dirty="0"/>
+              <a:t>Be able fit the data to a predefined or custom function</a:t>
+            </a:r>
+          </a:p>
+          <a:p>
+            <a:r>
+              <a:rPr lang="en-US" dirty="0"/>
+              <a:t>Understanding of 3 Fit components and how to export them</a:t>
+            </a:r>
+          </a:p>
+          <a:p>
             <a:endParaRPr lang="en-US" dirty="0"/>
           </a:p>
           <a:p>
-            <a:pPr marL="0" indent="0">
-              <a:buNone/>
-            </a:pPr>
-            <a:r>
-              <a:rPr lang="en-US" dirty="0"/>
-              <a:t>End with</a:t>
-            </a:r>
-          </a:p>
-          <a:p>
-            <a:r>
-              <a:rPr lang="en-US" dirty="0"/>
-              <a:t>Ability to import data</a:t>
-            </a:r>
-          </a:p>
-          <a:p>
-            <a:r>
-              <a:rPr lang="en-US" dirty="0"/>
-              <a:t>Plot 2 graphs on the same plot</a:t>
-            </a:r>
-          </a:p>
-          <a:p>
-            <a:r>
-              <a:rPr lang="en-US" dirty="0"/>
-              <a:t>Fit the data to a function</a:t>
-            </a:r>
+            <a:endParaRPr lang="en-US" dirty="0"/>
+          </a:p>
+          <a:p>
+            <a:endParaRPr lang="en-US" dirty="0"/>
           </a:p>
           <a:p>
             <a:endParaRPr lang="en-US" dirty="0"/>
@@ -4464,6 +7403,240 @@
     <p:extLst>
       <p:ext uri="{BB962C8B-B14F-4D97-AF65-F5344CB8AC3E}">
         <p14:creationId xmlns:p14="http://schemas.microsoft.com/office/powerpoint/2010/main" val="3108560027"/>
+      </p:ext>
+    </p:extLst>
+  </p:cSld>
+  <p:clrMapOvr>
+    <a:masterClrMapping/>
+  </p:clrMapOvr>
+</p:sld>
+</file>
+
+<file path=ppt/slides/slide20.xml><?xml version="1.0" encoding="utf-8"?>
+<p:sld xmlns:a="http://schemas.openxmlformats.org/drawingml/2006/main" xmlns:r="http://schemas.openxmlformats.org/officeDocument/2006/relationships" xmlns:p="http://schemas.openxmlformats.org/presentationml/2006/main">
+  <p:cSld>
+    <p:spTree>
+      <p:nvGrpSpPr>
+        <p:cNvPr id="1" name=""/>
+        <p:cNvGrpSpPr/>
+        <p:nvPr/>
+      </p:nvGrpSpPr>
+      <p:grpSpPr>
+        <a:xfrm>
+          <a:off x="0" y="0"/>
+          <a:ext cx="0" cy="0"/>
+          <a:chOff x="0" y="0"/>
+          <a:chExt cx="0" cy="0"/>
+        </a:xfrm>
+      </p:grpSpPr>
+      <p:sp>
+        <p:nvSpPr>
+          <p:cNvPr id="2" name="Title 1"/>
+          <p:cNvSpPr>
+            <a:spLocks noGrp="1"/>
+          </p:cNvSpPr>
+          <p:nvPr>
+            <p:ph type="title"/>
+          </p:nvPr>
+        </p:nvSpPr>
+        <p:spPr>
+          <a:xfrm>
+            <a:off x="0" y="-160169"/>
+            <a:ext cx="10515600" cy="1325563"/>
+          </a:xfrm>
+        </p:spPr>
+        <p:txBody>
+          <a:bodyPr/>
+          <a:lstStyle/>
+          <a:p>
+            <a:r>
+              <a:rPr lang="en-US" dirty="0"/>
+              <a:t>Time to Play with MATLAB</a:t>
+            </a:r>
+          </a:p>
+        </p:txBody>
+      </p:sp>
+      <p:sp>
+        <p:nvSpPr>
+          <p:cNvPr id="5" name="Rectangle 4"/>
+          <p:cNvSpPr/>
+          <p:nvPr/>
+        </p:nvSpPr>
+        <p:spPr>
+          <a:xfrm>
+            <a:off x="4503907" y="2659408"/>
+            <a:ext cx="7023370" cy="1754326"/>
+          </a:xfrm>
+          <a:prstGeom prst="rect">
+            <a:avLst/>
+          </a:prstGeom>
+        </p:spPr>
+        <p:txBody>
+          <a:bodyPr wrap="square">
+            <a:spAutoFit/>
+          </a:bodyPr>
+          <a:lstStyle/>
+          <a:p>
+            <a:r>
+              <a:rPr lang="en-US" b="1" i="1" dirty="0"/>
+              <a:t>Try using MATLAB to provide some insight into the results from the Boston Marathon. </a:t>
+            </a:r>
+          </a:p>
+          <a:p>
+            <a:pPr marL="285750" indent="-285750">
+              <a:buFontTx/>
+              <a:buChar char="-"/>
+            </a:pPr>
+            <a:r>
+              <a:rPr lang="en-US" b="1" i="1" dirty="0"/>
+              <a:t>Can you write a program that extracts the number of people in each bin of a histogram, and then fit them to multiple Gaussians</a:t>
+            </a:r>
+          </a:p>
+          <a:p>
+            <a:pPr marL="285750" indent="-285750">
+              <a:buFontTx/>
+              <a:buChar char="-"/>
+            </a:pPr>
+            <a:r>
+              <a:rPr lang="en-US" b="1" i="1" dirty="0"/>
+              <a:t>What is the functional form of the finishing results </a:t>
+            </a:r>
+          </a:p>
+          <a:p>
+            <a:pPr marL="285750" indent="-285750">
+              <a:buFontTx/>
+              <a:buChar char="-"/>
+            </a:pPr>
+            <a:endParaRPr lang="en-US" b="1" i="1" dirty="0"/>
+          </a:p>
+        </p:txBody>
+      </p:sp>
+      <p:sp>
+        <p:nvSpPr>
+          <p:cNvPr id="3" name="Rectangle 2"/>
+          <p:cNvSpPr/>
+          <p:nvPr/>
+        </p:nvSpPr>
+        <p:spPr>
+          <a:xfrm>
+            <a:off x="301120" y="3253229"/>
+            <a:ext cx="3462486" cy="523220"/>
+          </a:xfrm>
+          <a:prstGeom prst="rect">
+            <a:avLst/>
+          </a:prstGeom>
+        </p:spPr>
+        <p:txBody>
+          <a:bodyPr wrap="none">
+            <a:spAutoFit/>
+          </a:bodyPr>
+          <a:lstStyle/>
+          <a:p>
+            <a:r>
+              <a:rPr lang="en-US" sz="2800" dirty="0"/>
+              <a:t>Boston Marathon Data</a:t>
+            </a:r>
+          </a:p>
+        </p:txBody>
+      </p:sp>
+      <p:sp>
+        <p:nvSpPr>
+          <p:cNvPr id="6" name="Rectangle 5"/>
+          <p:cNvSpPr/>
+          <p:nvPr/>
+        </p:nvSpPr>
+        <p:spPr>
+          <a:xfrm>
+            <a:off x="174660" y="5224913"/>
+            <a:ext cx="3182474" cy="523220"/>
+          </a:xfrm>
+          <a:prstGeom prst="rect">
+            <a:avLst/>
+          </a:prstGeom>
+        </p:spPr>
+        <p:txBody>
+          <a:bodyPr wrap="none">
+            <a:spAutoFit/>
+          </a:bodyPr>
+          <a:lstStyle/>
+          <a:p>
+            <a:r>
+              <a:rPr lang="en-US" sz="2800" dirty="0"/>
+              <a:t>Other Scientific Data</a:t>
+            </a:r>
+          </a:p>
+        </p:txBody>
+      </p:sp>
+      <p:sp>
+        <p:nvSpPr>
+          <p:cNvPr id="7" name="Rectangle 6"/>
+          <p:cNvSpPr/>
+          <p:nvPr/>
+        </p:nvSpPr>
+        <p:spPr>
+          <a:xfrm>
+            <a:off x="4503907" y="4669001"/>
+            <a:ext cx="7475706" cy="1477328"/>
+          </a:xfrm>
+          <a:prstGeom prst="rect">
+            <a:avLst/>
+          </a:prstGeom>
+        </p:spPr>
+        <p:txBody>
+          <a:bodyPr wrap="square">
+            <a:spAutoFit/>
+          </a:bodyPr>
+          <a:lstStyle/>
+          <a:p>
+            <a:r>
+              <a:rPr lang="en-US" b="1" i="1" dirty="0"/>
+              <a:t>Try to find the public results from a different scientific experiment with public data, and use MATLAB's fitting parameters to fit their data and run analysis on it</a:t>
+            </a:r>
+          </a:p>
+          <a:p>
+            <a:endParaRPr lang="en-US" b="1" i="1" dirty="0"/>
+          </a:p>
+          <a:p>
+            <a:pPr marL="285750" indent="-285750">
+              <a:buFontTx/>
+              <a:buChar char="-"/>
+            </a:pPr>
+            <a:endParaRPr lang="en-US" b="1" i="1" dirty="0"/>
+          </a:p>
+        </p:txBody>
+      </p:sp>
+      <p:sp>
+        <p:nvSpPr>
+          <p:cNvPr id="8" name="Rectangle 7"/>
+          <p:cNvSpPr/>
+          <p:nvPr/>
+        </p:nvSpPr>
+        <p:spPr>
+          <a:xfrm>
+            <a:off x="301120" y="912829"/>
+            <a:ext cx="10214480" cy="1384995"/>
+          </a:xfrm>
+          <a:prstGeom prst="rect">
+            <a:avLst/>
+          </a:prstGeom>
+        </p:spPr>
+        <p:txBody>
+          <a:bodyPr wrap="square">
+            <a:spAutoFit/>
+          </a:bodyPr>
+          <a:lstStyle/>
+          <a:p>
+            <a:r>
+              <a:rPr lang="en-US" sz="2800" dirty="0"/>
+              <a:t>The remaining time is open ended where you can use the skills you have learned working with MATLAB to do a project of your choosing.  Here are a few suggestions.  </a:t>
+            </a:r>
+          </a:p>
+        </p:txBody>
+      </p:sp>
+    </p:spTree>
+    <p:extLst>
+      <p:ext uri="{BB962C8B-B14F-4D97-AF65-F5344CB8AC3E}">
+        <p14:creationId xmlns:p14="http://schemas.microsoft.com/office/powerpoint/2010/main" val="1551401442"/>
       </p:ext>
     </p:extLst>
   </p:cSld>
@@ -4543,16 +7716,10 @@
               <a:buNone/>
             </a:pPr>
             <a:r>
-              <a:rPr lang="en-US" u="sng" dirty="0" err="1">
-                <a:hlinkClick r:id="rId2"/>
-              </a:rPr>
-              <a:t>Matlab</a:t>
-            </a:r>
-            <a:r>
               <a:rPr lang="en-US" u="sng" dirty="0">
                 <a:hlinkClick r:id="rId2"/>
               </a:rPr>
-              <a:t> Documentation</a:t>
+              <a:t>MATLAB Documentation</a:t>
             </a:r>
             <a:endParaRPr lang="en-US" u="sng" dirty="0"/>
           </a:p>
@@ -4560,15 +7727,7 @@
             <a:pPr lvl="1"/>
             <a:r>
               <a:rPr lang="en-US" dirty="0"/>
-              <a:t>Easiest to find through a Google search of “</a:t>
-            </a:r>
-            <a:r>
-              <a:rPr lang="en-US" dirty="0" err="1"/>
-              <a:t>Matlab</a:t>
-            </a:r>
-            <a:r>
-              <a:rPr lang="en-US" dirty="0"/>
-              <a:t> + command”</a:t>
+              <a:t>Easiest to find through a Google search of “MATLAB + command”</a:t>
             </a:r>
           </a:p>
           <a:p>
@@ -4593,13 +7752,7 @@
               <a:rPr lang="en-US" u="sng" dirty="0">
                 <a:hlinkClick r:id="rId3"/>
               </a:rPr>
-              <a:t>BYU Intro to </a:t>
-            </a:r>
-            <a:r>
-              <a:rPr lang="en-US" u="sng" dirty="0" err="1">
-                <a:hlinkClick r:id="rId3"/>
-              </a:rPr>
-              <a:t>Matlab</a:t>
+              <a:t>BYU Intro to MATLAB</a:t>
             </a:r>
             <a:endParaRPr lang="en-US" u="sng" dirty="0"/>
           </a:p>
@@ -4792,15 +7945,7 @@
           <a:p>
             <a:r>
               <a:rPr lang="en-US" b="1" i="1" dirty="0"/>
-              <a:t>Try to write a program that will create some test data for us to fit functions to.  Have 2 sets of data for each function, a low sample rate set with random noise and a high sample rate set to compare the noisy one to. Then plot both of the data sets for each function on the same graph to check that they </a:t>
-            </a:r>
-            <a:r>
-              <a:rPr lang="en-US" b="1" i="1" dirty="0" err="1"/>
-              <a:t>infact</a:t>
-            </a:r>
-            <a:r>
-              <a:rPr lang="en-US" b="1" i="1" dirty="0"/>
-              <a:t> overlap.  </a:t>
+              <a:t>Try to write a program that will create some test data for us to fit functions to.  Have 2 sets of data for each function, a low sample rate set with random noise and a high sample rate set to compare the noisy one to. Then plot both of the data sets for each function on the same graph to check that they in fact overlap.  </a:t>
             </a:r>
           </a:p>
           <a:p>
@@ -4845,7 +7990,7 @@
       </p:sp>
       <p:pic>
         <p:nvPicPr>
-          <p:cNvPr id="7" name="Picture 6"/>
+          <p:cNvPr id="9" name="Picture 8"/>
           <p:cNvPicPr>
             <a:picLocks noChangeAspect="1"/>
           </p:cNvPicPr>
@@ -4859,8 +8004,8 @@
         </p:blipFill>
         <p:spPr>
           <a:xfrm>
-            <a:off x="8705581" y="3978611"/>
-            <a:ext cx="2991119" cy="2243339"/>
+            <a:off x="8391403" y="3732214"/>
+            <a:ext cx="3152567" cy="2370055"/>
           </a:xfrm>
           <a:prstGeom prst="rect">
             <a:avLst/>
@@ -4874,7 +8019,7 @@
       </p:pic>
       <p:pic>
         <p:nvPicPr>
-          <p:cNvPr id="8" name="Picture 7"/>
+          <p:cNvPr id="10" name="Picture 9"/>
           <p:cNvPicPr>
             <a:picLocks noChangeAspect="1"/>
           </p:cNvPicPr>
@@ -4888,8 +8033,8 @@
         </p:blipFill>
         <p:spPr>
           <a:xfrm>
-            <a:off x="8705581" y="1159965"/>
-            <a:ext cx="2996117" cy="2247088"/>
+            <a:off x="8391403" y="792917"/>
+            <a:ext cx="3271021" cy="2453266"/>
           </a:xfrm>
           <a:prstGeom prst="rect">
             <a:avLst/>
@@ -4960,7 +8105,7 @@
             </a:br>
             <a:r>
               <a:rPr lang="en-US" sz="2800" dirty="0"/>
-              <a:t>Polynomial Function</a:t>
+              <a:t>Generating Data for Manipulation</a:t>
             </a:r>
             <a:endParaRPr lang="en-US" dirty="0"/>
           </a:p>
@@ -4968,22 +8113,21 @@
       </p:sp>
       <p:pic>
         <p:nvPicPr>
-          <p:cNvPr id="8" name="Picture 7"/>
+          <p:cNvPr id="4" name="Picture 3"/>
           <p:cNvPicPr>
             <a:picLocks noChangeAspect="1"/>
           </p:cNvPicPr>
           <p:nvPr/>
         </p:nvPicPr>
-        <p:blipFill>
+        <p:blipFill rotWithShape="1">
           <a:blip r:embed="rId2"/>
-          <a:stretch>
-            <a:fillRect/>
-          </a:stretch>
+          <a:srcRect r="870"/>
+          <a:stretch/>
         </p:blipFill>
         <p:spPr>
           <a:xfrm>
-            <a:off x="7795912" y="2150107"/>
-            <a:ext cx="3951328" cy="2963496"/>
+            <a:off x="622571" y="4626578"/>
+            <a:ext cx="7166852" cy="1798575"/>
           </a:xfrm>
           <a:prstGeom prst="rect">
             <a:avLst/>
@@ -4997,7 +8141,7 @@
       </p:pic>
       <p:pic>
         <p:nvPicPr>
-          <p:cNvPr id="9" name="Picture 8"/>
+          <p:cNvPr id="5" name="Picture 4"/>
           <p:cNvPicPr>
             <a:picLocks noChangeAspect="1"/>
           </p:cNvPicPr>
@@ -5011,8 +8155,65 @@
         </p:blipFill>
         <p:spPr>
           <a:xfrm>
-            <a:off x="398835" y="1786582"/>
-            <a:ext cx="7075472" cy="3690547"/>
+            <a:off x="612843" y="2698395"/>
+            <a:ext cx="7176580" cy="1816295"/>
+          </a:xfrm>
+          <a:prstGeom prst="rect">
+            <a:avLst/>
+          </a:prstGeom>
+          <a:ln>
+            <a:solidFill>
+              <a:schemeClr val="tx1"/>
+            </a:solidFill>
+          </a:ln>
+        </p:spPr>
+      </p:pic>
+      <p:pic>
+        <p:nvPicPr>
+          <p:cNvPr id="6" name="Picture 5"/>
+          <p:cNvPicPr>
+            <a:picLocks noChangeAspect="1"/>
+          </p:cNvPicPr>
+          <p:nvPr/>
+        </p:nvPicPr>
+        <p:blipFill rotWithShape="1">
+          <a:blip r:embed="rId4"/>
+          <a:srcRect r="8228"/>
+          <a:stretch/>
+        </p:blipFill>
+        <p:spPr>
+          <a:xfrm>
+            <a:off x="622571" y="1473755"/>
+            <a:ext cx="7176580" cy="1085850"/>
+          </a:xfrm>
+          <a:prstGeom prst="rect">
+            <a:avLst/>
+          </a:prstGeom>
+          <a:ln>
+            <a:solidFill>
+              <a:schemeClr val="tx1"/>
+            </a:solidFill>
+          </a:ln>
+        </p:spPr>
+      </p:pic>
+      <p:pic>
+        <p:nvPicPr>
+          <p:cNvPr id="7" name="Picture 6"/>
+          <p:cNvPicPr>
+            <a:picLocks noChangeAspect="1"/>
+          </p:cNvPicPr>
+          <p:nvPr/>
+        </p:nvPicPr>
+        <p:blipFill>
+          <a:blip r:embed="rId5"/>
+          <a:stretch>
+            <a:fillRect/>
+          </a:stretch>
+        </p:blipFill>
+        <p:spPr>
+          <a:xfrm>
+            <a:off x="8784279" y="2276315"/>
+            <a:ext cx="2295525" cy="2238375"/>
           </a:xfrm>
           <a:prstGeom prst="rect">
             <a:avLst/>
@@ -5083,7 +8284,7 @@
             </a:br>
             <a:r>
               <a:rPr lang="en-US" sz="2800" dirty="0"/>
-              <a:t>Sinusoidal Function</a:t>
+              <a:t>Plotting Data in a Figure</a:t>
             </a:r>
             <a:endParaRPr lang="en-US" dirty="0"/>
           </a:p>
@@ -5091,22 +8292,21 @@
       </p:sp>
       <p:pic>
         <p:nvPicPr>
-          <p:cNvPr id="11" name="Picture 10"/>
+          <p:cNvPr id="3" name="Picture 2"/>
           <p:cNvPicPr>
             <a:picLocks noChangeAspect="1"/>
           </p:cNvPicPr>
           <p:nvPr/>
         </p:nvPicPr>
-        <p:blipFill>
+        <p:blipFill rotWithShape="1">
           <a:blip r:embed="rId2"/>
-          <a:stretch>
-            <a:fillRect/>
-          </a:stretch>
+          <a:srcRect t="-6797" r="608" b="-9920"/>
+          <a:stretch/>
         </p:blipFill>
         <p:spPr>
           <a:xfrm>
-            <a:off x="7892597" y="2363818"/>
-            <a:ext cx="3955918" cy="2966938"/>
+            <a:off x="722885" y="1748564"/>
+            <a:ext cx="7781925" cy="544748"/>
           </a:xfrm>
           <a:prstGeom prst="rect">
             <a:avLst/>
@@ -5120,22 +8320,108 @@
       </p:pic>
       <p:pic>
         <p:nvPicPr>
-          <p:cNvPr id="4" name="Picture 3"/>
+          <p:cNvPr id="5" name="Picture 4"/>
+          <p:cNvPicPr>
+            <a:picLocks noChangeAspect="1"/>
+          </p:cNvPicPr>
+          <p:nvPr/>
+        </p:nvPicPr>
+        <p:blipFill rotWithShape="1">
+          <a:blip r:embed="rId3"/>
+          <a:srcRect r="1090"/>
+          <a:stretch/>
+        </p:blipFill>
+        <p:spPr>
+          <a:xfrm>
+            <a:off x="722886" y="4400550"/>
+            <a:ext cx="7781925" cy="1714500"/>
+          </a:xfrm>
+          <a:prstGeom prst="rect">
+            <a:avLst/>
+          </a:prstGeom>
+          <a:ln>
+            <a:solidFill>
+              <a:schemeClr val="tx1"/>
+            </a:solidFill>
+          </a:ln>
+        </p:spPr>
+      </p:pic>
+      <p:pic>
+        <p:nvPicPr>
+          <p:cNvPr id="6" name="Picture 5"/>
           <p:cNvPicPr>
             <a:picLocks noChangeAspect="1"/>
           </p:cNvPicPr>
           <p:nvPr/>
         </p:nvPicPr>
         <p:blipFill>
-          <a:blip r:embed="rId3"/>
+          <a:blip r:embed="rId4"/>
           <a:stretch>
             <a:fillRect/>
           </a:stretch>
         </p:blipFill>
         <p:spPr>
           <a:xfrm>
-            <a:off x="359922" y="2175802"/>
-            <a:ext cx="7040318" cy="3342970"/>
+            <a:off x="722886" y="2412204"/>
+            <a:ext cx="7781925" cy="1866900"/>
+          </a:xfrm>
+          <a:prstGeom prst="rect">
+            <a:avLst/>
+          </a:prstGeom>
+          <a:ln>
+            <a:solidFill>
+              <a:schemeClr val="tx1"/>
+            </a:solidFill>
+          </a:ln>
+        </p:spPr>
+      </p:pic>
+      <p:pic>
+        <p:nvPicPr>
+          <p:cNvPr id="8" name="Picture 7"/>
+          <p:cNvPicPr>
+            <a:picLocks noChangeAspect="1"/>
+          </p:cNvPicPr>
+          <p:nvPr/>
+        </p:nvPicPr>
+        <p:blipFill>
+          <a:blip r:embed="rId5"/>
+          <a:stretch>
+            <a:fillRect/>
+          </a:stretch>
+        </p:blipFill>
+        <p:spPr>
+          <a:xfrm>
+            <a:off x="8713555" y="3873505"/>
+            <a:ext cx="3152567" cy="2370055"/>
+          </a:xfrm>
+          <a:prstGeom prst="rect">
+            <a:avLst/>
+          </a:prstGeom>
+          <a:ln>
+            <a:solidFill>
+              <a:schemeClr val="tx1"/>
+            </a:solidFill>
+          </a:ln>
+        </p:spPr>
+      </p:pic>
+      <p:pic>
+        <p:nvPicPr>
+          <p:cNvPr id="9" name="Picture 8"/>
+          <p:cNvPicPr>
+            <a:picLocks noChangeAspect="1"/>
+          </p:cNvPicPr>
+          <p:nvPr/>
+        </p:nvPicPr>
+        <p:blipFill>
+          <a:blip r:embed="rId6"/>
+          <a:stretch>
+            <a:fillRect/>
+          </a:stretch>
+        </p:blipFill>
+        <p:spPr>
+          <a:xfrm>
+            <a:off x="8713555" y="885217"/>
+            <a:ext cx="3271021" cy="2453266"/>
           </a:xfrm>
           <a:prstGeom prst="rect">
             <a:avLst/>
@@ -5224,15 +8510,7 @@
             </a:pPr>
             <a:r>
               <a:rPr lang="en-US" dirty="0"/>
-              <a:t>In </a:t>
-            </a:r>
-            <a:r>
-              <a:rPr lang="en-US" dirty="0" err="1"/>
-              <a:t>Matlab</a:t>
-            </a:r>
-            <a:r>
-              <a:rPr lang="en-US" dirty="0"/>
-              <a:t> you can make one figure with multiple plots on it using the subplot command.  </a:t>
+              <a:t>In MATLAB you can make one figure with multiple plots on it using the subplot command.  </a:t>
             </a:r>
           </a:p>
           <a:p>
@@ -5351,9 +8629,37 @@
           </a:p>
         </p:txBody>
       </p:sp>
+      <p:sp>
+        <p:nvSpPr>
+          <p:cNvPr id="9" name="Rectangle 8"/>
+          <p:cNvSpPr/>
+          <p:nvPr/>
+        </p:nvSpPr>
+        <p:spPr>
+          <a:xfrm>
+            <a:off x="2647760" y="4649821"/>
+            <a:ext cx="6096000" cy="923330"/>
+          </a:xfrm>
+          <a:prstGeom prst="rect">
+            <a:avLst/>
+          </a:prstGeom>
+        </p:spPr>
+        <p:txBody>
+          <a:bodyPr>
+            <a:spAutoFit/>
+          </a:bodyPr>
+          <a:lstStyle/>
+          <a:p>
+            <a:r>
+              <a:rPr lang="en-US" b="1" i="1" dirty="0"/>
+              <a:t>Try to replicate the figures on the right using the test data you generated earlier today and the subplot command.  Don’t forget to add axis labels and titles for each of the graphs. </a:t>
+            </a:r>
+          </a:p>
+        </p:txBody>
+      </p:sp>
       <p:pic>
         <p:nvPicPr>
-          <p:cNvPr id="8" name="Picture 7"/>
+          <p:cNvPr id="4" name="Picture 3"/>
           <p:cNvPicPr>
             <a:picLocks noChangeAspect="1"/>
           </p:cNvPicPr>
@@ -5367,8 +8673,8 @@
         </p:blipFill>
         <p:spPr>
           <a:xfrm>
-            <a:off x="9007813" y="682048"/>
-            <a:ext cx="2676728" cy="3205406"/>
+            <a:off x="8867163" y="1298371"/>
+            <a:ext cx="2910890" cy="2183168"/>
           </a:xfrm>
           <a:prstGeom prst="rect">
             <a:avLst/>
@@ -5380,37 +8686,9 @@
           </a:ln>
         </p:spPr>
       </p:pic>
-      <p:sp>
-        <p:nvSpPr>
-          <p:cNvPr id="9" name="Rectangle 8"/>
-          <p:cNvSpPr/>
-          <p:nvPr/>
-        </p:nvSpPr>
-        <p:spPr>
-          <a:xfrm>
-            <a:off x="2647760" y="4649821"/>
-            <a:ext cx="6096000" cy="923330"/>
-          </a:xfrm>
-          <a:prstGeom prst="rect">
-            <a:avLst/>
-          </a:prstGeom>
-        </p:spPr>
-        <p:txBody>
-          <a:bodyPr>
-            <a:spAutoFit/>
-          </a:bodyPr>
-          <a:lstStyle/>
-          <a:p>
-            <a:r>
-              <a:rPr lang="en-US" b="1" i="1" dirty="0"/>
-              <a:t>Try to replicate the figures on the right using the test data you generated earlier today and the subplot command.  Don’t forget to add axis labels and titles for each of the graphs. </a:t>
-            </a:r>
-          </a:p>
-        </p:txBody>
-      </p:sp>
       <p:pic>
         <p:nvPicPr>
-          <p:cNvPr id="10" name="Picture 9"/>
+          <p:cNvPr id="7" name="Picture 6"/>
           <p:cNvPicPr>
             <a:picLocks noChangeAspect="1"/>
           </p:cNvPicPr>
@@ -5424,8 +8702,8 @@
         </p:blipFill>
         <p:spPr>
           <a:xfrm>
-            <a:off x="9007813" y="4215643"/>
-            <a:ext cx="2676728" cy="2007546"/>
+            <a:off x="8867163" y="4161217"/>
+            <a:ext cx="2910890" cy="2183168"/>
           </a:xfrm>
           <a:prstGeom prst="rect">
             <a:avLst/>
@@ -5504,7 +8782,7 @@
       </p:sp>
       <p:pic>
         <p:nvPicPr>
-          <p:cNvPr id="3" name="Picture 2"/>
+          <p:cNvPr id="6" name="Picture 5"/>
           <p:cNvPicPr>
             <a:picLocks noChangeAspect="1"/>
           </p:cNvPicPr>
@@ -5518,8 +8796,8 @@
         </p:blipFill>
         <p:spPr>
           <a:xfrm>
-            <a:off x="8165886" y="1570757"/>
-            <a:ext cx="3643493" cy="4363116"/>
+            <a:off x="8429417" y="2279265"/>
+            <a:ext cx="3484997" cy="2613748"/>
           </a:xfrm>
           <a:prstGeom prst="rect">
             <a:avLst/>
@@ -5533,7 +8811,7 @@
       </p:pic>
       <p:pic>
         <p:nvPicPr>
-          <p:cNvPr id="5" name="Picture 4"/>
+          <p:cNvPr id="4" name="Picture 3"/>
           <p:cNvPicPr>
             <a:picLocks noChangeAspect="1"/>
           </p:cNvPicPr>
@@ -5547,8 +8825,8 @@
         </p:blipFill>
         <p:spPr>
           <a:xfrm>
-            <a:off x="408562" y="2748298"/>
-            <a:ext cx="7402749" cy="2008033"/>
+            <a:off x="381811" y="2519339"/>
+            <a:ext cx="7848600" cy="2133600"/>
           </a:xfrm>
           <a:prstGeom prst="rect">
             <a:avLst/>
@@ -5627,7 +8905,7 @@
       </p:sp>
       <p:pic>
         <p:nvPicPr>
-          <p:cNvPr id="4" name="Picture 3"/>
+          <p:cNvPr id="3" name="Picture 2"/>
           <p:cNvPicPr>
             <a:picLocks noChangeAspect="1"/>
           </p:cNvPicPr>
@@ -5641,8 +8919,8 @@
         </p:blipFill>
         <p:spPr>
           <a:xfrm>
-            <a:off x="8388484" y="2529192"/>
-            <a:ext cx="3438728" cy="2579046"/>
+            <a:off x="262646" y="2765088"/>
+            <a:ext cx="7858125" cy="2343150"/>
           </a:xfrm>
           <a:prstGeom prst="rect">
             <a:avLst/>
@@ -5656,7 +8934,7 @@
       </p:pic>
       <p:pic>
         <p:nvPicPr>
-          <p:cNvPr id="7" name="Picture 6"/>
+          <p:cNvPr id="8" name="Picture 7"/>
           <p:cNvPicPr>
             <a:picLocks noChangeAspect="1"/>
           </p:cNvPicPr>
@@ -5670,8 +8948,8 @@
         </p:blipFill>
         <p:spPr>
           <a:xfrm>
-            <a:off x="408563" y="2739519"/>
-            <a:ext cx="7255740" cy="2158391"/>
+            <a:off x="8526694" y="2524067"/>
+            <a:ext cx="3445561" cy="2584171"/>
           </a:xfrm>
           <a:prstGeom prst="rect">
             <a:avLst/>
